--- a/2020 OpenGL 포트폴리오 박세준.pptx
+++ b/2020 OpenGL 포트폴리오 박세준.pptx
@@ -242,7 +242,7 @@
           <a:p>
             <a:fld id="{A95E18FD-3D14-4710-AD6B-A7757F37F6C1}" type="datetimeFigureOut">
               <a:rPr lang="ko-KR" altLang="en-US" smtClean="0"/>
-              <a:t>2020-05-22</a:t>
+              <a:t>2020-05-27</a:t>
             </a:fld>
             <a:endParaRPr lang="ko-KR" altLang="en-US"/>
           </a:p>
@@ -908,7 +908,7 @@
           <a:p>
             <a:fld id="{C633B9D5-8828-47EF-B888-5F85DC4DEDB6}" type="datetimeFigureOut">
               <a:rPr lang="ko-KR" altLang="en-US" smtClean="0"/>
-              <a:t>2020-05-22</a:t>
+              <a:t>2020-05-27</a:t>
             </a:fld>
             <a:endParaRPr lang="ko-KR" altLang="en-US"/>
           </a:p>
@@ -1106,7 +1106,7 @@
           <a:p>
             <a:fld id="{C633B9D5-8828-47EF-B888-5F85DC4DEDB6}" type="datetimeFigureOut">
               <a:rPr lang="ko-KR" altLang="en-US" smtClean="0"/>
-              <a:t>2020-05-22</a:t>
+              <a:t>2020-05-27</a:t>
             </a:fld>
             <a:endParaRPr lang="ko-KR" altLang="en-US"/>
           </a:p>
@@ -1314,7 +1314,7 @@
           <a:p>
             <a:fld id="{C633B9D5-8828-47EF-B888-5F85DC4DEDB6}" type="datetimeFigureOut">
               <a:rPr lang="ko-KR" altLang="en-US" smtClean="0"/>
-              <a:t>2020-05-22</a:t>
+              <a:t>2020-05-27</a:t>
             </a:fld>
             <a:endParaRPr lang="ko-KR" altLang="en-US"/>
           </a:p>
@@ -1512,7 +1512,7 @@
           <a:p>
             <a:fld id="{C633B9D5-8828-47EF-B888-5F85DC4DEDB6}" type="datetimeFigureOut">
               <a:rPr lang="ko-KR" altLang="en-US" smtClean="0"/>
-              <a:t>2020-05-22</a:t>
+              <a:t>2020-05-27</a:t>
             </a:fld>
             <a:endParaRPr lang="ko-KR" altLang="en-US"/>
           </a:p>
@@ -1787,7 +1787,7 @@
           <a:p>
             <a:fld id="{C633B9D5-8828-47EF-B888-5F85DC4DEDB6}" type="datetimeFigureOut">
               <a:rPr lang="ko-KR" altLang="en-US" smtClean="0"/>
-              <a:t>2020-05-22</a:t>
+              <a:t>2020-05-27</a:t>
             </a:fld>
             <a:endParaRPr lang="ko-KR" altLang="en-US"/>
           </a:p>
@@ -2052,7 +2052,7 @@
           <a:p>
             <a:fld id="{C633B9D5-8828-47EF-B888-5F85DC4DEDB6}" type="datetimeFigureOut">
               <a:rPr lang="ko-KR" altLang="en-US" smtClean="0"/>
-              <a:t>2020-05-22</a:t>
+              <a:t>2020-05-27</a:t>
             </a:fld>
             <a:endParaRPr lang="ko-KR" altLang="en-US"/>
           </a:p>
@@ -2464,7 +2464,7 @@
           <a:p>
             <a:fld id="{C633B9D5-8828-47EF-B888-5F85DC4DEDB6}" type="datetimeFigureOut">
               <a:rPr lang="ko-KR" altLang="en-US" smtClean="0"/>
-              <a:t>2020-05-22</a:t>
+              <a:t>2020-05-27</a:t>
             </a:fld>
             <a:endParaRPr lang="ko-KR" altLang="en-US"/>
           </a:p>
@@ -2605,7 +2605,7 @@
           <a:p>
             <a:fld id="{C633B9D5-8828-47EF-B888-5F85DC4DEDB6}" type="datetimeFigureOut">
               <a:rPr lang="ko-KR" altLang="en-US" smtClean="0"/>
-              <a:t>2020-05-22</a:t>
+              <a:t>2020-05-27</a:t>
             </a:fld>
             <a:endParaRPr lang="ko-KR" altLang="en-US"/>
           </a:p>
@@ -2718,7 +2718,7 @@
           <a:p>
             <a:fld id="{C633B9D5-8828-47EF-B888-5F85DC4DEDB6}" type="datetimeFigureOut">
               <a:rPr lang="ko-KR" altLang="en-US" smtClean="0"/>
-              <a:t>2020-05-22</a:t>
+              <a:t>2020-05-27</a:t>
             </a:fld>
             <a:endParaRPr lang="ko-KR" altLang="en-US"/>
           </a:p>
@@ -3029,7 +3029,7 @@
           <a:p>
             <a:fld id="{C633B9D5-8828-47EF-B888-5F85DC4DEDB6}" type="datetimeFigureOut">
               <a:rPr lang="ko-KR" altLang="en-US" smtClean="0"/>
-              <a:t>2020-05-22</a:t>
+              <a:t>2020-05-27</a:t>
             </a:fld>
             <a:endParaRPr lang="ko-KR" altLang="en-US"/>
           </a:p>
@@ -3317,7 +3317,7 @@
           <a:p>
             <a:fld id="{C633B9D5-8828-47EF-B888-5F85DC4DEDB6}" type="datetimeFigureOut">
               <a:rPr lang="ko-KR" altLang="en-US" smtClean="0"/>
-              <a:t>2020-05-22</a:t>
+              <a:t>2020-05-27</a:t>
             </a:fld>
             <a:endParaRPr lang="ko-KR" altLang="en-US"/>
           </a:p>
@@ -3558,7 +3558,7 @@
           <a:p>
             <a:fld id="{C633B9D5-8828-47EF-B888-5F85DC4DEDB6}" type="datetimeFigureOut">
               <a:rPr lang="ko-KR" altLang="en-US" smtClean="0"/>
-              <a:t>2020-05-22</a:t>
+              <a:t>2020-05-27</a:t>
             </a:fld>
             <a:endParaRPr lang="ko-KR" altLang="en-US"/>
           </a:p>
@@ -14347,10 +14347,234 @@
       </p:sp>
       <p:sp>
         <p:nvSpPr>
-          <p:cNvPr id="34" name="직사각형 33">
-            <a:extLst>
-              <a:ext uri="{FF2B5EF4-FFF2-40B4-BE49-F238E27FC236}">
-                <a16:creationId xmlns:a16="http://schemas.microsoft.com/office/drawing/2014/main" id="{DB6A1DA7-23E7-4C66-951F-BAE43588B272}"/>
+          <p:cNvPr id="40" name="TextBox 39">
+            <a:extLst>
+              <a:ext uri="{FF2B5EF4-FFF2-40B4-BE49-F238E27FC236}">
+                <a16:creationId xmlns:a16="http://schemas.microsoft.com/office/drawing/2014/main" id="{D9338098-F91C-499C-BAAE-6ACE595931D1}"/>
+              </a:ext>
+            </a:extLst>
+          </p:cNvPr>
+          <p:cNvSpPr txBox="1"/>
+          <p:nvPr/>
+        </p:nvSpPr>
+        <p:spPr>
+          <a:xfrm>
+            <a:off x="3039884" y="2732548"/>
+            <a:ext cx="1965923" cy="338554"/>
+          </a:xfrm>
+          <a:prstGeom prst="rect">
+            <a:avLst/>
+          </a:prstGeom>
+          <a:noFill/>
+        </p:spPr>
+        <p:txBody>
+          <a:bodyPr wrap="none" rtlCol="0">
+            <a:spAutoFit/>
+          </a:bodyPr>
+          <a:lstStyle/>
+          <a:p>
+            <a:r>
+              <a:rPr lang="en-US" altLang="ko-KR" sz="1600" dirty="0">
+                <a:ln>
+                  <a:solidFill>
+                    <a:schemeClr val="tx1">
+                      <a:alpha val="40000"/>
+                    </a:schemeClr>
+                  </a:solidFill>
+                </a:ln>
+                <a:latin typeface="나눔스퀘어_ac" panose="020B0600000101010101" pitchFamily="50" charset="-127"/>
+                <a:ea typeface="나눔스퀘어_ac" panose="020B0600000101010101" pitchFamily="50" charset="-127"/>
+              </a:rPr>
+              <a:t>Forward Rendering</a:t>
+            </a:r>
+            <a:endParaRPr lang="ko-KR" altLang="en-US" sz="1600" dirty="0">
+              <a:ln>
+                <a:solidFill>
+                  <a:schemeClr val="tx1">
+                    <a:alpha val="40000"/>
+                  </a:schemeClr>
+                </a:solidFill>
+              </a:ln>
+              <a:latin typeface="나눔스퀘어_ac" panose="020B0600000101010101" pitchFamily="50" charset="-127"/>
+              <a:ea typeface="나눔스퀘어_ac" panose="020B0600000101010101" pitchFamily="50" charset="-127"/>
+            </a:endParaRPr>
+          </a:p>
+        </p:txBody>
+      </p:sp>
+      <p:sp>
+        <p:nvSpPr>
+          <p:cNvPr id="41" name="TextBox 40">
+            <a:extLst>
+              <a:ext uri="{FF2B5EF4-FFF2-40B4-BE49-F238E27FC236}">
+                <a16:creationId xmlns:a16="http://schemas.microsoft.com/office/drawing/2014/main" id="{BCB7E924-2B76-48A8-855A-2D3389012279}"/>
+              </a:ext>
+            </a:extLst>
+          </p:cNvPr>
+          <p:cNvSpPr txBox="1"/>
+          <p:nvPr/>
+        </p:nvSpPr>
+        <p:spPr>
+          <a:xfrm>
+            <a:off x="2600631" y="3636332"/>
+            <a:ext cx="2739211" cy="338554"/>
+          </a:xfrm>
+          <a:prstGeom prst="rect">
+            <a:avLst/>
+          </a:prstGeom>
+          <a:noFill/>
+        </p:spPr>
+        <p:txBody>
+          <a:bodyPr wrap="none" rtlCol="0">
+            <a:spAutoFit/>
+          </a:bodyPr>
+          <a:lstStyle/>
+          <a:p>
+            <a:r>
+              <a:rPr lang="en-US" altLang="ko-KR" sz="1600" dirty="0">
+                <a:ln>
+                  <a:solidFill>
+                    <a:schemeClr val="tx1">
+                      <a:alpha val="40000"/>
+                    </a:schemeClr>
+                  </a:solidFill>
+                </a:ln>
+                <a:latin typeface="나눔스퀘어_ac" panose="020B0600000101010101" pitchFamily="50" charset="-127"/>
+                <a:ea typeface="나눔스퀘어_ac" panose="020B0600000101010101" pitchFamily="50" charset="-127"/>
+              </a:rPr>
+              <a:t>Volumetric Light Scattering</a:t>
+            </a:r>
+            <a:endParaRPr lang="ko-KR" altLang="en-US" sz="1600" dirty="0">
+              <a:ln>
+                <a:solidFill>
+                  <a:schemeClr val="tx1">
+                    <a:alpha val="40000"/>
+                  </a:schemeClr>
+                </a:solidFill>
+              </a:ln>
+              <a:latin typeface="나눔스퀘어_ac" panose="020B0600000101010101" pitchFamily="50" charset="-127"/>
+              <a:ea typeface="나눔스퀘어_ac" panose="020B0600000101010101" pitchFamily="50" charset="-127"/>
+            </a:endParaRPr>
+          </a:p>
+        </p:txBody>
+      </p:sp>
+      <p:sp>
+        <p:nvSpPr>
+          <p:cNvPr id="42" name="TextBox 41">
+            <a:extLst>
+              <a:ext uri="{FF2B5EF4-FFF2-40B4-BE49-F238E27FC236}">
+                <a16:creationId xmlns:a16="http://schemas.microsoft.com/office/drawing/2014/main" id="{4D05E478-AD5A-40DB-B261-B5ED05771C0A}"/>
+              </a:ext>
+            </a:extLst>
+          </p:cNvPr>
+          <p:cNvSpPr txBox="1"/>
+          <p:nvPr/>
+        </p:nvSpPr>
+        <p:spPr>
+          <a:xfrm>
+            <a:off x="3688345" y="4561331"/>
+            <a:ext cx="747316" cy="338554"/>
+          </a:xfrm>
+          <a:prstGeom prst="rect">
+            <a:avLst/>
+          </a:prstGeom>
+          <a:noFill/>
+        </p:spPr>
+        <p:txBody>
+          <a:bodyPr wrap="square" rtlCol="0">
+            <a:spAutoFit/>
+          </a:bodyPr>
+          <a:lstStyle/>
+          <a:p>
+            <a:r>
+              <a:rPr lang="en-US" altLang="ko-KR" sz="1600" dirty="0">
+                <a:ln>
+                  <a:solidFill>
+                    <a:schemeClr val="tx1">
+                      <a:alpha val="40000"/>
+                    </a:schemeClr>
+                  </a:solidFill>
+                </a:ln>
+                <a:latin typeface="나눔스퀘어_ac" panose="020B0600000101010101" pitchFamily="50" charset="-127"/>
+                <a:ea typeface="나눔스퀘어_ac" panose="020B0600000101010101" pitchFamily="50" charset="-127"/>
+              </a:rPr>
+              <a:t>Blur</a:t>
+            </a:r>
+            <a:endParaRPr lang="ko-KR" altLang="en-US" sz="1600" dirty="0">
+              <a:ln>
+                <a:solidFill>
+                  <a:schemeClr val="tx1">
+                    <a:alpha val="40000"/>
+                  </a:schemeClr>
+                </a:solidFill>
+              </a:ln>
+              <a:latin typeface="나눔스퀘어_ac" panose="020B0600000101010101" pitchFamily="50" charset="-127"/>
+              <a:ea typeface="나눔스퀘어_ac" panose="020B0600000101010101" pitchFamily="50" charset="-127"/>
+            </a:endParaRPr>
+          </a:p>
+        </p:txBody>
+      </p:sp>
+      <p:sp>
+        <p:nvSpPr>
+          <p:cNvPr id="43" name="TextBox 42">
+            <a:extLst>
+              <a:ext uri="{FF2B5EF4-FFF2-40B4-BE49-F238E27FC236}">
+                <a16:creationId xmlns:a16="http://schemas.microsoft.com/office/drawing/2014/main" id="{5808AB51-5C56-4CF6-A548-EF2BAFE91AE2}"/>
+              </a:ext>
+            </a:extLst>
+          </p:cNvPr>
+          <p:cNvSpPr txBox="1"/>
+          <p:nvPr/>
+        </p:nvSpPr>
+        <p:spPr>
+          <a:xfrm>
+            <a:off x="3128793" y="5536887"/>
+            <a:ext cx="1676806" cy="338554"/>
+          </a:xfrm>
+          <a:prstGeom prst="rect">
+            <a:avLst/>
+          </a:prstGeom>
+          <a:noFill/>
+        </p:spPr>
+        <p:txBody>
+          <a:bodyPr wrap="none" rtlCol="0">
+            <a:spAutoFit/>
+          </a:bodyPr>
+          <a:lstStyle/>
+          <a:p>
+            <a:r>
+              <a:rPr lang="en-US" altLang="ko-KR" sz="1600" dirty="0">
+                <a:ln>
+                  <a:solidFill>
+                    <a:schemeClr val="tx1">
+                      <a:alpha val="40000"/>
+                    </a:schemeClr>
+                  </a:solidFill>
+                </a:ln>
+                <a:latin typeface="나눔스퀘어_ac" panose="020B0600000101010101" pitchFamily="50" charset="-127"/>
+                <a:ea typeface="나눔스퀘어_ac" panose="020B0600000101010101" pitchFamily="50" charset="-127"/>
+              </a:rPr>
+              <a:t>Post Processing</a:t>
+            </a:r>
+            <a:endParaRPr lang="ko-KR" altLang="en-US" sz="1600" dirty="0">
+              <a:ln>
+                <a:solidFill>
+                  <a:schemeClr val="tx1">
+                    <a:alpha val="40000"/>
+                  </a:schemeClr>
+                </a:solidFill>
+              </a:ln>
+              <a:latin typeface="나눔스퀘어_ac" panose="020B0600000101010101" pitchFamily="50" charset="-127"/>
+              <a:ea typeface="나눔스퀘어_ac" panose="020B0600000101010101" pitchFamily="50" charset="-127"/>
+            </a:endParaRPr>
+          </a:p>
+        </p:txBody>
+      </p:sp>
+      <p:sp>
+        <p:nvSpPr>
+          <p:cNvPr id="99" name="사각형: 모서리가 접힌 도형 98">
+            <a:extLst>
+              <a:ext uri="{FF2B5EF4-FFF2-40B4-BE49-F238E27FC236}">
+                <a16:creationId xmlns:a16="http://schemas.microsoft.com/office/drawing/2014/main" id="{5FC419FF-9C46-472D-A1E4-6FCAEAEB602D}"/>
               </a:ext>
             </a:extLst>
           </p:cNvPr>
@@ -14358,16 +14582,14 @@
           <p:nvPr/>
         </p:nvSpPr>
         <p:spPr>
-          <a:xfrm>
-            <a:off x="2976239" y="1554287"/>
-            <a:ext cx="139176" cy="4660966"/>
-          </a:xfrm>
-          <a:prstGeom prst="rect">
-            <a:avLst/>
-          </a:prstGeom>
-          <a:solidFill>
-            <a:schemeClr val="bg1"/>
-          </a:solidFill>
+          <a:xfrm flipH="1" flipV="1">
+            <a:off x="8159923" y="1668095"/>
+            <a:ext cx="1888145" cy="685965"/>
+          </a:xfrm>
+          <a:prstGeom prst="foldedCorner">
+            <a:avLst/>
+          </a:prstGeom>
+          <a:noFill/>
           <a:ln w="12700">
             <a:solidFill>
               <a:schemeClr val="tx1"/>
@@ -14399,22 +14621,70 @@
           </a:p>
         </p:txBody>
       </p:sp>
-      <p:sp>
-        <p:nvSpPr>
-          <p:cNvPr id="36" name="TextBox 35">
-            <a:extLst>
-              <a:ext uri="{FF2B5EF4-FFF2-40B4-BE49-F238E27FC236}">
-                <a16:creationId xmlns:a16="http://schemas.microsoft.com/office/drawing/2014/main" id="{E020618B-EA99-4401-B184-10FE4FA8C6DD}"/>
-              </a:ext>
-            </a:extLst>
-          </p:cNvPr>
-          <p:cNvSpPr txBox="1"/>
-          <p:nvPr/>
-        </p:nvSpPr>
-        <p:spPr>
-          <a:xfrm>
-            <a:off x="2553544" y="1214193"/>
-            <a:ext cx="984565" cy="338554"/>
+      <p:cxnSp>
+        <p:nvCxnSpPr>
+          <p:cNvPr id="100" name="직선 연결선 99">
+            <a:extLst>
+              <a:ext uri="{FF2B5EF4-FFF2-40B4-BE49-F238E27FC236}">
+                <a16:creationId xmlns:a16="http://schemas.microsoft.com/office/drawing/2014/main" id="{7C38CD27-FA8E-452A-9215-E0CA67DEFF19}"/>
+              </a:ext>
+            </a:extLst>
+          </p:cNvPr>
+          <p:cNvCxnSpPr>
+            <a:cxnSpLocks/>
+            <a:stCxn id="31" idx="3"/>
+          </p:cNvCxnSpPr>
+          <p:nvPr/>
+        </p:nvCxnSpPr>
+        <p:spPr>
+          <a:xfrm flipV="1">
+            <a:off x="5079914" y="1994360"/>
+            <a:ext cx="3056048" cy="27118"/>
+          </a:xfrm>
+          <a:prstGeom prst="line">
+            <a:avLst/>
+          </a:prstGeom>
+          <a:ln w="9525" cap="flat" cmpd="sng" algn="ctr">
+            <a:solidFill>
+              <a:schemeClr val="dk1"/>
+            </a:solidFill>
+            <a:prstDash val="dash"/>
+            <a:round/>
+            <a:headEnd type="none" w="med" len="med"/>
+            <a:tailEnd type="none" w="med" len="med"/>
+          </a:ln>
+        </p:spPr>
+        <p:style>
+          <a:lnRef idx="0">
+            <a:scrgbClr r="0" g="0" b="0"/>
+          </a:lnRef>
+          <a:fillRef idx="0">
+            <a:scrgbClr r="0" g="0" b="0"/>
+          </a:fillRef>
+          <a:effectRef idx="0">
+            <a:scrgbClr r="0" g="0" b="0"/>
+          </a:effectRef>
+          <a:fontRef idx="minor">
+            <a:schemeClr val="tx1"/>
+          </a:fontRef>
+        </p:style>
+      </p:cxnSp>
+      <p:sp>
+        <p:nvSpPr>
+          <p:cNvPr id="101" name="직사각형 100">
+            <a:extLst>
+              <a:ext uri="{FF2B5EF4-FFF2-40B4-BE49-F238E27FC236}">
+                <a16:creationId xmlns:a16="http://schemas.microsoft.com/office/drawing/2014/main" id="{BE9A3E06-C386-4580-BEBB-5B6A65A5439E}"/>
+              </a:ext>
+            </a:extLst>
+          </p:cNvPr>
+          <p:cNvSpPr/>
+          <p:nvPr/>
+        </p:nvSpPr>
+        <p:spPr>
+          <a:xfrm>
+            <a:off x="8159923" y="1707729"/>
+            <a:ext cx="1888146" cy="646331"/>
           </a:xfrm>
           <a:prstGeom prst="rect">
             <a:avLst/>
@@ -14424,76 +14694,108 @@
           <a:bodyPr wrap="square">
             <a:spAutoFit/>
           </a:bodyPr>
-          <a:lstStyle>
-            <a:defPPr>
-              <a:defRPr lang="ko-KR"/>
-            </a:defPPr>
-            <a:lvl1pPr>
-              <a:defRPr sz="1400">
-                <a:ln>
-                  <a:solidFill>
-                    <a:schemeClr val="tx1">
-                      <a:alpha val="40000"/>
-                    </a:schemeClr>
-                  </a:solidFill>
-                </a:ln>
-                <a:latin typeface="나눔스퀘어_ac" panose="020B0600000101010101" pitchFamily="50" charset="-127"/>
-                <a:ea typeface="나눔스퀘어_ac" panose="020B0600000101010101" pitchFamily="50" charset="-127"/>
-              </a:defRPr>
-            </a:lvl1pPr>
-          </a:lstStyle>
-          <a:p>
-            <a:r>
-              <a:rPr lang="en-US" altLang="ko-KR" dirty="0"/>
-              <a:t>Render()</a:t>
-            </a:r>
-            <a:endParaRPr lang="ko-KR" altLang="en-US" dirty="0"/>
-          </a:p>
-        </p:txBody>
-      </p:sp>
-      <p:sp>
-        <p:nvSpPr>
-          <p:cNvPr id="38" name="TextBox 37">
-            <a:extLst>
-              <a:ext uri="{FF2B5EF4-FFF2-40B4-BE49-F238E27FC236}">
-                <a16:creationId xmlns:a16="http://schemas.microsoft.com/office/drawing/2014/main" id="{53901862-8E9D-4C69-9D98-047DF1F4F796}"/>
-              </a:ext>
-            </a:extLst>
-          </p:cNvPr>
-          <p:cNvSpPr txBox="1"/>
-          <p:nvPr/>
-        </p:nvSpPr>
-        <p:spPr>
-          <a:xfrm>
-            <a:off x="3309232" y="1789970"/>
-            <a:ext cx="1234762" cy="338554"/>
-          </a:xfrm>
-          <a:prstGeom prst="rect">
-            <a:avLst/>
-          </a:prstGeom>
-          <a:noFill/>
-        </p:spPr>
-        <p:txBody>
-          <a:bodyPr wrap="none" rtlCol="0">
-            <a:spAutoFit/>
-          </a:bodyPr>
           <a:lstStyle/>
           <a:p>
-            <a:r>
-              <a:rPr lang="en-US" altLang="ko-KR" sz="1600" dirty="0">
-                <a:ln>
-                  <a:solidFill>
-                    <a:schemeClr val="tx1">
-                      <a:alpha val="40000"/>
-                    </a:schemeClr>
-                  </a:solidFill>
-                </a:ln>
-                <a:latin typeface="나눔스퀘어_ac" panose="020B0600000101010101" pitchFamily="50" charset="-127"/>
-                <a:ea typeface="나눔스퀘어_ac" panose="020B0600000101010101" pitchFamily="50" charset="-127"/>
-              </a:rPr>
-              <a:t>Depth Pass</a:t>
-            </a:r>
-            <a:endParaRPr lang="ko-KR" altLang="en-US" sz="1600" dirty="0">
+            <a:pPr algn="ctr"/>
+            <a:r>
+              <a:rPr lang="en-US" altLang="ko-KR" sz="1200" dirty="0">
+                <a:ln>
+                  <a:solidFill>
+                    <a:schemeClr val="tx1">
+                      <a:alpha val="40000"/>
+                    </a:schemeClr>
+                  </a:solidFill>
+                </a:ln>
+                <a:latin typeface="나눔스퀘어_ac" panose="020B0600000101010101" pitchFamily="50" charset="-127"/>
+                <a:ea typeface="나눔스퀘어_ac" panose="020B0600000101010101" pitchFamily="50" charset="-127"/>
+              </a:rPr>
+              <a:t>Light</a:t>
+            </a:r>
+            <a:r>
+              <a:rPr lang="ko-KR" altLang="en-US" sz="1200" dirty="0">
+                <a:ln>
+                  <a:solidFill>
+                    <a:schemeClr val="tx1">
+                      <a:alpha val="40000"/>
+                    </a:schemeClr>
+                  </a:solidFill>
+                </a:ln>
+                <a:latin typeface="나눔스퀘어_ac" panose="020B0600000101010101" pitchFamily="50" charset="-127"/>
+                <a:ea typeface="나눔스퀘어_ac" panose="020B0600000101010101" pitchFamily="50" charset="-127"/>
+              </a:rPr>
+              <a:t> </a:t>
+            </a:r>
+            <a:r>
+              <a:rPr lang="en-US" altLang="ko-KR" sz="1200" dirty="0">
+                <a:ln>
+                  <a:solidFill>
+                    <a:schemeClr val="tx1">
+                      <a:alpha val="40000"/>
+                    </a:schemeClr>
+                  </a:solidFill>
+                </a:ln>
+                <a:latin typeface="나눔스퀘어_ac" panose="020B0600000101010101" pitchFamily="50" charset="-127"/>
+                <a:ea typeface="나눔스퀘어_ac" panose="020B0600000101010101" pitchFamily="50" charset="-127"/>
+              </a:rPr>
+              <a:t>Volume</a:t>
+            </a:r>
+            <a:r>
+              <a:rPr lang="ko-KR" altLang="en-US" sz="1200" dirty="0">
+                <a:ln>
+                  <a:solidFill>
+                    <a:schemeClr val="tx1">
+                      <a:alpha val="40000"/>
+                    </a:schemeClr>
+                  </a:solidFill>
+                </a:ln>
+                <a:latin typeface="나눔스퀘어_ac" panose="020B0600000101010101" pitchFamily="50" charset="-127"/>
+                <a:ea typeface="나눔스퀘어_ac" panose="020B0600000101010101" pitchFamily="50" charset="-127"/>
+              </a:rPr>
+              <a:t>을 사용하여 </a:t>
+            </a:r>
+            <a:r>
+              <a:rPr lang="en-US" altLang="ko-KR" sz="1200" dirty="0">
+                <a:ln>
+                  <a:solidFill>
+                    <a:schemeClr val="tx1">
+                      <a:alpha val="40000"/>
+                    </a:schemeClr>
+                  </a:solidFill>
+                </a:ln>
+                <a:latin typeface="나눔스퀘어_ac" panose="020B0600000101010101" pitchFamily="50" charset="-127"/>
+                <a:ea typeface="나눔스퀘어_ac" panose="020B0600000101010101" pitchFamily="50" charset="-127"/>
+              </a:rPr>
+              <a:t>Light Indexed Texture</a:t>
+            </a:r>
+            <a:r>
+              <a:rPr lang="ko-KR" altLang="en-US" sz="1200" dirty="0">
+                <a:ln>
+                  <a:solidFill>
+                    <a:schemeClr val="tx1">
+                      <a:alpha val="40000"/>
+                    </a:schemeClr>
+                  </a:solidFill>
+                </a:ln>
+                <a:latin typeface="나눔스퀘어_ac" panose="020B0600000101010101" pitchFamily="50" charset="-127"/>
+                <a:ea typeface="나눔스퀘어_ac" panose="020B0600000101010101" pitchFamily="50" charset="-127"/>
+              </a:rPr>
+              <a:t>를 그린다</a:t>
+            </a:r>
+            <a:r>
+              <a:rPr lang="en-US" altLang="ko-KR" sz="1200" dirty="0">
+                <a:ln>
+                  <a:solidFill>
+                    <a:schemeClr val="tx1">
+                      <a:alpha val="40000"/>
+                    </a:schemeClr>
+                  </a:solidFill>
+                </a:ln>
+                <a:latin typeface="나눔스퀘어_ac" panose="020B0600000101010101" pitchFamily="50" charset="-127"/>
+                <a:ea typeface="나눔스퀘어_ac" panose="020B0600000101010101" pitchFamily="50" charset="-127"/>
+              </a:rPr>
+              <a:t>.</a:t>
+            </a:r>
+            <a:endParaRPr lang="ko-KR" altLang="en-US" sz="1200" dirty="0">
               <a:ln>
                 <a:solidFill>
                   <a:schemeClr val="tx1">
@@ -14509,290 +14811,10 @@
       </p:sp>
       <p:sp>
         <p:nvSpPr>
-          <p:cNvPr id="39" name="TextBox 38">
-            <a:extLst>
-              <a:ext uri="{FF2B5EF4-FFF2-40B4-BE49-F238E27FC236}">
-                <a16:creationId xmlns:a16="http://schemas.microsoft.com/office/drawing/2014/main" id="{562029DB-62E9-469C-99F5-2AD5E5DB93AD}"/>
-              </a:ext>
-            </a:extLst>
-          </p:cNvPr>
-          <p:cNvSpPr txBox="1"/>
-          <p:nvPr/>
-        </p:nvSpPr>
-        <p:spPr>
-          <a:xfrm>
-            <a:off x="3310307" y="2643203"/>
-            <a:ext cx="1888146" cy="338554"/>
-          </a:xfrm>
-          <a:prstGeom prst="rect">
-            <a:avLst/>
-          </a:prstGeom>
-          <a:noFill/>
-        </p:spPr>
-        <p:txBody>
-          <a:bodyPr wrap="none" rtlCol="0">
-            <a:spAutoFit/>
-          </a:bodyPr>
-          <a:lstStyle/>
-          <a:p>
-            <a:r>
-              <a:rPr lang="en-US" altLang="ko-KR" sz="1600" dirty="0">
-                <a:ln>
-                  <a:solidFill>
-                    <a:schemeClr val="tx1">
-                      <a:alpha val="40000"/>
-                    </a:schemeClr>
-                  </a:solidFill>
-                </a:ln>
-                <a:latin typeface="나눔스퀘어_ac" panose="020B0600000101010101" pitchFamily="50" charset="-127"/>
-                <a:ea typeface="나눔스퀘어_ac" panose="020B0600000101010101" pitchFamily="50" charset="-127"/>
-              </a:rPr>
-              <a:t>Light Volume Pass</a:t>
-            </a:r>
-            <a:endParaRPr lang="ko-KR" altLang="en-US" sz="1600" dirty="0">
-              <a:ln>
-                <a:solidFill>
-                  <a:schemeClr val="tx1">
-                    <a:alpha val="40000"/>
-                  </a:schemeClr>
-                </a:solidFill>
-              </a:ln>
-              <a:latin typeface="나눔스퀘어_ac" panose="020B0600000101010101" pitchFamily="50" charset="-127"/>
-              <a:ea typeface="나눔스퀘어_ac" panose="020B0600000101010101" pitchFamily="50" charset="-127"/>
-            </a:endParaRPr>
-          </a:p>
-        </p:txBody>
-      </p:sp>
-      <p:sp>
-        <p:nvSpPr>
-          <p:cNvPr id="40" name="TextBox 39">
-            <a:extLst>
-              <a:ext uri="{FF2B5EF4-FFF2-40B4-BE49-F238E27FC236}">
-                <a16:creationId xmlns:a16="http://schemas.microsoft.com/office/drawing/2014/main" id="{D9338098-F91C-499C-BAAE-6ACE595931D1}"/>
-              </a:ext>
-            </a:extLst>
-          </p:cNvPr>
-          <p:cNvSpPr txBox="1"/>
-          <p:nvPr/>
-        </p:nvSpPr>
-        <p:spPr>
-          <a:xfrm>
-            <a:off x="3317422" y="3473966"/>
-            <a:ext cx="1965923" cy="338554"/>
-          </a:xfrm>
-          <a:prstGeom prst="rect">
-            <a:avLst/>
-          </a:prstGeom>
-          <a:noFill/>
-        </p:spPr>
-        <p:txBody>
-          <a:bodyPr wrap="none" rtlCol="0">
-            <a:spAutoFit/>
-          </a:bodyPr>
-          <a:lstStyle/>
-          <a:p>
-            <a:r>
-              <a:rPr lang="en-US" altLang="ko-KR" sz="1600" dirty="0">
-                <a:ln>
-                  <a:solidFill>
-                    <a:schemeClr val="tx1">
-                      <a:alpha val="40000"/>
-                    </a:schemeClr>
-                  </a:solidFill>
-                </a:ln>
-                <a:latin typeface="나눔스퀘어_ac" panose="020B0600000101010101" pitchFamily="50" charset="-127"/>
-                <a:ea typeface="나눔스퀘어_ac" panose="020B0600000101010101" pitchFamily="50" charset="-127"/>
-              </a:rPr>
-              <a:t>Forward Rendering</a:t>
-            </a:r>
-            <a:endParaRPr lang="ko-KR" altLang="en-US" sz="1600" dirty="0">
-              <a:ln>
-                <a:solidFill>
-                  <a:schemeClr val="tx1">
-                    <a:alpha val="40000"/>
-                  </a:schemeClr>
-                </a:solidFill>
-              </a:ln>
-              <a:latin typeface="나눔스퀘어_ac" panose="020B0600000101010101" pitchFamily="50" charset="-127"/>
-              <a:ea typeface="나눔스퀘어_ac" panose="020B0600000101010101" pitchFamily="50" charset="-127"/>
-            </a:endParaRPr>
-          </a:p>
-        </p:txBody>
-      </p:sp>
-      <p:sp>
-        <p:nvSpPr>
-          <p:cNvPr id="41" name="TextBox 40">
-            <a:extLst>
-              <a:ext uri="{FF2B5EF4-FFF2-40B4-BE49-F238E27FC236}">
-                <a16:creationId xmlns:a16="http://schemas.microsoft.com/office/drawing/2014/main" id="{BCB7E924-2B76-48A8-855A-2D3389012279}"/>
-              </a:ext>
-            </a:extLst>
-          </p:cNvPr>
-          <p:cNvSpPr txBox="1"/>
-          <p:nvPr/>
-        </p:nvSpPr>
-        <p:spPr>
-          <a:xfrm>
-            <a:off x="3317422" y="4329345"/>
-            <a:ext cx="2739211" cy="338554"/>
-          </a:xfrm>
-          <a:prstGeom prst="rect">
-            <a:avLst/>
-          </a:prstGeom>
-          <a:noFill/>
-        </p:spPr>
-        <p:txBody>
-          <a:bodyPr wrap="none" rtlCol="0">
-            <a:spAutoFit/>
-          </a:bodyPr>
-          <a:lstStyle/>
-          <a:p>
-            <a:r>
-              <a:rPr lang="en-US" altLang="ko-KR" sz="1600" dirty="0">
-                <a:ln>
-                  <a:solidFill>
-                    <a:schemeClr val="tx1">
-                      <a:alpha val="40000"/>
-                    </a:schemeClr>
-                  </a:solidFill>
-                </a:ln>
-                <a:latin typeface="나눔스퀘어_ac" panose="020B0600000101010101" pitchFamily="50" charset="-127"/>
-                <a:ea typeface="나눔스퀘어_ac" panose="020B0600000101010101" pitchFamily="50" charset="-127"/>
-              </a:rPr>
-              <a:t>Volumetric Light Scattering</a:t>
-            </a:r>
-            <a:endParaRPr lang="ko-KR" altLang="en-US" sz="1600" dirty="0">
-              <a:ln>
-                <a:solidFill>
-                  <a:schemeClr val="tx1">
-                    <a:alpha val="40000"/>
-                  </a:schemeClr>
-                </a:solidFill>
-              </a:ln>
-              <a:latin typeface="나눔스퀘어_ac" panose="020B0600000101010101" pitchFamily="50" charset="-127"/>
-              <a:ea typeface="나눔스퀘어_ac" panose="020B0600000101010101" pitchFamily="50" charset="-127"/>
-            </a:endParaRPr>
-          </a:p>
-        </p:txBody>
-      </p:sp>
-      <p:sp>
-        <p:nvSpPr>
-          <p:cNvPr id="42" name="TextBox 41">
-            <a:extLst>
-              <a:ext uri="{FF2B5EF4-FFF2-40B4-BE49-F238E27FC236}">
-                <a16:creationId xmlns:a16="http://schemas.microsoft.com/office/drawing/2014/main" id="{4D05E478-AD5A-40DB-B261-B5ED05771C0A}"/>
-              </a:ext>
-            </a:extLst>
-          </p:cNvPr>
-          <p:cNvSpPr txBox="1"/>
-          <p:nvPr/>
-        </p:nvSpPr>
-        <p:spPr>
-          <a:xfrm>
-            <a:off x="3327412" y="4984947"/>
-            <a:ext cx="747316" cy="338554"/>
-          </a:xfrm>
-          <a:prstGeom prst="rect">
-            <a:avLst/>
-          </a:prstGeom>
-          <a:noFill/>
-        </p:spPr>
-        <p:txBody>
-          <a:bodyPr wrap="square" rtlCol="0">
-            <a:spAutoFit/>
-          </a:bodyPr>
-          <a:lstStyle/>
-          <a:p>
-            <a:r>
-              <a:rPr lang="en-US" altLang="ko-KR" sz="1600" dirty="0">
-                <a:ln>
-                  <a:solidFill>
-                    <a:schemeClr val="tx1">
-                      <a:alpha val="40000"/>
-                    </a:schemeClr>
-                  </a:solidFill>
-                </a:ln>
-                <a:latin typeface="나눔스퀘어_ac" panose="020B0600000101010101" pitchFamily="50" charset="-127"/>
-                <a:ea typeface="나눔스퀘어_ac" panose="020B0600000101010101" pitchFamily="50" charset="-127"/>
-              </a:rPr>
-              <a:t>Blur</a:t>
-            </a:r>
-            <a:endParaRPr lang="ko-KR" altLang="en-US" sz="1600" dirty="0">
-              <a:ln>
-                <a:solidFill>
-                  <a:schemeClr val="tx1">
-                    <a:alpha val="40000"/>
-                  </a:schemeClr>
-                </a:solidFill>
-              </a:ln>
-              <a:latin typeface="나눔스퀘어_ac" panose="020B0600000101010101" pitchFamily="50" charset="-127"/>
-              <a:ea typeface="나눔스퀘어_ac" panose="020B0600000101010101" pitchFamily="50" charset="-127"/>
-            </a:endParaRPr>
-          </a:p>
-        </p:txBody>
-      </p:sp>
-      <p:sp>
-        <p:nvSpPr>
-          <p:cNvPr id="43" name="TextBox 42">
-            <a:extLst>
-              <a:ext uri="{FF2B5EF4-FFF2-40B4-BE49-F238E27FC236}">
-                <a16:creationId xmlns:a16="http://schemas.microsoft.com/office/drawing/2014/main" id="{5808AB51-5C56-4CF6-A548-EF2BAFE91AE2}"/>
-              </a:ext>
-            </a:extLst>
-          </p:cNvPr>
-          <p:cNvSpPr txBox="1"/>
-          <p:nvPr/>
-        </p:nvSpPr>
-        <p:spPr>
-          <a:xfrm>
-            <a:off x="3307736" y="5640549"/>
-            <a:ext cx="1676806" cy="338554"/>
-          </a:xfrm>
-          <a:prstGeom prst="rect">
-            <a:avLst/>
-          </a:prstGeom>
-          <a:noFill/>
-        </p:spPr>
-        <p:txBody>
-          <a:bodyPr wrap="none" rtlCol="0">
-            <a:spAutoFit/>
-          </a:bodyPr>
-          <a:lstStyle/>
-          <a:p>
-            <a:r>
-              <a:rPr lang="en-US" altLang="ko-KR" sz="1600" dirty="0">
-                <a:ln>
-                  <a:solidFill>
-                    <a:schemeClr val="tx1">
-                      <a:alpha val="40000"/>
-                    </a:schemeClr>
-                  </a:solidFill>
-                </a:ln>
-                <a:latin typeface="나눔스퀘어_ac" panose="020B0600000101010101" pitchFamily="50" charset="-127"/>
-                <a:ea typeface="나눔스퀘어_ac" panose="020B0600000101010101" pitchFamily="50" charset="-127"/>
-              </a:rPr>
-              <a:t>Post Processing</a:t>
-            </a:r>
-            <a:endParaRPr lang="ko-KR" altLang="en-US" sz="1600" dirty="0">
-              <a:ln>
-                <a:solidFill>
-                  <a:schemeClr val="tx1">
-                    <a:alpha val="40000"/>
-                  </a:schemeClr>
-                </a:solidFill>
-              </a:ln>
-              <a:latin typeface="나눔스퀘어_ac" panose="020B0600000101010101" pitchFamily="50" charset="-127"/>
-              <a:ea typeface="나눔스퀘어_ac" panose="020B0600000101010101" pitchFamily="50" charset="-127"/>
-            </a:endParaRPr>
-          </a:p>
-        </p:txBody>
-      </p:sp>
-      <p:sp>
-        <p:nvSpPr>
-          <p:cNvPr id="99" name="사각형: 모서리가 접힌 도형 98">
-            <a:extLst>
-              <a:ext uri="{FF2B5EF4-FFF2-40B4-BE49-F238E27FC236}">
-                <a16:creationId xmlns:a16="http://schemas.microsoft.com/office/drawing/2014/main" id="{5FC419FF-9C46-472D-A1E4-6FCAEAEB602D}"/>
+          <p:cNvPr id="102" name="사각형: 모서리가 접힌 도형 101">
+            <a:extLst>
+              <a:ext uri="{FF2B5EF4-FFF2-40B4-BE49-F238E27FC236}">
+                <a16:creationId xmlns:a16="http://schemas.microsoft.com/office/drawing/2014/main" id="{5E5689FF-AA5A-4725-BE32-3290626CD552}"/>
               </a:ext>
             </a:extLst>
           </p:cNvPr>
@@ -14801,8 +14823,8 @@
         </p:nvSpPr>
         <p:spPr>
           <a:xfrm flipH="1" flipV="1">
-            <a:off x="6832911" y="2513604"/>
-            <a:ext cx="1888145" cy="685965"/>
+            <a:off x="6454010" y="2563106"/>
+            <a:ext cx="2510602" cy="894589"/>
           </a:xfrm>
           <a:prstGeom prst="foldedCorner">
             <a:avLst/>
@@ -14841,10 +14863,10 @@
       </p:sp>
       <p:cxnSp>
         <p:nvCxnSpPr>
-          <p:cNvPr id="100" name="직선 연결선 99">
-            <a:extLst>
-              <a:ext uri="{FF2B5EF4-FFF2-40B4-BE49-F238E27FC236}">
-                <a16:creationId xmlns:a16="http://schemas.microsoft.com/office/drawing/2014/main" id="{7C38CD27-FA8E-452A-9215-E0CA67DEFF19}"/>
+          <p:cNvPr id="103" name="직선 연결선 102">
+            <a:extLst>
+              <a:ext uri="{FF2B5EF4-FFF2-40B4-BE49-F238E27FC236}">
+                <a16:creationId xmlns:a16="http://schemas.microsoft.com/office/drawing/2014/main" id="{D4979105-0A66-4941-BDD2-9A36C3D3AB8E}"/>
               </a:ext>
             </a:extLst>
           </p:cNvPr>
@@ -14855,7 +14877,7 @@
         </p:nvCxnSpPr>
         <p:spPr>
           <a:xfrm>
-            <a:off x="5486906" y="2839868"/>
+            <a:off x="5103961" y="2918091"/>
             <a:ext cx="1322044" cy="0"/>
           </a:xfrm>
           <a:prstGeom prst="line">
@@ -14888,10 +14910,10 @@
       </p:cxnSp>
       <p:sp>
         <p:nvSpPr>
-          <p:cNvPr id="101" name="직사각형 100">
-            <a:extLst>
-              <a:ext uri="{FF2B5EF4-FFF2-40B4-BE49-F238E27FC236}">
-                <a16:creationId xmlns:a16="http://schemas.microsoft.com/office/drawing/2014/main" id="{BE9A3E06-C386-4580-BEBB-5B6A65A5439E}"/>
+          <p:cNvPr id="104" name="직사각형 103">
+            <a:extLst>
+              <a:ext uri="{FF2B5EF4-FFF2-40B4-BE49-F238E27FC236}">
+                <a16:creationId xmlns:a16="http://schemas.microsoft.com/office/drawing/2014/main" id="{FBD4AB34-3F6A-478C-9272-DD57BF7930D2}"/>
               </a:ext>
             </a:extLst>
           </p:cNvPr>
@@ -14900,8 +14922,8 @@
         </p:nvSpPr>
         <p:spPr>
           <a:xfrm>
-            <a:off x="6832911" y="2553238"/>
-            <a:ext cx="1888146" cy="646331"/>
+            <a:off x="6368845" y="2737351"/>
+            <a:ext cx="2680932" cy="646331"/>
           </a:xfrm>
           <a:prstGeom prst="rect">
             <a:avLst/>
@@ -14954,7 +14976,7 @@
                 <a:latin typeface="나눔스퀘어_ac" panose="020B0600000101010101" pitchFamily="50" charset="-127"/>
                 <a:ea typeface="나눔스퀘어_ac" panose="020B0600000101010101" pitchFamily="50" charset="-127"/>
               </a:rPr>
-              <a:t>Volume</a:t>
+              <a:t>Indexed</a:t>
             </a:r>
             <a:r>
               <a:rPr lang="ko-KR" altLang="en-US" sz="1200" dirty="0">
@@ -14968,7 +14990,7 @@
                 <a:latin typeface="나눔스퀘어_ac" panose="020B0600000101010101" pitchFamily="50" charset="-127"/>
                 <a:ea typeface="나눔스퀘어_ac" panose="020B0600000101010101" pitchFamily="50" charset="-127"/>
               </a:rPr>
-              <a:t>을 사용하여 </a:t>
+              <a:t> </a:t>
             </a:r>
             <a:r>
               <a:rPr lang="en-US" altLang="ko-KR" sz="1200" dirty="0">
@@ -14982,7 +15004,91 @@
                 <a:latin typeface="나눔스퀘어_ac" panose="020B0600000101010101" pitchFamily="50" charset="-127"/>
                 <a:ea typeface="나눔스퀘어_ac" panose="020B0600000101010101" pitchFamily="50" charset="-127"/>
               </a:rPr>
-              <a:t>Light Indexed Texture</a:t>
+              <a:t>Deferred Rendering</a:t>
+            </a:r>
+            <a:r>
+              <a:rPr lang="ko-KR" altLang="en-US" sz="1200" dirty="0">
+                <a:ln>
+                  <a:solidFill>
+                    <a:schemeClr val="tx1">
+                      <a:alpha val="40000"/>
+                    </a:schemeClr>
+                  </a:solidFill>
+                </a:ln>
+                <a:latin typeface="나눔스퀘어_ac" panose="020B0600000101010101" pitchFamily="50" charset="-127"/>
+                <a:ea typeface="나눔스퀘어_ac" panose="020B0600000101010101" pitchFamily="50" charset="-127"/>
+              </a:rPr>
+              <a:t>을 수행하고</a:t>
+            </a:r>
+            <a:r>
+              <a:rPr lang="en-US" altLang="ko-KR" sz="1200" dirty="0">
+                <a:ln>
+                  <a:solidFill>
+                    <a:schemeClr val="tx1">
+                      <a:alpha val="40000"/>
+                    </a:schemeClr>
+                  </a:solidFill>
+                </a:ln>
+                <a:latin typeface="나눔스퀘어_ac" panose="020B0600000101010101" pitchFamily="50" charset="-127"/>
+                <a:ea typeface="나눔스퀘어_ac" panose="020B0600000101010101" pitchFamily="50" charset="-127"/>
+              </a:rPr>
+              <a:t>, Forward Rendering</a:t>
+            </a:r>
+            <a:r>
+              <a:rPr lang="ko-KR" altLang="en-US" sz="1200" dirty="0">
+                <a:ln>
+                  <a:solidFill>
+                    <a:schemeClr val="tx1">
+                      <a:alpha val="40000"/>
+                    </a:schemeClr>
+                  </a:solidFill>
+                </a:ln>
+                <a:latin typeface="나눔스퀘어_ac" panose="020B0600000101010101" pitchFamily="50" charset="-127"/>
+                <a:ea typeface="나눔스퀘어_ac" panose="020B0600000101010101" pitchFamily="50" charset="-127"/>
+              </a:rPr>
+              <a:t>으로 </a:t>
+            </a:r>
+            <a:r>
+              <a:rPr lang="en-US" altLang="ko-KR" sz="1200" dirty="0">
+                <a:ln>
+                  <a:solidFill>
+                    <a:schemeClr val="tx1">
+                      <a:alpha val="40000"/>
+                    </a:schemeClr>
+                  </a:solidFill>
+                </a:ln>
+                <a:latin typeface="나눔스퀘어_ac" panose="020B0600000101010101" pitchFamily="50" charset="-127"/>
+                <a:ea typeface="나눔스퀘어_ac" panose="020B0600000101010101" pitchFamily="50" charset="-127"/>
+              </a:rPr>
+              <a:t>Transparent </a:t>
+            </a:r>
+            <a:r>
+              <a:rPr lang="ko-KR" altLang="en-US" sz="1200" dirty="0">
+                <a:ln>
+                  <a:solidFill>
+                    <a:schemeClr val="tx1">
+                      <a:alpha val="40000"/>
+                    </a:schemeClr>
+                  </a:solidFill>
+                </a:ln>
+                <a:latin typeface="나눔스퀘어_ac" panose="020B0600000101010101" pitchFamily="50" charset="-127"/>
+                <a:ea typeface="나눔스퀘어_ac" panose="020B0600000101010101" pitchFamily="50" charset="-127"/>
+              </a:rPr>
+              <a:t>및 </a:t>
+            </a:r>
+            <a:r>
+              <a:rPr lang="en-US" altLang="ko-KR" sz="1200" dirty="0">
+                <a:ln>
+                  <a:solidFill>
+                    <a:schemeClr val="tx1">
+                      <a:alpha val="40000"/>
+                    </a:schemeClr>
+                  </a:solidFill>
+                </a:ln>
+                <a:latin typeface="나눔스퀘어_ac" panose="020B0600000101010101" pitchFamily="50" charset="-127"/>
+                <a:ea typeface="나눔스퀘어_ac" panose="020B0600000101010101" pitchFamily="50" charset="-127"/>
+              </a:rPr>
+              <a:t>Debug</a:t>
             </a:r>
             <a:r>
               <a:rPr lang="ko-KR" altLang="en-US" sz="1200" dirty="0">
@@ -15028,10 +15134,10 @@
       </p:sp>
       <p:sp>
         <p:nvSpPr>
-          <p:cNvPr id="102" name="사각형: 모서리가 접힌 도형 101">
-            <a:extLst>
-              <a:ext uri="{FF2B5EF4-FFF2-40B4-BE49-F238E27FC236}">
-                <a16:creationId xmlns:a16="http://schemas.microsoft.com/office/drawing/2014/main" id="{5E5689FF-AA5A-4725-BE32-3290626CD552}"/>
+          <p:cNvPr id="107" name="사각형: 모서리가 접힌 도형 106">
+            <a:extLst>
+              <a:ext uri="{FF2B5EF4-FFF2-40B4-BE49-F238E27FC236}">
+                <a16:creationId xmlns:a16="http://schemas.microsoft.com/office/drawing/2014/main" id="{AD6D5AD8-CE83-4DCF-ACE3-5BEC5F0427FC}"/>
               </a:ext>
             </a:extLst>
           </p:cNvPr>
@@ -15040,8 +15146,8 @@
         </p:nvSpPr>
         <p:spPr>
           <a:xfrm flipH="1" flipV="1">
-            <a:off x="7048071" y="3315448"/>
-            <a:ext cx="2510602" cy="894589"/>
+            <a:off x="6322239" y="818700"/>
+            <a:ext cx="1547771" cy="685965"/>
           </a:xfrm>
           <a:prstGeom prst="foldedCorner">
             <a:avLst/>
@@ -15080,22 +15186,23 @@
       </p:sp>
       <p:cxnSp>
         <p:nvCxnSpPr>
-          <p:cNvPr id="103" name="직선 연결선 102">
-            <a:extLst>
-              <a:ext uri="{FF2B5EF4-FFF2-40B4-BE49-F238E27FC236}">
-                <a16:creationId xmlns:a16="http://schemas.microsoft.com/office/drawing/2014/main" id="{D4979105-0A66-4941-BDD2-9A36C3D3AB8E}"/>
+          <p:cNvPr id="108" name="직선 연결선 107">
+            <a:extLst>
+              <a:ext uri="{FF2B5EF4-FFF2-40B4-BE49-F238E27FC236}">
+                <a16:creationId xmlns:a16="http://schemas.microsoft.com/office/drawing/2014/main" id="{CC8FE9F9-27EC-48C9-A552-723AC70B5EEE}"/>
               </a:ext>
             </a:extLst>
           </p:cNvPr>
           <p:cNvCxnSpPr>
             <a:cxnSpLocks/>
+            <a:stCxn id="2" idx="3"/>
           </p:cNvCxnSpPr>
           <p:nvPr/>
         </p:nvCxnSpPr>
         <p:spPr>
           <a:xfrm>
-            <a:off x="5698022" y="3670433"/>
-            <a:ext cx="1322044" cy="0"/>
+            <a:off x="4914309" y="1122817"/>
+            <a:ext cx="1407930" cy="16817"/>
           </a:xfrm>
           <a:prstGeom prst="line">
             <a:avLst/>
@@ -15127,10 +15234,10 @@
       </p:cxnSp>
       <p:sp>
         <p:nvSpPr>
-          <p:cNvPr id="104" name="직사각형 103">
-            <a:extLst>
-              <a:ext uri="{FF2B5EF4-FFF2-40B4-BE49-F238E27FC236}">
-                <a16:creationId xmlns:a16="http://schemas.microsoft.com/office/drawing/2014/main" id="{FBD4AB34-3F6A-478C-9272-DD57BF7930D2}"/>
+          <p:cNvPr id="109" name="직사각형 108">
+            <a:extLst>
+              <a:ext uri="{FF2B5EF4-FFF2-40B4-BE49-F238E27FC236}">
+                <a16:creationId xmlns:a16="http://schemas.microsoft.com/office/drawing/2014/main" id="{471C60B3-78FA-4E33-B084-81D97E718DB2}"/>
               </a:ext>
             </a:extLst>
           </p:cNvPr>
@@ -15139,8 +15246,8 @@
         </p:nvSpPr>
         <p:spPr>
           <a:xfrm>
-            <a:off x="6962906" y="3489693"/>
-            <a:ext cx="2680932" cy="646331"/>
+            <a:off x="6284927" y="930849"/>
+            <a:ext cx="1622396" cy="461665"/>
           </a:xfrm>
           <a:prstGeom prst="rect">
             <a:avLst/>
@@ -15154,6 +15261,20 @@
           <a:p>
             <a:pPr algn="ctr"/>
             <a:r>
+              <a:rPr lang="ko-KR" altLang="en-US" sz="1200" dirty="0">
+                <a:ln>
+                  <a:solidFill>
+                    <a:schemeClr val="tx1">
+                      <a:alpha val="40000"/>
+                    </a:schemeClr>
+                  </a:solidFill>
+                </a:ln>
+                <a:latin typeface="나눔스퀘어_ac" panose="020B0600000101010101" pitchFamily="50" charset="-127"/>
+                <a:ea typeface="나눔스퀘어_ac" panose="020B0600000101010101" pitchFamily="50" charset="-127"/>
+              </a:rPr>
+              <a:t>오브젝트의 </a:t>
+            </a:r>
+            <a:r>
               <a:rPr lang="en-US" altLang="ko-KR" sz="1200" dirty="0">
                 <a:ln>
                   <a:solidFill>
@@ -15165,7 +15286,7 @@
                 <a:latin typeface="나눔스퀘어_ac" panose="020B0600000101010101" pitchFamily="50" charset="-127"/>
                 <a:ea typeface="나눔스퀘어_ac" panose="020B0600000101010101" pitchFamily="50" charset="-127"/>
               </a:rPr>
-              <a:t>Light</a:t>
+              <a:t>Depth</a:t>
             </a:r>
             <a:r>
               <a:rPr lang="ko-KR" altLang="en-US" sz="1200" dirty="0">
@@ -15179,147 +15300,7 @@
                 <a:latin typeface="나눔스퀘어_ac" panose="020B0600000101010101" pitchFamily="50" charset="-127"/>
                 <a:ea typeface="나눔스퀘어_ac" panose="020B0600000101010101" pitchFamily="50" charset="-127"/>
               </a:rPr>
-              <a:t> </a:t>
-            </a:r>
-            <a:r>
-              <a:rPr lang="en-US" altLang="ko-KR" sz="1200" dirty="0">
-                <a:ln>
-                  <a:solidFill>
-                    <a:schemeClr val="tx1">
-                      <a:alpha val="40000"/>
-                    </a:schemeClr>
-                  </a:solidFill>
-                </a:ln>
-                <a:latin typeface="나눔스퀘어_ac" panose="020B0600000101010101" pitchFamily="50" charset="-127"/>
-                <a:ea typeface="나눔스퀘어_ac" panose="020B0600000101010101" pitchFamily="50" charset="-127"/>
-              </a:rPr>
-              <a:t>Indexed</a:t>
-            </a:r>
-            <a:r>
-              <a:rPr lang="ko-KR" altLang="en-US" sz="1200" dirty="0">
-                <a:ln>
-                  <a:solidFill>
-                    <a:schemeClr val="tx1">
-                      <a:alpha val="40000"/>
-                    </a:schemeClr>
-                  </a:solidFill>
-                </a:ln>
-                <a:latin typeface="나눔스퀘어_ac" panose="020B0600000101010101" pitchFamily="50" charset="-127"/>
-                <a:ea typeface="나눔스퀘어_ac" panose="020B0600000101010101" pitchFamily="50" charset="-127"/>
-              </a:rPr>
-              <a:t> </a:t>
-            </a:r>
-            <a:r>
-              <a:rPr lang="en-US" altLang="ko-KR" sz="1200" dirty="0">
-                <a:ln>
-                  <a:solidFill>
-                    <a:schemeClr val="tx1">
-                      <a:alpha val="40000"/>
-                    </a:schemeClr>
-                  </a:solidFill>
-                </a:ln>
-                <a:latin typeface="나눔스퀘어_ac" panose="020B0600000101010101" pitchFamily="50" charset="-127"/>
-                <a:ea typeface="나눔스퀘어_ac" panose="020B0600000101010101" pitchFamily="50" charset="-127"/>
-              </a:rPr>
-              <a:t>Deferred Rendering</a:t>
-            </a:r>
-            <a:r>
-              <a:rPr lang="ko-KR" altLang="en-US" sz="1200" dirty="0">
-                <a:ln>
-                  <a:solidFill>
-                    <a:schemeClr val="tx1">
-                      <a:alpha val="40000"/>
-                    </a:schemeClr>
-                  </a:solidFill>
-                </a:ln>
-                <a:latin typeface="나눔스퀘어_ac" panose="020B0600000101010101" pitchFamily="50" charset="-127"/>
-                <a:ea typeface="나눔스퀘어_ac" panose="020B0600000101010101" pitchFamily="50" charset="-127"/>
-              </a:rPr>
-              <a:t>을 수행하고</a:t>
-            </a:r>
-            <a:r>
-              <a:rPr lang="en-US" altLang="ko-KR" sz="1200" dirty="0">
-                <a:ln>
-                  <a:solidFill>
-                    <a:schemeClr val="tx1">
-                      <a:alpha val="40000"/>
-                    </a:schemeClr>
-                  </a:solidFill>
-                </a:ln>
-                <a:latin typeface="나눔스퀘어_ac" panose="020B0600000101010101" pitchFamily="50" charset="-127"/>
-                <a:ea typeface="나눔스퀘어_ac" panose="020B0600000101010101" pitchFamily="50" charset="-127"/>
-              </a:rPr>
-              <a:t>, Forward Rendering</a:t>
-            </a:r>
-            <a:r>
-              <a:rPr lang="ko-KR" altLang="en-US" sz="1200" dirty="0">
-                <a:ln>
-                  <a:solidFill>
-                    <a:schemeClr val="tx1">
-                      <a:alpha val="40000"/>
-                    </a:schemeClr>
-                  </a:solidFill>
-                </a:ln>
-                <a:latin typeface="나눔스퀘어_ac" panose="020B0600000101010101" pitchFamily="50" charset="-127"/>
-                <a:ea typeface="나눔스퀘어_ac" panose="020B0600000101010101" pitchFamily="50" charset="-127"/>
-              </a:rPr>
-              <a:t>으로 </a:t>
-            </a:r>
-            <a:r>
-              <a:rPr lang="en-US" altLang="ko-KR" sz="1200" dirty="0">
-                <a:ln>
-                  <a:solidFill>
-                    <a:schemeClr val="tx1">
-                      <a:alpha val="40000"/>
-                    </a:schemeClr>
-                  </a:solidFill>
-                </a:ln>
-                <a:latin typeface="나눔스퀘어_ac" panose="020B0600000101010101" pitchFamily="50" charset="-127"/>
-                <a:ea typeface="나눔스퀘어_ac" panose="020B0600000101010101" pitchFamily="50" charset="-127"/>
-              </a:rPr>
-              <a:t>Transparent </a:t>
-            </a:r>
-            <a:r>
-              <a:rPr lang="ko-KR" altLang="en-US" sz="1200" dirty="0">
-                <a:ln>
-                  <a:solidFill>
-                    <a:schemeClr val="tx1">
-                      <a:alpha val="40000"/>
-                    </a:schemeClr>
-                  </a:solidFill>
-                </a:ln>
-                <a:latin typeface="나눔스퀘어_ac" panose="020B0600000101010101" pitchFamily="50" charset="-127"/>
-                <a:ea typeface="나눔스퀘어_ac" panose="020B0600000101010101" pitchFamily="50" charset="-127"/>
-              </a:rPr>
-              <a:t>및 </a:t>
-            </a:r>
-            <a:r>
-              <a:rPr lang="en-US" altLang="ko-KR" sz="1200" dirty="0">
-                <a:ln>
-                  <a:solidFill>
-                    <a:schemeClr val="tx1">
-                      <a:alpha val="40000"/>
-                    </a:schemeClr>
-                  </a:solidFill>
-                </a:ln>
-                <a:latin typeface="나눔스퀘어_ac" panose="020B0600000101010101" pitchFamily="50" charset="-127"/>
-                <a:ea typeface="나눔스퀘어_ac" panose="020B0600000101010101" pitchFamily="50" charset="-127"/>
-              </a:rPr>
-              <a:t>Debug</a:t>
-            </a:r>
-            <a:r>
-              <a:rPr lang="ko-KR" altLang="en-US" sz="1200" dirty="0">
-                <a:ln>
-                  <a:solidFill>
-                    <a:schemeClr val="tx1">
-                      <a:alpha val="40000"/>
-                    </a:schemeClr>
-                  </a:solidFill>
-                </a:ln>
-                <a:latin typeface="나눔스퀘어_ac" panose="020B0600000101010101" pitchFamily="50" charset="-127"/>
-                <a:ea typeface="나눔스퀘어_ac" panose="020B0600000101010101" pitchFamily="50" charset="-127"/>
-              </a:rPr>
-              <a:t>를 그린다</a:t>
+              <a:t>만을 그린다</a:t>
             </a:r>
             <a:r>
               <a:rPr lang="en-US" altLang="ko-KR" sz="1200" dirty="0">
@@ -15351,10 +15332,10 @@
       </p:sp>
       <p:sp>
         <p:nvSpPr>
-          <p:cNvPr id="107" name="사각형: 모서리가 접힌 도형 106">
-            <a:extLst>
-              <a:ext uri="{FF2B5EF4-FFF2-40B4-BE49-F238E27FC236}">
-                <a16:creationId xmlns:a16="http://schemas.microsoft.com/office/drawing/2014/main" id="{AD6D5AD8-CE83-4DCF-ACE3-5BEC5F0427FC}"/>
+          <p:cNvPr id="58" name="사각형: 모서리가 접힌 도형 57">
+            <a:extLst>
+              <a:ext uri="{FF2B5EF4-FFF2-40B4-BE49-F238E27FC236}">
+                <a16:creationId xmlns:a16="http://schemas.microsoft.com/office/drawing/2014/main" id="{2B1313A4-9896-4E19-A2C5-DB64CEFAEA6F}"/>
               </a:ext>
             </a:extLst>
           </p:cNvPr>
@@ -15363,8 +15344,8 @@
         </p:nvSpPr>
         <p:spPr>
           <a:xfrm flipH="1" flipV="1">
-            <a:off x="5034041" y="1637198"/>
-            <a:ext cx="1547771" cy="685965"/>
+            <a:off x="9049777" y="3472931"/>
+            <a:ext cx="1888145" cy="685965"/>
           </a:xfrm>
           <a:prstGeom prst="foldedCorner">
             <a:avLst/>
@@ -15403,22 +15384,24 @@
       </p:sp>
       <p:cxnSp>
         <p:nvCxnSpPr>
-          <p:cNvPr id="108" name="직선 연결선 107">
-            <a:extLst>
-              <a:ext uri="{FF2B5EF4-FFF2-40B4-BE49-F238E27FC236}">
-                <a16:creationId xmlns:a16="http://schemas.microsoft.com/office/drawing/2014/main" id="{CC8FE9F9-27EC-48C9-A552-723AC70B5EEE}"/>
+          <p:cNvPr id="59" name="직선 연결선 58">
+            <a:extLst>
+              <a:ext uri="{FF2B5EF4-FFF2-40B4-BE49-F238E27FC236}">
+                <a16:creationId xmlns:a16="http://schemas.microsoft.com/office/drawing/2014/main" id="{F1075B1C-DFE1-4276-8524-6D9C28F026D8}"/>
               </a:ext>
             </a:extLst>
           </p:cNvPr>
           <p:cNvCxnSpPr>
             <a:cxnSpLocks/>
+            <a:stCxn id="37" idx="3"/>
+            <a:endCxn id="60" idx="1"/>
           </p:cNvCxnSpPr>
           <p:nvPr/>
         </p:nvCxnSpPr>
         <p:spPr>
           <a:xfrm>
-            <a:off x="4620425" y="1958132"/>
-            <a:ext cx="413616" cy="0"/>
+            <a:off x="5452806" y="3818801"/>
+            <a:ext cx="3596971" cy="16930"/>
           </a:xfrm>
           <a:prstGeom prst="line">
             <a:avLst/>
@@ -15450,10 +15433,10 @@
       </p:cxnSp>
       <p:sp>
         <p:nvSpPr>
-          <p:cNvPr id="109" name="직사각형 108">
-            <a:extLst>
-              <a:ext uri="{FF2B5EF4-FFF2-40B4-BE49-F238E27FC236}">
-                <a16:creationId xmlns:a16="http://schemas.microsoft.com/office/drawing/2014/main" id="{471C60B3-78FA-4E33-B084-81D97E718DB2}"/>
+          <p:cNvPr id="60" name="직사각형 59">
+            <a:extLst>
+              <a:ext uri="{FF2B5EF4-FFF2-40B4-BE49-F238E27FC236}">
+                <a16:creationId xmlns:a16="http://schemas.microsoft.com/office/drawing/2014/main" id="{09BE4B48-F271-4DDE-BF81-0F4B067EFC53}"/>
               </a:ext>
             </a:extLst>
           </p:cNvPr>
@@ -15462,8 +15445,8 @@
         </p:nvSpPr>
         <p:spPr>
           <a:xfrm>
-            <a:off x="4996729" y="1749347"/>
-            <a:ext cx="1622396" cy="461665"/>
+            <a:off x="9049777" y="3512565"/>
+            <a:ext cx="1888146" cy="646331"/>
           </a:xfrm>
           <a:prstGeom prst="rect">
             <a:avLst/>
@@ -15477,6 +15460,20 @@
           <a:p>
             <a:pPr algn="ctr"/>
             <a:r>
+              <a:rPr lang="en-US" altLang="ko-KR" sz="1200" dirty="0">
+                <a:ln>
+                  <a:solidFill>
+                    <a:schemeClr val="tx1">
+                      <a:alpha val="40000"/>
+                    </a:schemeClr>
+                  </a:solidFill>
+                </a:ln>
+                <a:latin typeface="나눔스퀘어_ac" panose="020B0600000101010101" pitchFamily="50" charset="-127"/>
+                <a:ea typeface="나눔스퀘어_ac" panose="020B0600000101010101" pitchFamily="50" charset="-127"/>
+              </a:rPr>
+              <a:t>Volumetric Light Scattering</a:t>
+            </a:r>
+            <a:r>
               <a:rPr lang="ko-KR" altLang="en-US" sz="1200" dirty="0">
                 <a:ln>
                   <a:solidFill>
@@ -15488,7 +15485,7 @@
                 <a:latin typeface="나눔스퀘어_ac" panose="020B0600000101010101" pitchFamily="50" charset="-127"/>
                 <a:ea typeface="나눔스퀘어_ac" panose="020B0600000101010101" pitchFamily="50" charset="-127"/>
               </a:rPr>
-              <a:t>오브젝트의 </a:t>
+              <a:t>을 위한 </a:t>
             </a:r>
             <a:r>
               <a:rPr lang="en-US" altLang="ko-KR" sz="1200" dirty="0">
@@ -15502,7 +15499,7 @@
                 <a:latin typeface="나눔스퀘어_ac" panose="020B0600000101010101" pitchFamily="50" charset="-127"/>
                 <a:ea typeface="나눔스퀘어_ac" panose="020B0600000101010101" pitchFamily="50" charset="-127"/>
               </a:rPr>
-              <a:t>Depth</a:t>
+              <a:t>Ray Marching</a:t>
             </a:r>
             <a:r>
               <a:rPr lang="ko-KR" altLang="en-US" sz="1200" dirty="0">
@@ -15516,7 +15513,7 @@
                 <a:latin typeface="나눔스퀘어_ac" panose="020B0600000101010101" pitchFamily="50" charset="-127"/>
                 <a:ea typeface="나눔스퀘어_ac" panose="020B0600000101010101" pitchFamily="50" charset="-127"/>
               </a:rPr>
-              <a:t>만을 그린다</a:t>
+              <a:t>을 수행한다</a:t>
             </a:r>
             <a:r>
               <a:rPr lang="en-US" altLang="ko-KR" sz="1200" dirty="0">
@@ -15548,10 +15545,10 @@
       </p:sp>
       <p:sp>
         <p:nvSpPr>
-          <p:cNvPr id="58" name="사각형: 모서리가 접힌 도형 57">
-            <a:extLst>
-              <a:ext uri="{FF2B5EF4-FFF2-40B4-BE49-F238E27FC236}">
-                <a16:creationId xmlns:a16="http://schemas.microsoft.com/office/drawing/2014/main" id="{2B1313A4-9896-4E19-A2C5-DB64CEFAEA6F}"/>
+          <p:cNvPr id="61" name="사각형: 모서리가 접힌 도형 60">
+            <a:extLst>
+              <a:ext uri="{FF2B5EF4-FFF2-40B4-BE49-F238E27FC236}">
+                <a16:creationId xmlns:a16="http://schemas.microsoft.com/office/drawing/2014/main" id="{3F729AAF-9F36-42C8-8985-8733CEB67939}"/>
               </a:ext>
             </a:extLst>
           </p:cNvPr>
@@ -15560,8 +15557,8 @@
         </p:nvSpPr>
         <p:spPr>
           <a:xfrm flipH="1" flipV="1">
-            <a:off x="7776983" y="4210037"/>
-            <a:ext cx="1888145" cy="685965"/>
+            <a:off x="6507354" y="4407381"/>
+            <a:ext cx="2224312" cy="685965"/>
           </a:xfrm>
           <a:prstGeom prst="foldedCorner">
             <a:avLst/>
@@ -15600,10 +15597,10 @@
       </p:sp>
       <p:cxnSp>
         <p:nvCxnSpPr>
-          <p:cNvPr id="59" name="직선 연결선 58">
-            <a:extLst>
-              <a:ext uri="{FF2B5EF4-FFF2-40B4-BE49-F238E27FC236}">
-                <a16:creationId xmlns:a16="http://schemas.microsoft.com/office/drawing/2014/main" id="{F1075B1C-DFE1-4276-8524-6D9C28F026D8}"/>
+          <p:cNvPr id="62" name="직선 연결선 61">
+            <a:extLst>
+              <a:ext uri="{FF2B5EF4-FFF2-40B4-BE49-F238E27FC236}">
+                <a16:creationId xmlns:a16="http://schemas.microsoft.com/office/drawing/2014/main" id="{7A0914C0-9140-4F00-AD29-CBBE35BE0CFF}"/>
               </a:ext>
             </a:extLst>
           </p:cNvPr>
@@ -15614,8 +15611,8 @@
         </p:nvCxnSpPr>
         <p:spPr>
           <a:xfrm>
-            <a:off x="6430978" y="4536301"/>
-            <a:ext cx="1322044" cy="0"/>
+            <a:off x="4525437" y="4733646"/>
+            <a:ext cx="1957957" cy="0"/>
           </a:xfrm>
           <a:prstGeom prst="line">
             <a:avLst/>
@@ -15647,10 +15644,10 @@
       </p:cxnSp>
       <p:sp>
         <p:nvSpPr>
-          <p:cNvPr id="60" name="직사각형 59">
-            <a:extLst>
-              <a:ext uri="{FF2B5EF4-FFF2-40B4-BE49-F238E27FC236}">
-                <a16:creationId xmlns:a16="http://schemas.microsoft.com/office/drawing/2014/main" id="{09BE4B48-F271-4DDE-BF81-0F4B067EFC53}"/>
+          <p:cNvPr id="63" name="직사각형 62">
+            <a:extLst>
+              <a:ext uri="{FF2B5EF4-FFF2-40B4-BE49-F238E27FC236}">
+                <a16:creationId xmlns:a16="http://schemas.microsoft.com/office/drawing/2014/main" id="{301D2CBC-8D3C-472B-8918-4C7CA93B7B8F}"/>
               </a:ext>
             </a:extLst>
           </p:cNvPr>
@@ -15659,8 +15656,8 @@
         </p:nvSpPr>
         <p:spPr>
           <a:xfrm>
-            <a:off x="7776983" y="4249671"/>
-            <a:ext cx="1888146" cy="646331"/>
+            <a:off x="6507355" y="4447016"/>
+            <a:ext cx="2125498" cy="646331"/>
           </a:xfrm>
           <a:prstGeom prst="rect">
             <a:avLst/>
@@ -15674,6 +15671,34 @@
           <a:p>
             <a:pPr algn="ctr"/>
             <a:r>
+              <a:rPr lang="en-US" altLang="ko-KR" sz="1200" dirty="0" err="1">
+                <a:ln>
+                  <a:solidFill>
+                    <a:schemeClr val="tx1">
+                      <a:alpha val="40000"/>
+                    </a:schemeClr>
+                  </a:solidFill>
+                </a:ln>
+                <a:latin typeface="나눔스퀘어_ac" panose="020B0600000101010101" pitchFamily="50" charset="-127"/>
+                <a:ea typeface="나눔스퀘어_ac" panose="020B0600000101010101" pitchFamily="50" charset="-127"/>
+              </a:rPr>
+              <a:t>Voluemtric</a:t>
+            </a:r>
+            <a:r>
+              <a:rPr lang="ko-KR" altLang="en-US" sz="1200" dirty="0">
+                <a:ln>
+                  <a:solidFill>
+                    <a:schemeClr val="tx1">
+                      <a:alpha val="40000"/>
+                    </a:schemeClr>
+                  </a:solidFill>
+                </a:ln>
+                <a:latin typeface="나눔스퀘어_ac" panose="020B0600000101010101" pitchFamily="50" charset="-127"/>
+                <a:ea typeface="나눔스퀘어_ac" panose="020B0600000101010101" pitchFamily="50" charset="-127"/>
+              </a:rPr>
+              <a:t> </a:t>
+            </a:r>
+            <a:r>
               <a:rPr lang="en-US" altLang="ko-KR" sz="1200" dirty="0">
                 <a:ln>
                   <a:solidFill>
@@ -15685,7 +15710,7 @@
                 <a:latin typeface="나눔스퀘어_ac" panose="020B0600000101010101" pitchFamily="50" charset="-127"/>
                 <a:ea typeface="나눔스퀘어_ac" panose="020B0600000101010101" pitchFamily="50" charset="-127"/>
               </a:rPr>
-              <a:t>Volumetric Light Scattering</a:t>
+              <a:t>Light</a:t>
             </a:r>
             <a:r>
               <a:rPr lang="ko-KR" altLang="en-US" sz="1200" dirty="0">
@@ -15699,7 +15724,7 @@
                 <a:latin typeface="나눔스퀘어_ac" panose="020B0600000101010101" pitchFamily="50" charset="-127"/>
                 <a:ea typeface="나눔스퀘어_ac" panose="020B0600000101010101" pitchFamily="50" charset="-127"/>
               </a:rPr>
-              <a:t>을 위한 </a:t>
+              <a:t> </a:t>
             </a:r>
             <a:r>
               <a:rPr lang="en-US" altLang="ko-KR" sz="1200" dirty="0">
@@ -15713,7 +15738,7 @@
                 <a:latin typeface="나눔스퀘어_ac" panose="020B0600000101010101" pitchFamily="50" charset="-127"/>
                 <a:ea typeface="나눔스퀘어_ac" panose="020B0600000101010101" pitchFamily="50" charset="-127"/>
               </a:rPr>
-              <a:t>Ray Marching</a:t>
+              <a:t>Scattering</a:t>
             </a:r>
             <a:r>
               <a:rPr lang="ko-KR" altLang="en-US" sz="1200" dirty="0">
@@ -15727,7 +15752,91 @@
                 <a:latin typeface="나눔스퀘어_ac" panose="020B0600000101010101" pitchFamily="50" charset="-127"/>
                 <a:ea typeface="나눔스퀘어_ac" panose="020B0600000101010101" pitchFamily="50" charset="-127"/>
               </a:rPr>
-              <a:t>을 수행한다</a:t>
+              <a:t> </a:t>
+            </a:r>
+            <a:r>
+              <a:rPr lang="en-US" altLang="ko-KR" sz="1200" dirty="0">
+                <a:ln>
+                  <a:solidFill>
+                    <a:schemeClr val="tx1">
+                      <a:alpha val="40000"/>
+                    </a:schemeClr>
+                  </a:solidFill>
+                </a:ln>
+                <a:latin typeface="나눔스퀘어_ac" panose="020B0600000101010101" pitchFamily="50" charset="-127"/>
+                <a:ea typeface="나눔스퀘어_ac" panose="020B0600000101010101" pitchFamily="50" charset="-127"/>
+              </a:rPr>
+              <a:t>Texture</a:t>
+            </a:r>
+            <a:r>
+              <a:rPr lang="ko-KR" altLang="en-US" sz="1200" dirty="0">
+                <a:ln>
+                  <a:solidFill>
+                    <a:schemeClr val="tx1">
+                      <a:alpha val="40000"/>
+                    </a:schemeClr>
+                  </a:solidFill>
+                </a:ln>
+                <a:latin typeface="나눔스퀘어_ac" panose="020B0600000101010101" pitchFamily="50" charset="-127"/>
+                <a:ea typeface="나눔스퀘어_ac" panose="020B0600000101010101" pitchFamily="50" charset="-127"/>
+              </a:rPr>
+              <a:t> 및 </a:t>
+            </a:r>
+            <a:r>
+              <a:rPr lang="en-US" altLang="ko-KR" sz="1200" dirty="0">
+                <a:ln>
+                  <a:solidFill>
+                    <a:schemeClr val="tx1">
+                      <a:alpha val="40000"/>
+                    </a:schemeClr>
+                  </a:solidFill>
+                </a:ln>
+                <a:latin typeface="나눔스퀘어_ac" panose="020B0600000101010101" pitchFamily="50" charset="-127"/>
+                <a:ea typeface="나눔스퀘어_ac" panose="020B0600000101010101" pitchFamily="50" charset="-127"/>
+              </a:rPr>
+              <a:t>Bloom Texture</a:t>
+            </a:r>
+            <a:r>
+              <a:rPr lang="ko-KR" altLang="en-US" sz="1200" dirty="0">
+                <a:ln>
+                  <a:solidFill>
+                    <a:schemeClr val="tx1">
+                      <a:alpha val="40000"/>
+                    </a:schemeClr>
+                  </a:solidFill>
+                </a:ln>
+                <a:latin typeface="나눔스퀘어_ac" panose="020B0600000101010101" pitchFamily="50" charset="-127"/>
+                <a:ea typeface="나눔스퀘어_ac" panose="020B0600000101010101" pitchFamily="50" charset="-127"/>
+              </a:rPr>
+              <a:t>를 </a:t>
+            </a:r>
+            <a:r>
+              <a:rPr lang="en-US" altLang="ko-KR" sz="1200" dirty="0">
+                <a:ln>
+                  <a:solidFill>
+                    <a:schemeClr val="tx1">
+                      <a:alpha val="40000"/>
+                    </a:schemeClr>
+                  </a:solidFill>
+                </a:ln>
+                <a:latin typeface="나눔스퀘어_ac" panose="020B0600000101010101" pitchFamily="50" charset="-127"/>
+                <a:ea typeface="나눔스퀘어_ac" panose="020B0600000101010101" pitchFamily="50" charset="-127"/>
+              </a:rPr>
+              <a:t>Blur</a:t>
+            </a:r>
+            <a:r>
+              <a:rPr lang="ko-KR" altLang="en-US" sz="1200" dirty="0">
+                <a:ln>
+                  <a:solidFill>
+                    <a:schemeClr val="tx1">
+                      <a:alpha val="40000"/>
+                    </a:schemeClr>
+                  </a:solidFill>
+                </a:ln>
+                <a:latin typeface="나눔스퀘어_ac" panose="020B0600000101010101" pitchFamily="50" charset="-127"/>
+                <a:ea typeface="나눔스퀘어_ac" panose="020B0600000101010101" pitchFamily="50" charset="-127"/>
+              </a:rPr>
+              <a:t>시킨다</a:t>
             </a:r>
             <a:r>
               <a:rPr lang="en-US" altLang="ko-KR" sz="1200" dirty="0">
@@ -15759,10 +15868,10 @@
       </p:sp>
       <p:sp>
         <p:nvSpPr>
-          <p:cNvPr id="61" name="사각형: 모서리가 접힌 도형 60">
-            <a:extLst>
-              <a:ext uri="{FF2B5EF4-FFF2-40B4-BE49-F238E27FC236}">
-                <a16:creationId xmlns:a16="http://schemas.microsoft.com/office/drawing/2014/main" id="{3F729AAF-9F36-42C8-8985-8733CEB67939}"/>
+          <p:cNvPr id="65" name="사각형: 모서리가 접힌 도형 64">
+            <a:extLst>
+              <a:ext uri="{FF2B5EF4-FFF2-40B4-BE49-F238E27FC236}">
+                <a16:creationId xmlns:a16="http://schemas.microsoft.com/office/drawing/2014/main" id="{34C5ECD3-1C95-4BDD-917A-504043E098C8}"/>
               </a:ext>
             </a:extLst>
           </p:cNvPr>
@@ -15771,8 +15880,8 @@
         </p:nvSpPr>
         <p:spPr>
           <a:xfrm flipH="1" flipV="1">
-            <a:off x="6119587" y="4913608"/>
-            <a:ext cx="2224312" cy="685965"/>
+            <a:off x="8083872" y="5277767"/>
+            <a:ext cx="2400301" cy="870632"/>
           </a:xfrm>
           <a:prstGeom prst="foldedCorner">
             <a:avLst/>
@@ -15811,22 +15920,23 @@
       </p:sp>
       <p:cxnSp>
         <p:nvCxnSpPr>
-          <p:cNvPr id="62" name="직선 연결선 61">
-            <a:extLst>
-              <a:ext uri="{FF2B5EF4-FFF2-40B4-BE49-F238E27FC236}">
-                <a16:creationId xmlns:a16="http://schemas.microsoft.com/office/drawing/2014/main" id="{7A0914C0-9140-4F00-AD29-CBBE35BE0CFF}"/>
+          <p:cNvPr id="66" name="직선 연결선 65">
+            <a:extLst>
+              <a:ext uri="{FF2B5EF4-FFF2-40B4-BE49-F238E27FC236}">
+                <a16:creationId xmlns:a16="http://schemas.microsoft.com/office/drawing/2014/main" id="{328D376A-C33E-469E-ADBE-ACB5F557D71A}"/>
               </a:ext>
             </a:extLst>
           </p:cNvPr>
           <p:cNvCxnSpPr>
             <a:cxnSpLocks/>
+            <a:endCxn id="67" idx="1"/>
           </p:cNvCxnSpPr>
           <p:nvPr/>
         </p:nvCxnSpPr>
         <p:spPr>
           <a:xfrm>
-            <a:off x="4137670" y="5239873"/>
-            <a:ext cx="1957957" cy="0"/>
+            <a:off x="4949429" y="5704837"/>
+            <a:ext cx="3134443" cy="8247"/>
           </a:xfrm>
           <a:prstGeom prst="line">
             <a:avLst/>
@@ -15858,10 +15968,10 @@
       </p:cxnSp>
       <p:sp>
         <p:nvSpPr>
-          <p:cNvPr id="63" name="직사각형 62">
-            <a:extLst>
-              <a:ext uri="{FF2B5EF4-FFF2-40B4-BE49-F238E27FC236}">
-                <a16:creationId xmlns:a16="http://schemas.microsoft.com/office/drawing/2014/main" id="{301D2CBC-8D3C-472B-8918-4C7CA93B7B8F}"/>
+          <p:cNvPr id="67" name="직사각형 66">
+            <a:extLst>
+              <a:ext uri="{FF2B5EF4-FFF2-40B4-BE49-F238E27FC236}">
+                <a16:creationId xmlns:a16="http://schemas.microsoft.com/office/drawing/2014/main" id="{15AA4675-C05B-4DAD-BC47-31E80CECA0CB}"/>
               </a:ext>
             </a:extLst>
           </p:cNvPr>
@@ -15870,8 +15980,8 @@
         </p:nvSpPr>
         <p:spPr>
           <a:xfrm>
-            <a:off x="6119588" y="4953243"/>
-            <a:ext cx="2125498" cy="646331"/>
+            <a:off x="8083872" y="5389918"/>
+            <a:ext cx="2326412" cy="646331"/>
           </a:xfrm>
           <a:prstGeom prst="rect">
             <a:avLst/>
@@ -15885,18 +15995,18 @@
           <a:p>
             <a:pPr algn="ctr"/>
             <a:r>
-              <a:rPr lang="en-US" altLang="ko-KR" sz="1200" dirty="0" err="1">
-                <a:ln>
-                  <a:solidFill>
-                    <a:schemeClr val="tx1">
-                      <a:alpha val="40000"/>
-                    </a:schemeClr>
-                  </a:solidFill>
-                </a:ln>
-                <a:latin typeface="나눔스퀘어_ac" panose="020B0600000101010101" pitchFamily="50" charset="-127"/>
-                <a:ea typeface="나눔스퀘어_ac" panose="020B0600000101010101" pitchFamily="50" charset="-127"/>
-              </a:rPr>
-              <a:t>Voluemtric</a:t>
+              <a:rPr lang="en-US" altLang="ko-KR" sz="1200" dirty="0">
+                <a:ln>
+                  <a:solidFill>
+                    <a:schemeClr val="tx1">
+                      <a:alpha val="40000"/>
+                    </a:schemeClr>
+                  </a:solidFill>
+                </a:ln>
+                <a:latin typeface="나눔스퀘어_ac" panose="020B0600000101010101" pitchFamily="50" charset="-127"/>
+                <a:ea typeface="나눔스퀘어_ac" panose="020B0600000101010101" pitchFamily="50" charset="-127"/>
+              </a:rPr>
+              <a:t>HDR</a:t>
             </a:r>
             <a:r>
               <a:rPr lang="ko-KR" altLang="en-US" sz="1200" dirty="0">
@@ -15910,7 +16020,7 @@
                 <a:latin typeface="나눔스퀘어_ac" panose="020B0600000101010101" pitchFamily="50" charset="-127"/>
                 <a:ea typeface="나눔스퀘어_ac" panose="020B0600000101010101" pitchFamily="50" charset="-127"/>
               </a:rPr>
-              <a:t> </a:t>
+              <a:t>을 사용하여 </a:t>
             </a:r>
             <a:r>
               <a:rPr lang="en-US" altLang="ko-KR" sz="1200" dirty="0">
@@ -15924,7 +16034,7 @@
                 <a:latin typeface="나눔스퀘어_ac" panose="020B0600000101010101" pitchFamily="50" charset="-127"/>
                 <a:ea typeface="나눔스퀘어_ac" panose="020B0600000101010101" pitchFamily="50" charset="-127"/>
               </a:rPr>
-              <a:t>Light</a:t>
+              <a:t>Gamma Correction, Bloom, Volumetric Light Scattering </a:t>
             </a:r>
             <a:r>
               <a:rPr lang="ko-KR" altLang="en-US" sz="1200" dirty="0">
@@ -15938,119 +16048,7 @@
                 <a:latin typeface="나눔스퀘어_ac" panose="020B0600000101010101" pitchFamily="50" charset="-127"/>
                 <a:ea typeface="나눔스퀘어_ac" panose="020B0600000101010101" pitchFamily="50" charset="-127"/>
               </a:rPr>
-              <a:t> </a:t>
-            </a:r>
-            <a:r>
-              <a:rPr lang="en-US" altLang="ko-KR" sz="1200" dirty="0">
-                <a:ln>
-                  <a:solidFill>
-                    <a:schemeClr val="tx1">
-                      <a:alpha val="40000"/>
-                    </a:schemeClr>
-                  </a:solidFill>
-                </a:ln>
-                <a:latin typeface="나눔스퀘어_ac" panose="020B0600000101010101" pitchFamily="50" charset="-127"/>
-                <a:ea typeface="나눔스퀘어_ac" panose="020B0600000101010101" pitchFamily="50" charset="-127"/>
-              </a:rPr>
-              <a:t>Scattering</a:t>
-            </a:r>
-            <a:r>
-              <a:rPr lang="ko-KR" altLang="en-US" sz="1200" dirty="0">
-                <a:ln>
-                  <a:solidFill>
-                    <a:schemeClr val="tx1">
-                      <a:alpha val="40000"/>
-                    </a:schemeClr>
-                  </a:solidFill>
-                </a:ln>
-                <a:latin typeface="나눔스퀘어_ac" panose="020B0600000101010101" pitchFamily="50" charset="-127"/>
-                <a:ea typeface="나눔스퀘어_ac" panose="020B0600000101010101" pitchFamily="50" charset="-127"/>
-              </a:rPr>
-              <a:t> </a:t>
-            </a:r>
-            <a:r>
-              <a:rPr lang="en-US" altLang="ko-KR" sz="1200" dirty="0">
-                <a:ln>
-                  <a:solidFill>
-                    <a:schemeClr val="tx1">
-                      <a:alpha val="40000"/>
-                    </a:schemeClr>
-                  </a:solidFill>
-                </a:ln>
-                <a:latin typeface="나눔스퀘어_ac" panose="020B0600000101010101" pitchFamily="50" charset="-127"/>
-                <a:ea typeface="나눔스퀘어_ac" panose="020B0600000101010101" pitchFamily="50" charset="-127"/>
-              </a:rPr>
-              <a:t>Texture</a:t>
-            </a:r>
-            <a:r>
-              <a:rPr lang="ko-KR" altLang="en-US" sz="1200" dirty="0">
-                <a:ln>
-                  <a:solidFill>
-                    <a:schemeClr val="tx1">
-                      <a:alpha val="40000"/>
-                    </a:schemeClr>
-                  </a:solidFill>
-                </a:ln>
-                <a:latin typeface="나눔스퀘어_ac" panose="020B0600000101010101" pitchFamily="50" charset="-127"/>
-                <a:ea typeface="나눔스퀘어_ac" panose="020B0600000101010101" pitchFamily="50" charset="-127"/>
-              </a:rPr>
-              <a:t> 및 </a:t>
-            </a:r>
-            <a:r>
-              <a:rPr lang="en-US" altLang="ko-KR" sz="1200" dirty="0">
-                <a:ln>
-                  <a:solidFill>
-                    <a:schemeClr val="tx1">
-                      <a:alpha val="40000"/>
-                    </a:schemeClr>
-                  </a:solidFill>
-                </a:ln>
-                <a:latin typeface="나눔스퀘어_ac" panose="020B0600000101010101" pitchFamily="50" charset="-127"/>
-                <a:ea typeface="나눔스퀘어_ac" panose="020B0600000101010101" pitchFamily="50" charset="-127"/>
-              </a:rPr>
-              <a:t>Bloom Texture</a:t>
-            </a:r>
-            <a:r>
-              <a:rPr lang="ko-KR" altLang="en-US" sz="1200" dirty="0">
-                <a:ln>
-                  <a:solidFill>
-                    <a:schemeClr val="tx1">
-                      <a:alpha val="40000"/>
-                    </a:schemeClr>
-                  </a:solidFill>
-                </a:ln>
-                <a:latin typeface="나눔스퀘어_ac" panose="020B0600000101010101" pitchFamily="50" charset="-127"/>
-                <a:ea typeface="나눔스퀘어_ac" panose="020B0600000101010101" pitchFamily="50" charset="-127"/>
-              </a:rPr>
-              <a:t>를 </a:t>
-            </a:r>
-            <a:r>
-              <a:rPr lang="en-US" altLang="ko-KR" sz="1200" dirty="0">
-                <a:ln>
-                  <a:solidFill>
-                    <a:schemeClr val="tx1">
-                      <a:alpha val="40000"/>
-                    </a:schemeClr>
-                  </a:solidFill>
-                </a:ln>
-                <a:latin typeface="나눔스퀘어_ac" panose="020B0600000101010101" pitchFamily="50" charset="-127"/>
-                <a:ea typeface="나눔스퀘어_ac" panose="020B0600000101010101" pitchFamily="50" charset="-127"/>
-              </a:rPr>
-              <a:t>Blur</a:t>
-            </a:r>
-            <a:r>
-              <a:rPr lang="ko-KR" altLang="en-US" sz="1200" dirty="0">
-                <a:ln>
-                  <a:solidFill>
-                    <a:schemeClr val="tx1">
-                      <a:alpha val="40000"/>
-                    </a:schemeClr>
-                  </a:solidFill>
-                </a:ln>
-                <a:latin typeface="나눔스퀘어_ac" panose="020B0600000101010101" pitchFamily="50" charset="-127"/>
-                <a:ea typeface="나눔스퀘어_ac" panose="020B0600000101010101" pitchFamily="50" charset="-127"/>
-              </a:rPr>
-              <a:t>시킨다</a:t>
+              <a:t>등을 수행한다</a:t>
             </a:r>
             <a:r>
               <a:rPr lang="en-US" altLang="ko-KR" sz="1200" dirty="0">
@@ -16082,10 +16080,10 @@
       </p:sp>
       <p:sp>
         <p:nvSpPr>
-          <p:cNvPr id="65" name="사각형: 모서리가 접힌 도형 64">
-            <a:extLst>
-              <a:ext uri="{FF2B5EF4-FFF2-40B4-BE49-F238E27FC236}">
-                <a16:creationId xmlns:a16="http://schemas.microsoft.com/office/drawing/2014/main" id="{34C5ECD3-1C95-4BDD-917A-504043E098C8}"/>
+          <p:cNvPr id="2" name="사각형: 둥근 모서리 1">
+            <a:extLst>
+              <a:ext uri="{FF2B5EF4-FFF2-40B4-BE49-F238E27FC236}">
+                <a16:creationId xmlns:a16="http://schemas.microsoft.com/office/drawing/2014/main" id="{9C913DE0-19B8-4B1B-B230-97200EE0BDFF}"/>
               </a:ext>
             </a:extLst>
           </p:cNvPr>
@@ -16093,19 +16091,15 @@
           <p:nvPr/>
         </p:nvSpPr>
         <p:spPr>
-          <a:xfrm flipH="1" flipV="1">
-            <a:off x="8417788" y="5427192"/>
-            <a:ext cx="2400301" cy="870632"/>
-          </a:xfrm>
-          <a:prstGeom prst="foldedCorner">
+          <a:xfrm>
+            <a:off x="3032243" y="923069"/>
+            <a:ext cx="1882066" cy="399495"/>
+          </a:xfrm>
+          <a:prstGeom prst="roundRect">
             <a:avLst/>
           </a:prstGeom>
           <a:noFill/>
-          <a:ln w="12700">
-            <a:solidFill>
-              <a:schemeClr val="tx1"/>
-            </a:solidFill>
-          </a:ln>
+          <a:ln w="28575"/>
         </p:spPr>
         <p:style>
           <a:lnRef idx="2">
@@ -16132,153 +16126,49 @@
           </a:p>
         </p:txBody>
       </p:sp>
-      <p:cxnSp>
-        <p:nvCxnSpPr>
-          <p:cNvPr id="66" name="직선 연결선 65">
-            <a:extLst>
-              <a:ext uri="{FF2B5EF4-FFF2-40B4-BE49-F238E27FC236}">
-                <a16:creationId xmlns:a16="http://schemas.microsoft.com/office/drawing/2014/main" id="{328D376A-C33E-469E-ADBE-ACB5F557D71A}"/>
-              </a:ext>
-            </a:extLst>
-          </p:cNvPr>
-          <p:cNvCxnSpPr>
-            <a:cxnSpLocks/>
-            <a:endCxn id="67" idx="1"/>
-          </p:cNvCxnSpPr>
-          <p:nvPr/>
-        </p:nvCxnSpPr>
-        <p:spPr>
-          <a:xfrm>
-            <a:off x="5283345" y="5854262"/>
-            <a:ext cx="3134443" cy="8247"/>
-          </a:xfrm>
-          <a:prstGeom prst="line">
-            <a:avLst/>
-          </a:prstGeom>
-          <a:ln w="9525" cap="flat" cmpd="sng" algn="ctr">
-            <a:solidFill>
-              <a:schemeClr val="dk1"/>
-            </a:solidFill>
-            <a:prstDash val="dash"/>
-            <a:round/>
-            <a:headEnd type="none" w="med" len="med"/>
-            <a:tailEnd type="none" w="med" len="med"/>
-          </a:ln>
-        </p:spPr>
-        <p:style>
-          <a:lnRef idx="0">
-            <a:scrgbClr r="0" g="0" b="0"/>
-          </a:lnRef>
-          <a:fillRef idx="0">
-            <a:scrgbClr r="0" g="0" b="0"/>
-          </a:fillRef>
-          <a:effectRef idx="0">
-            <a:scrgbClr r="0" g="0" b="0"/>
-          </a:effectRef>
-          <a:fontRef idx="minor">
-            <a:schemeClr val="tx1"/>
-          </a:fontRef>
-        </p:style>
-      </p:cxnSp>
-      <p:sp>
-        <p:nvSpPr>
-          <p:cNvPr id="67" name="직사각형 66">
-            <a:extLst>
-              <a:ext uri="{FF2B5EF4-FFF2-40B4-BE49-F238E27FC236}">
-                <a16:creationId xmlns:a16="http://schemas.microsoft.com/office/drawing/2014/main" id="{15AA4675-C05B-4DAD-BC47-31E80CECA0CB}"/>
-              </a:ext>
-            </a:extLst>
-          </p:cNvPr>
-          <p:cNvSpPr/>
-          <p:nvPr/>
-        </p:nvSpPr>
-        <p:spPr>
-          <a:xfrm>
-            <a:off x="8417788" y="5539343"/>
-            <a:ext cx="2326412" cy="646331"/>
+      <p:sp>
+        <p:nvSpPr>
+          <p:cNvPr id="30" name="TextBox 29">
+            <a:extLst>
+              <a:ext uri="{FF2B5EF4-FFF2-40B4-BE49-F238E27FC236}">
+                <a16:creationId xmlns:a16="http://schemas.microsoft.com/office/drawing/2014/main" id="{2F0C32B3-F350-425B-9DC9-08BC4C73792D}"/>
+              </a:ext>
+            </a:extLst>
+          </p:cNvPr>
+          <p:cNvSpPr txBox="1"/>
+          <p:nvPr/>
+        </p:nvSpPr>
+        <p:spPr>
+          <a:xfrm>
+            <a:off x="3355895" y="953539"/>
+            <a:ext cx="1234762" cy="338554"/>
           </a:xfrm>
           <a:prstGeom prst="rect">
             <a:avLst/>
           </a:prstGeom>
-        </p:spPr>
-        <p:txBody>
-          <a:bodyPr wrap="square">
+          <a:noFill/>
+        </p:spPr>
+        <p:txBody>
+          <a:bodyPr wrap="none" rtlCol="0">
             <a:spAutoFit/>
           </a:bodyPr>
           <a:lstStyle/>
           <a:p>
-            <a:pPr algn="ctr"/>
-            <a:r>
-              <a:rPr lang="en-US" altLang="ko-KR" sz="1200" dirty="0">
-                <a:ln>
-                  <a:solidFill>
-                    <a:schemeClr val="tx1">
-                      <a:alpha val="40000"/>
-                    </a:schemeClr>
-                  </a:solidFill>
-                </a:ln>
-                <a:latin typeface="나눔스퀘어_ac" panose="020B0600000101010101" pitchFamily="50" charset="-127"/>
-                <a:ea typeface="나눔스퀘어_ac" panose="020B0600000101010101" pitchFamily="50" charset="-127"/>
-              </a:rPr>
-              <a:t>HDR</a:t>
-            </a:r>
-            <a:r>
-              <a:rPr lang="ko-KR" altLang="en-US" sz="1200" dirty="0">
-                <a:ln>
-                  <a:solidFill>
-                    <a:schemeClr val="tx1">
-                      <a:alpha val="40000"/>
-                    </a:schemeClr>
-                  </a:solidFill>
-                </a:ln>
-                <a:latin typeface="나눔스퀘어_ac" panose="020B0600000101010101" pitchFamily="50" charset="-127"/>
-                <a:ea typeface="나눔스퀘어_ac" panose="020B0600000101010101" pitchFamily="50" charset="-127"/>
-              </a:rPr>
-              <a:t>을 사용하여 </a:t>
-            </a:r>
-            <a:r>
-              <a:rPr lang="en-US" altLang="ko-KR" sz="1200" dirty="0">
-                <a:ln>
-                  <a:solidFill>
-                    <a:schemeClr val="tx1">
-                      <a:alpha val="40000"/>
-                    </a:schemeClr>
-                  </a:solidFill>
-                </a:ln>
-                <a:latin typeface="나눔스퀘어_ac" panose="020B0600000101010101" pitchFamily="50" charset="-127"/>
-                <a:ea typeface="나눔스퀘어_ac" panose="020B0600000101010101" pitchFamily="50" charset="-127"/>
-              </a:rPr>
-              <a:t>Gamma Correction, Bloom, Volumetric Light Scattering </a:t>
-            </a:r>
-            <a:r>
-              <a:rPr lang="ko-KR" altLang="en-US" sz="1200" dirty="0">
-                <a:ln>
-                  <a:solidFill>
-                    <a:schemeClr val="tx1">
-                      <a:alpha val="40000"/>
-                    </a:schemeClr>
-                  </a:solidFill>
-                </a:ln>
-                <a:latin typeface="나눔스퀘어_ac" panose="020B0600000101010101" pitchFamily="50" charset="-127"/>
-                <a:ea typeface="나눔스퀘어_ac" panose="020B0600000101010101" pitchFamily="50" charset="-127"/>
-              </a:rPr>
-              <a:t>등을 수행한다</a:t>
-            </a:r>
-            <a:r>
-              <a:rPr lang="en-US" altLang="ko-KR" sz="1200" dirty="0">
-                <a:ln>
-                  <a:solidFill>
-                    <a:schemeClr val="tx1">
-                      <a:alpha val="40000"/>
-                    </a:schemeClr>
-                  </a:solidFill>
-                </a:ln>
-                <a:latin typeface="나눔스퀘어_ac" panose="020B0600000101010101" pitchFamily="50" charset="-127"/>
-                <a:ea typeface="나눔스퀘어_ac" panose="020B0600000101010101" pitchFamily="50" charset="-127"/>
-              </a:rPr>
-              <a:t>.</a:t>
-            </a:r>
-            <a:endParaRPr lang="ko-KR" altLang="en-US" sz="1200" dirty="0">
+            <a:r>
+              <a:rPr lang="en-US" altLang="ko-KR" sz="1600" dirty="0">
+                <a:ln>
+                  <a:solidFill>
+                    <a:schemeClr val="tx1">
+                      <a:alpha val="40000"/>
+                    </a:schemeClr>
+                  </a:solidFill>
+                </a:ln>
+                <a:latin typeface="나눔스퀘어_ac" panose="020B0600000101010101" pitchFamily="50" charset="-127"/>
+                <a:ea typeface="나눔스퀘어_ac" panose="020B0600000101010101" pitchFamily="50" charset="-127"/>
+              </a:rPr>
+              <a:t>Depth Pass</a:t>
+            </a:r>
+            <a:endParaRPr lang="ko-KR" altLang="en-US" sz="1600" dirty="0">
               <a:ln>
                 <a:solidFill>
                   <a:schemeClr val="tx1">
@@ -16292,6 +16182,512 @@
           </a:p>
         </p:txBody>
       </p:sp>
+      <p:sp>
+        <p:nvSpPr>
+          <p:cNvPr id="31" name="사각형: 둥근 모서리 30">
+            <a:extLst>
+              <a:ext uri="{FF2B5EF4-FFF2-40B4-BE49-F238E27FC236}">
+                <a16:creationId xmlns:a16="http://schemas.microsoft.com/office/drawing/2014/main" id="{CD2127F1-9762-4ABD-9023-19ED31C95A85}"/>
+              </a:ext>
+            </a:extLst>
+          </p:cNvPr>
+          <p:cNvSpPr/>
+          <p:nvPr/>
+        </p:nvSpPr>
+        <p:spPr>
+          <a:xfrm>
+            <a:off x="2860558" y="1821730"/>
+            <a:ext cx="2219356" cy="399495"/>
+          </a:xfrm>
+          <a:prstGeom prst="roundRect">
+            <a:avLst/>
+          </a:prstGeom>
+          <a:noFill/>
+          <a:ln w="28575"/>
+        </p:spPr>
+        <p:style>
+          <a:lnRef idx="2">
+            <a:schemeClr val="accent1">
+              <a:shade val="50000"/>
+            </a:schemeClr>
+          </a:lnRef>
+          <a:fillRef idx="1">
+            <a:schemeClr val="accent1"/>
+          </a:fillRef>
+          <a:effectRef idx="0">
+            <a:schemeClr val="accent1"/>
+          </a:effectRef>
+          <a:fontRef idx="minor">
+            <a:schemeClr val="lt1"/>
+          </a:fontRef>
+        </p:style>
+        <p:txBody>
+          <a:bodyPr rtlCol="0" anchor="ctr"/>
+          <a:lstStyle/>
+          <a:p>
+            <a:pPr algn="ctr"/>
+            <a:endParaRPr lang="ko-KR" altLang="en-US"/>
+          </a:p>
+        </p:txBody>
+      </p:sp>
+      <p:sp>
+        <p:nvSpPr>
+          <p:cNvPr id="33" name="사각형: 둥근 모서리 32">
+            <a:extLst>
+              <a:ext uri="{FF2B5EF4-FFF2-40B4-BE49-F238E27FC236}">
+                <a16:creationId xmlns:a16="http://schemas.microsoft.com/office/drawing/2014/main" id="{05BEACAB-6C67-41EF-B9FD-BF73E499DEFF}"/>
+              </a:ext>
+            </a:extLst>
+          </p:cNvPr>
+          <p:cNvSpPr/>
+          <p:nvPr/>
+        </p:nvSpPr>
+        <p:spPr>
+          <a:xfrm>
+            <a:off x="2860559" y="2714641"/>
+            <a:ext cx="2219355" cy="399495"/>
+          </a:xfrm>
+          <a:prstGeom prst="roundRect">
+            <a:avLst/>
+          </a:prstGeom>
+          <a:noFill/>
+          <a:ln w="28575"/>
+        </p:spPr>
+        <p:style>
+          <a:lnRef idx="2">
+            <a:schemeClr val="accent1">
+              <a:shade val="50000"/>
+            </a:schemeClr>
+          </a:lnRef>
+          <a:fillRef idx="1">
+            <a:schemeClr val="accent1"/>
+          </a:fillRef>
+          <a:effectRef idx="0">
+            <a:schemeClr val="accent1"/>
+          </a:effectRef>
+          <a:fontRef idx="minor">
+            <a:schemeClr val="lt1"/>
+          </a:fontRef>
+        </p:style>
+        <p:txBody>
+          <a:bodyPr rtlCol="0" anchor="ctr"/>
+          <a:lstStyle/>
+          <a:p>
+            <a:pPr algn="ctr"/>
+            <a:endParaRPr lang="ko-KR" altLang="en-US"/>
+          </a:p>
+        </p:txBody>
+      </p:sp>
+      <p:sp>
+        <p:nvSpPr>
+          <p:cNvPr id="37" name="사각형: 둥근 모서리 36">
+            <a:extLst>
+              <a:ext uri="{FF2B5EF4-FFF2-40B4-BE49-F238E27FC236}">
+                <a16:creationId xmlns:a16="http://schemas.microsoft.com/office/drawing/2014/main" id="{4FDE671E-0BE6-4FB5-AB42-BB4FC3CFBFE2}"/>
+              </a:ext>
+            </a:extLst>
+          </p:cNvPr>
+          <p:cNvSpPr/>
+          <p:nvPr/>
+        </p:nvSpPr>
+        <p:spPr>
+          <a:xfrm>
+            <a:off x="2487666" y="3619053"/>
+            <a:ext cx="2965140" cy="399495"/>
+          </a:xfrm>
+          <a:prstGeom prst="roundRect">
+            <a:avLst/>
+          </a:prstGeom>
+          <a:noFill/>
+          <a:ln w="28575"/>
+        </p:spPr>
+        <p:style>
+          <a:lnRef idx="2">
+            <a:schemeClr val="accent1">
+              <a:shade val="50000"/>
+            </a:schemeClr>
+          </a:lnRef>
+          <a:fillRef idx="1">
+            <a:schemeClr val="accent1"/>
+          </a:fillRef>
+          <a:effectRef idx="0">
+            <a:schemeClr val="accent1"/>
+          </a:effectRef>
+          <a:fontRef idx="minor">
+            <a:schemeClr val="lt1"/>
+          </a:fontRef>
+        </p:style>
+        <p:txBody>
+          <a:bodyPr rtlCol="0" anchor="ctr"/>
+          <a:lstStyle/>
+          <a:p>
+            <a:pPr algn="ctr"/>
+            <a:endParaRPr lang="ko-KR" altLang="en-US"/>
+          </a:p>
+        </p:txBody>
+      </p:sp>
+      <p:sp>
+        <p:nvSpPr>
+          <p:cNvPr id="45" name="사각형: 둥근 모서리 44">
+            <a:extLst>
+              <a:ext uri="{FF2B5EF4-FFF2-40B4-BE49-F238E27FC236}">
+                <a16:creationId xmlns:a16="http://schemas.microsoft.com/office/drawing/2014/main" id="{29B7CA8C-EC49-4A5C-8046-2B9834D0F144}"/>
+              </a:ext>
+            </a:extLst>
+          </p:cNvPr>
+          <p:cNvSpPr/>
+          <p:nvPr/>
+        </p:nvSpPr>
+        <p:spPr>
+          <a:xfrm>
+            <a:off x="3433751" y="4530860"/>
+            <a:ext cx="1081272" cy="399495"/>
+          </a:xfrm>
+          <a:prstGeom prst="roundRect">
+            <a:avLst/>
+          </a:prstGeom>
+          <a:noFill/>
+          <a:ln w="28575"/>
+        </p:spPr>
+        <p:style>
+          <a:lnRef idx="2">
+            <a:schemeClr val="accent1">
+              <a:shade val="50000"/>
+            </a:schemeClr>
+          </a:lnRef>
+          <a:fillRef idx="1">
+            <a:schemeClr val="accent1"/>
+          </a:fillRef>
+          <a:effectRef idx="0">
+            <a:schemeClr val="accent1"/>
+          </a:effectRef>
+          <a:fontRef idx="minor">
+            <a:schemeClr val="lt1"/>
+          </a:fontRef>
+        </p:style>
+        <p:txBody>
+          <a:bodyPr rtlCol="0" anchor="ctr"/>
+          <a:lstStyle/>
+          <a:p>
+            <a:pPr algn="ctr"/>
+            <a:endParaRPr lang="ko-KR" altLang="en-US"/>
+          </a:p>
+        </p:txBody>
+      </p:sp>
+      <p:sp>
+        <p:nvSpPr>
+          <p:cNvPr id="47" name="사각형: 둥근 모서리 46">
+            <a:extLst>
+              <a:ext uri="{FF2B5EF4-FFF2-40B4-BE49-F238E27FC236}">
+                <a16:creationId xmlns:a16="http://schemas.microsoft.com/office/drawing/2014/main" id="{177C66A2-1D69-4EB6-8487-29621A80B280}"/>
+              </a:ext>
+            </a:extLst>
+          </p:cNvPr>
+          <p:cNvSpPr/>
+          <p:nvPr/>
+        </p:nvSpPr>
+        <p:spPr>
+          <a:xfrm>
+            <a:off x="3026163" y="5506417"/>
+            <a:ext cx="1882066" cy="399495"/>
+          </a:xfrm>
+          <a:prstGeom prst="roundRect">
+            <a:avLst/>
+          </a:prstGeom>
+          <a:noFill/>
+          <a:ln w="28575"/>
+        </p:spPr>
+        <p:style>
+          <a:lnRef idx="2">
+            <a:schemeClr val="accent1">
+              <a:shade val="50000"/>
+            </a:schemeClr>
+          </a:lnRef>
+          <a:fillRef idx="1">
+            <a:schemeClr val="accent1"/>
+          </a:fillRef>
+          <a:effectRef idx="0">
+            <a:schemeClr val="accent1"/>
+          </a:effectRef>
+          <a:fontRef idx="minor">
+            <a:schemeClr val="lt1"/>
+          </a:fontRef>
+        </p:style>
+        <p:txBody>
+          <a:bodyPr rtlCol="0" anchor="ctr"/>
+          <a:lstStyle/>
+          <a:p>
+            <a:pPr algn="ctr"/>
+            <a:endParaRPr lang="ko-KR" altLang="en-US"/>
+          </a:p>
+        </p:txBody>
+      </p:sp>
+      <p:sp>
+        <p:nvSpPr>
+          <p:cNvPr id="49" name="TextBox 48">
+            <a:extLst>
+              <a:ext uri="{FF2B5EF4-FFF2-40B4-BE49-F238E27FC236}">
+                <a16:creationId xmlns:a16="http://schemas.microsoft.com/office/drawing/2014/main" id="{7A12B0AF-4A8B-4295-87DB-E8FB66E65377}"/>
+              </a:ext>
+            </a:extLst>
+          </p:cNvPr>
+          <p:cNvSpPr txBox="1"/>
+          <p:nvPr/>
+        </p:nvSpPr>
+        <p:spPr>
+          <a:xfrm>
+            <a:off x="3026163" y="1852201"/>
+            <a:ext cx="1888146" cy="338554"/>
+          </a:xfrm>
+          <a:prstGeom prst="rect">
+            <a:avLst/>
+          </a:prstGeom>
+          <a:noFill/>
+        </p:spPr>
+        <p:txBody>
+          <a:bodyPr wrap="square" rtlCol="0">
+            <a:spAutoFit/>
+          </a:bodyPr>
+          <a:lstStyle/>
+          <a:p>
+            <a:r>
+              <a:rPr lang="en-US" altLang="ko-KR" sz="1600" dirty="0">
+                <a:ln>
+                  <a:solidFill>
+                    <a:schemeClr val="tx1">
+                      <a:alpha val="40000"/>
+                    </a:schemeClr>
+                  </a:solidFill>
+                </a:ln>
+                <a:latin typeface="나눔스퀘어_ac" panose="020B0600000101010101" pitchFamily="50" charset="-127"/>
+                <a:ea typeface="나눔스퀘어_ac" panose="020B0600000101010101" pitchFamily="50" charset="-127"/>
+              </a:rPr>
+              <a:t>Light Volume Pass</a:t>
+            </a:r>
+            <a:endParaRPr lang="ko-KR" altLang="en-US" sz="1600" dirty="0">
+              <a:ln>
+                <a:solidFill>
+                  <a:schemeClr val="tx1">
+                    <a:alpha val="40000"/>
+                  </a:schemeClr>
+                </a:solidFill>
+              </a:ln>
+              <a:latin typeface="나눔스퀘어_ac" panose="020B0600000101010101" pitchFamily="50" charset="-127"/>
+              <a:ea typeface="나눔스퀘어_ac" panose="020B0600000101010101" pitchFamily="50" charset="-127"/>
+            </a:endParaRPr>
+          </a:p>
+        </p:txBody>
+      </p:sp>
+      <p:cxnSp>
+        <p:nvCxnSpPr>
+          <p:cNvPr id="4" name="직선 화살표 연결선 3">
+            <a:extLst>
+              <a:ext uri="{FF2B5EF4-FFF2-40B4-BE49-F238E27FC236}">
+                <a16:creationId xmlns:a16="http://schemas.microsoft.com/office/drawing/2014/main" id="{8DF29596-6ECF-4AD7-A13C-C6FB2ADFD3D6}"/>
+              </a:ext>
+            </a:extLst>
+          </p:cNvPr>
+          <p:cNvCxnSpPr>
+            <a:stCxn id="2" idx="2"/>
+            <a:endCxn id="31" idx="0"/>
+          </p:cNvCxnSpPr>
+          <p:nvPr/>
+        </p:nvCxnSpPr>
+        <p:spPr>
+          <a:xfrm flipH="1">
+            <a:off x="3970236" y="1322564"/>
+            <a:ext cx="3040" cy="499166"/>
+          </a:xfrm>
+          <a:prstGeom prst="straightConnector1">
+            <a:avLst/>
+          </a:prstGeom>
+          <a:ln>
+            <a:tailEnd type="triangle"/>
+          </a:ln>
+        </p:spPr>
+        <p:style>
+          <a:lnRef idx="1">
+            <a:schemeClr val="accent1"/>
+          </a:lnRef>
+          <a:fillRef idx="0">
+            <a:schemeClr val="accent1"/>
+          </a:fillRef>
+          <a:effectRef idx="0">
+            <a:schemeClr val="accent1"/>
+          </a:effectRef>
+          <a:fontRef idx="minor">
+            <a:schemeClr val="tx1"/>
+          </a:fontRef>
+        </p:style>
+      </p:cxnSp>
+      <p:cxnSp>
+        <p:nvCxnSpPr>
+          <p:cNvPr id="7" name="직선 화살표 연결선 6">
+            <a:extLst>
+              <a:ext uri="{FF2B5EF4-FFF2-40B4-BE49-F238E27FC236}">
+                <a16:creationId xmlns:a16="http://schemas.microsoft.com/office/drawing/2014/main" id="{61A76545-000F-45D2-9261-D5D2C049214C}"/>
+              </a:ext>
+            </a:extLst>
+          </p:cNvPr>
+          <p:cNvCxnSpPr>
+            <a:stCxn id="31" idx="2"/>
+            <a:endCxn id="33" idx="0"/>
+          </p:cNvCxnSpPr>
+          <p:nvPr/>
+        </p:nvCxnSpPr>
+        <p:spPr>
+          <a:xfrm>
+            <a:off x="3970236" y="2221225"/>
+            <a:ext cx="1" cy="493416"/>
+          </a:xfrm>
+          <a:prstGeom prst="straightConnector1">
+            <a:avLst/>
+          </a:prstGeom>
+          <a:ln>
+            <a:tailEnd type="triangle"/>
+          </a:ln>
+        </p:spPr>
+        <p:style>
+          <a:lnRef idx="1">
+            <a:schemeClr val="accent1"/>
+          </a:lnRef>
+          <a:fillRef idx="0">
+            <a:schemeClr val="accent1"/>
+          </a:fillRef>
+          <a:effectRef idx="0">
+            <a:schemeClr val="accent1"/>
+          </a:effectRef>
+          <a:fontRef idx="minor">
+            <a:schemeClr val="tx1"/>
+          </a:fontRef>
+        </p:style>
+      </p:cxnSp>
+      <p:cxnSp>
+        <p:nvCxnSpPr>
+          <p:cNvPr id="10" name="직선 화살표 연결선 9">
+            <a:extLst>
+              <a:ext uri="{FF2B5EF4-FFF2-40B4-BE49-F238E27FC236}">
+                <a16:creationId xmlns:a16="http://schemas.microsoft.com/office/drawing/2014/main" id="{0047F99E-A7AE-49FF-9B5C-AB6FFD62CF7C}"/>
+              </a:ext>
+            </a:extLst>
+          </p:cNvPr>
+          <p:cNvCxnSpPr>
+            <a:stCxn id="33" idx="2"/>
+            <a:endCxn id="37" idx="0"/>
+          </p:cNvCxnSpPr>
+          <p:nvPr/>
+        </p:nvCxnSpPr>
+        <p:spPr>
+          <a:xfrm flipH="1">
+            <a:off x="3970236" y="3114136"/>
+            <a:ext cx="1" cy="504917"/>
+          </a:xfrm>
+          <a:prstGeom prst="straightConnector1">
+            <a:avLst/>
+          </a:prstGeom>
+          <a:ln>
+            <a:tailEnd type="triangle"/>
+          </a:ln>
+        </p:spPr>
+        <p:style>
+          <a:lnRef idx="1">
+            <a:schemeClr val="accent1"/>
+          </a:lnRef>
+          <a:fillRef idx="0">
+            <a:schemeClr val="accent1"/>
+          </a:fillRef>
+          <a:effectRef idx="0">
+            <a:schemeClr val="accent1"/>
+          </a:effectRef>
+          <a:fontRef idx="minor">
+            <a:schemeClr val="tx1"/>
+          </a:fontRef>
+        </p:style>
+      </p:cxnSp>
+      <p:cxnSp>
+        <p:nvCxnSpPr>
+          <p:cNvPr id="12" name="직선 화살표 연결선 11">
+            <a:extLst>
+              <a:ext uri="{FF2B5EF4-FFF2-40B4-BE49-F238E27FC236}">
+                <a16:creationId xmlns:a16="http://schemas.microsoft.com/office/drawing/2014/main" id="{D4CEA79B-1DBF-465E-B5E5-AE99272A7C9D}"/>
+              </a:ext>
+            </a:extLst>
+          </p:cNvPr>
+          <p:cNvCxnSpPr>
+            <a:stCxn id="37" idx="2"/>
+            <a:endCxn id="45" idx="0"/>
+          </p:cNvCxnSpPr>
+          <p:nvPr/>
+        </p:nvCxnSpPr>
+        <p:spPr>
+          <a:xfrm>
+            <a:off x="3970236" y="4018548"/>
+            <a:ext cx="4151" cy="512312"/>
+          </a:xfrm>
+          <a:prstGeom prst="straightConnector1">
+            <a:avLst/>
+          </a:prstGeom>
+          <a:ln>
+            <a:tailEnd type="triangle"/>
+          </a:ln>
+        </p:spPr>
+        <p:style>
+          <a:lnRef idx="1">
+            <a:schemeClr val="accent1"/>
+          </a:lnRef>
+          <a:fillRef idx="0">
+            <a:schemeClr val="accent1"/>
+          </a:fillRef>
+          <a:effectRef idx="0">
+            <a:schemeClr val="accent1"/>
+          </a:effectRef>
+          <a:fontRef idx="minor">
+            <a:schemeClr val="tx1"/>
+          </a:fontRef>
+        </p:style>
+      </p:cxnSp>
+      <p:cxnSp>
+        <p:nvCxnSpPr>
+          <p:cNvPr id="14" name="직선 화살표 연결선 13">
+            <a:extLst>
+              <a:ext uri="{FF2B5EF4-FFF2-40B4-BE49-F238E27FC236}">
+                <a16:creationId xmlns:a16="http://schemas.microsoft.com/office/drawing/2014/main" id="{6E808DF3-D75A-41A5-B653-F19FBFAB879A}"/>
+              </a:ext>
+            </a:extLst>
+          </p:cNvPr>
+          <p:cNvCxnSpPr>
+            <a:stCxn id="45" idx="2"/>
+            <a:endCxn id="47" idx="0"/>
+          </p:cNvCxnSpPr>
+          <p:nvPr/>
+        </p:nvCxnSpPr>
+        <p:spPr>
+          <a:xfrm flipH="1">
+            <a:off x="3967196" y="4930355"/>
+            <a:ext cx="7191" cy="576062"/>
+          </a:xfrm>
+          <a:prstGeom prst="straightConnector1">
+            <a:avLst/>
+          </a:prstGeom>
+          <a:ln>
+            <a:tailEnd type="triangle"/>
+          </a:ln>
+        </p:spPr>
+        <p:style>
+          <a:lnRef idx="1">
+            <a:schemeClr val="accent1"/>
+          </a:lnRef>
+          <a:fillRef idx="0">
+            <a:schemeClr val="accent1"/>
+          </a:fillRef>
+          <a:effectRef idx="0">
+            <a:schemeClr val="accent1"/>
+          </a:effectRef>
+          <a:fontRef idx="minor">
+            <a:schemeClr val="tx1"/>
+          </a:fontRef>
+        </p:style>
+      </p:cxnSp>
     </p:spTree>
     <p:extLst>
       <p:ext uri="{BB962C8B-B14F-4D97-AF65-F5344CB8AC3E}">

--- a/2020 OpenGL 포트폴리오 박세준.pptx
+++ b/2020 OpenGL 포트폴리오 박세준.pptx
@@ -5,7 +5,7 @@
     <p:sldMasterId id="2147483648" r:id="rId1"/>
   </p:sldMasterIdLst>
   <p:notesMasterIdLst>
-    <p:notesMasterId r:id="rId22"/>
+    <p:notesMasterId r:id="rId23"/>
   </p:notesMasterIdLst>
   <p:sldIdLst>
     <p:sldId id="256" r:id="rId2"/>
@@ -19,15 +19,16 @@
     <p:sldId id="277" r:id="rId10"/>
     <p:sldId id="279" r:id="rId11"/>
     <p:sldId id="278" r:id="rId12"/>
-    <p:sldId id="266" r:id="rId13"/>
+    <p:sldId id="281" r:id="rId13"/>
     <p:sldId id="280" r:id="rId14"/>
-    <p:sldId id="267" r:id="rId15"/>
-    <p:sldId id="274" r:id="rId16"/>
-    <p:sldId id="275" r:id="rId17"/>
-    <p:sldId id="268" r:id="rId18"/>
-    <p:sldId id="276" r:id="rId19"/>
-    <p:sldId id="272" r:id="rId20"/>
-    <p:sldId id="273" r:id="rId21"/>
+    <p:sldId id="282" r:id="rId15"/>
+    <p:sldId id="267" r:id="rId16"/>
+    <p:sldId id="274" r:id="rId17"/>
+    <p:sldId id="275" r:id="rId18"/>
+    <p:sldId id="268" r:id="rId19"/>
+    <p:sldId id="276" r:id="rId20"/>
+    <p:sldId id="272" r:id="rId21"/>
+    <p:sldId id="273" r:id="rId22"/>
   </p:sldIdLst>
   <p:sldSz cx="12192000" cy="6858000"/>
   <p:notesSz cx="6858000" cy="9144000"/>
@@ -242,7 +243,7 @@
           <a:p>
             <a:fld id="{A95E18FD-3D14-4710-AD6B-A7757F37F6C1}" type="datetimeFigureOut">
               <a:rPr lang="ko-KR" altLang="en-US" smtClean="0"/>
-              <a:t>2020-05-27</a:t>
+              <a:t>2020-05-29</a:t>
             </a:fld>
             <a:endParaRPr lang="ko-KR" altLang="en-US"/>
           </a:p>
@@ -667,7 +668,7 @@
     </p:spTree>
     <p:extLst>
       <p:ext uri="{BB962C8B-B14F-4D97-AF65-F5344CB8AC3E}">
-        <p14:creationId xmlns:p14="http://schemas.microsoft.com/office/powerpoint/2010/main" val="4266587367"/>
+        <p14:creationId xmlns:p14="http://schemas.microsoft.com/office/powerpoint/2010/main" val="3521235160"/>
       </p:ext>
     </p:extLst>
   </p:cSld>
@@ -752,6 +753,90 @@
     <p:extLst>
       <p:ext uri="{BB962C8B-B14F-4D97-AF65-F5344CB8AC3E}">
         <p14:creationId xmlns:p14="http://schemas.microsoft.com/office/powerpoint/2010/main" val="519396506"/>
+      </p:ext>
+    </p:extLst>
+  </p:cSld>
+  <p:clrMapOvr>
+    <a:masterClrMapping/>
+  </p:clrMapOvr>
+</p:notes>
+</file>
+
+<file path=ppt/notesSlides/notesSlide4.xml><?xml version="1.0" encoding="utf-8"?>
+<p:notes xmlns:a="http://schemas.openxmlformats.org/drawingml/2006/main" xmlns:r="http://schemas.openxmlformats.org/officeDocument/2006/relationships" xmlns:p="http://schemas.openxmlformats.org/presentationml/2006/main">
+  <p:cSld>
+    <p:spTree>
+      <p:nvGrpSpPr>
+        <p:cNvPr id="1" name=""/>
+        <p:cNvGrpSpPr/>
+        <p:nvPr/>
+      </p:nvGrpSpPr>
+      <p:grpSpPr>
+        <a:xfrm>
+          <a:off x="0" y="0"/>
+          <a:ext cx="0" cy="0"/>
+          <a:chOff x="0" y="0"/>
+          <a:chExt cx="0" cy="0"/>
+        </a:xfrm>
+      </p:grpSpPr>
+      <p:sp>
+        <p:nvSpPr>
+          <p:cNvPr id="2" name="슬라이드 이미지 개체 틀 1"/>
+          <p:cNvSpPr>
+            <a:spLocks noGrp="1" noRot="1" noChangeAspect="1"/>
+          </p:cNvSpPr>
+          <p:nvPr>
+            <p:ph type="sldImg"/>
+          </p:nvPr>
+        </p:nvSpPr>
+        <p:spPr/>
+      </p:sp>
+      <p:sp>
+        <p:nvSpPr>
+          <p:cNvPr id="3" name="슬라이드 노트 개체 틀 2"/>
+          <p:cNvSpPr>
+            <a:spLocks noGrp="1"/>
+          </p:cNvSpPr>
+          <p:nvPr>
+            <p:ph type="body" idx="1"/>
+          </p:nvPr>
+        </p:nvSpPr>
+        <p:spPr/>
+        <p:txBody>
+          <a:bodyPr/>
+          <a:lstStyle/>
+          <a:p>
+            <a:endParaRPr lang="ko-KR" altLang="en-US" dirty="0"/>
+          </a:p>
+        </p:txBody>
+      </p:sp>
+      <p:sp>
+        <p:nvSpPr>
+          <p:cNvPr id="4" name="슬라이드 번호 개체 틀 3"/>
+          <p:cNvSpPr>
+            <a:spLocks noGrp="1"/>
+          </p:cNvSpPr>
+          <p:nvPr>
+            <p:ph type="sldNum" sz="quarter" idx="5"/>
+          </p:nvPr>
+        </p:nvSpPr>
+        <p:spPr/>
+        <p:txBody>
+          <a:bodyPr/>
+          <a:lstStyle/>
+          <a:p>
+            <a:fld id="{0E757A3F-DC56-4467-9336-D04A3C958335}" type="slidenum">
+              <a:rPr lang="ko-KR" altLang="en-US" smtClean="0"/>
+              <a:t>14</a:t>
+            </a:fld>
+            <a:endParaRPr lang="ko-KR" altLang="en-US"/>
+          </a:p>
+        </p:txBody>
+      </p:sp>
+    </p:spTree>
+    <p:extLst>
+      <p:ext uri="{BB962C8B-B14F-4D97-AF65-F5344CB8AC3E}">
+        <p14:creationId xmlns:p14="http://schemas.microsoft.com/office/powerpoint/2010/main" val="2760203556"/>
       </p:ext>
     </p:extLst>
   </p:cSld>
@@ -908,7 +993,7 @@
           <a:p>
             <a:fld id="{C633B9D5-8828-47EF-B888-5F85DC4DEDB6}" type="datetimeFigureOut">
               <a:rPr lang="ko-KR" altLang="en-US" smtClean="0"/>
-              <a:t>2020-05-27</a:t>
+              <a:t>2020-05-29</a:t>
             </a:fld>
             <a:endParaRPr lang="ko-KR" altLang="en-US"/>
           </a:p>
@@ -1106,7 +1191,7 @@
           <a:p>
             <a:fld id="{C633B9D5-8828-47EF-B888-5F85DC4DEDB6}" type="datetimeFigureOut">
               <a:rPr lang="ko-KR" altLang="en-US" smtClean="0"/>
-              <a:t>2020-05-27</a:t>
+              <a:t>2020-05-29</a:t>
             </a:fld>
             <a:endParaRPr lang="ko-KR" altLang="en-US"/>
           </a:p>
@@ -1314,7 +1399,7 @@
           <a:p>
             <a:fld id="{C633B9D5-8828-47EF-B888-5F85DC4DEDB6}" type="datetimeFigureOut">
               <a:rPr lang="ko-KR" altLang="en-US" smtClean="0"/>
-              <a:t>2020-05-27</a:t>
+              <a:t>2020-05-29</a:t>
             </a:fld>
             <a:endParaRPr lang="ko-KR" altLang="en-US"/>
           </a:p>
@@ -1512,7 +1597,7 @@
           <a:p>
             <a:fld id="{C633B9D5-8828-47EF-B888-5F85DC4DEDB6}" type="datetimeFigureOut">
               <a:rPr lang="ko-KR" altLang="en-US" smtClean="0"/>
-              <a:t>2020-05-27</a:t>
+              <a:t>2020-05-29</a:t>
             </a:fld>
             <a:endParaRPr lang="ko-KR" altLang="en-US"/>
           </a:p>
@@ -1787,7 +1872,7 @@
           <a:p>
             <a:fld id="{C633B9D5-8828-47EF-B888-5F85DC4DEDB6}" type="datetimeFigureOut">
               <a:rPr lang="ko-KR" altLang="en-US" smtClean="0"/>
-              <a:t>2020-05-27</a:t>
+              <a:t>2020-05-29</a:t>
             </a:fld>
             <a:endParaRPr lang="ko-KR" altLang="en-US"/>
           </a:p>
@@ -2052,7 +2137,7 @@
           <a:p>
             <a:fld id="{C633B9D5-8828-47EF-B888-5F85DC4DEDB6}" type="datetimeFigureOut">
               <a:rPr lang="ko-KR" altLang="en-US" smtClean="0"/>
-              <a:t>2020-05-27</a:t>
+              <a:t>2020-05-29</a:t>
             </a:fld>
             <a:endParaRPr lang="ko-KR" altLang="en-US"/>
           </a:p>
@@ -2464,7 +2549,7 @@
           <a:p>
             <a:fld id="{C633B9D5-8828-47EF-B888-5F85DC4DEDB6}" type="datetimeFigureOut">
               <a:rPr lang="ko-KR" altLang="en-US" smtClean="0"/>
-              <a:t>2020-05-27</a:t>
+              <a:t>2020-05-29</a:t>
             </a:fld>
             <a:endParaRPr lang="ko-KR" altLang="en-US"/>
           </a:p>
@@ -2605,7 +2690,7 @@
           <a:p>
             <a:fld id="{C633B9D5-8828-47EF-B888-5F85DC4DEDB6}" type="datetimeFigureOut">
               <a:rPr lang="ko-KR" altLang="en-US" smtClean="0"/>
-              <a:t>2020-05-27</a:t>
+              <a:t>2020-05-29</a:t>
             </a:fld>
             <a:endParaRPr lang="ko-KR" altLang="en-US"/>
           </a:p>
@@ -2718,7 +2803,7 @@
           <a:p>
             <a:fld id="{C633B9D5-8828-47EF-B888-5F85DC4DEDB6}" type="datetimeFigureOut">
               <a:rPr lang="ko-KR" altLang="en-US" smtClean="0"/>
-              <a:t>2020-05-27</a:t>
+              <a:t>2020-05-29</a:t>
             </a:fld>
             <a:endParaRPr lang="ko-KR" altLang="en-US"/>
           </a:p>
@@ -3029,7 +3114,7 @@
           <a:p>
             <a:fld id="{C633B9D5-8828-47EF-B888-5F85DC4DEDB6}" type="datetimeFigureOut">
               <a:rPr lang="ko-KR" altLang="en-US" smtClean="0"/>
-              <a:t>2020-05-27</a:t>
+              <a:t>2020-05-29</a:t>
             </a:fld>
             <a:endParaRPr lang="ko-KR" altLang="en-US"/>
           </a:p>
@@ -3317,7 +3402,7 @@
           <a:p>
             <a:fld id="{C633B9D5-8828-47EF-B888-5F85DC4DEDB6}" type="datetimeFigureOut">
               <a:rPr lang="ko-KR" altLang="en-US" smtClean="0"/>
-              <a:t>2020-05-27</a:t>
+              <a:t>2020-05-29</a:t>
             </a:fld>
             <a:endParaRPr lang="ko-KR" altLang="en-US"/>
           </a:p>
@@ -3558,7 +3643,7 @@
           <a:p>
             <a:fld id="{C633B9D5-8828-47EF-B888-5F85DC4DEDB6}" type="datetimeFigureOut">
               <a:rPr lang="ko-KR" altLang="en-US" smtClean="0"/>
-              <a:t>2020-05-27</a:t>
+              <a:t>2020-05-29</a:t>
             </a:fld>
             <a:endParaRPr lang="ko-KR" altLang="en-US"/>
           </a:p>
@@ -5709,72 +5794,12 @@
           </a:p>
         </p:txBody>
       </p:sp>
-      <p:sp>
-        <p:nvSpPr>
-          <p:cNvPr id="11" name="TextBox 10">
-            <a:extLst>
-              <a:ext uri="{FF2B5EF4-FFF2-40B4-BE49-F238E27FC236}">
-                <a16:creationId xmlns:a16="http://schemas.microsoft.com/office/drawing/2014/main" id="{04C21EDE-1845-4A94-BB30-223FCB3CA22D}"/>
-              </a:ext>
-            </a:extLst>
-          </p:cNvPr>
-          <p:cNvSpPr txBox="1"/>
-          <p:nvPr/>
-        </p:nvSpPr>
-        <p:spPr>
-          <a:xfrm>
-            <a:off x="6782700" y="1318023"/>
-            <a:ext cx="4022512" cy="400110"/>
-          </a:xfrm>
-          <a:prstGeom prst="rect">
-            <a:avLst/>
-          </a:prstGeom>
-          <a:noFill/>
-        </p:spPr>
-        <p:txBody>
-          <a:bodyPr wrap="none" rtlCol="0">
-            <a:spAutoFit/>
-          </a:bodyPr>
-          <a:lstStyle/>
-          <a:p>
-            <a:pPr algn="ctr"/>
-            <a:r>
-              <a:rPr lang="en-US" altLang="ko-KR" sz="2000" spc="-150" dirty="0">
-                <a:ln>
-                  <a:solidFill>
-                    <a:schemeClr val="tx1">
-                      <a:alpha val="40000"/>
-                    </a:schemeClr>
-                  </a:solidFill>
-                </a:ln>
-                <a:latin typeface="나눔스퀘어_ac" panose="020B0600000101010101" pitchFamily="50" charset="-127"/>
-                <a:ea typeface="나눔스퀘어_ac" panose="020B0600000101010101" pitchFamily="50" charset="-127"/>
-              </a:rPr>
-              <a:t>HDR, Gamma Correction, Bloom </a:t>
-            </a:r>
-            <a:r>
-              <a:rPr lang="ko-KR" altLang="en-US" sz="2000" spc="-150" dirty="0">
-                <a:ln>
-                  <a:solidFill>
-                    <a:schemeClr val="tx1">
-                      <a:alpha val="40000"/>
-                    </a:schemeClr>
-                  </a:solidFill>
-                </a:ln>
-                <a:latin typeface="나눔스퀘어_ac" panose="020B0600000101010101" pitchFamily="50" charset="-127"/>
-                <a:ea typeface="나눔스퀘어_ac" panose="020B0600000101010101" pitchFamily="50" charset="-127"/>
-              </a:rPr>
-              <a:t>적용 후</a:t>
-            </a:r>
-          </a:p>
-        </p:txBody>
-      </p:sp>
       <p:pic>
         <p:nvPicPr>
-          <p:cNvPr id="3" name="그림 2">
-            <a:extLst>
-              <a:ext uri="{FF2B5EF4-FFF2-40B4-BE49-F238E27FC236}">
-                <a16:creationId xmlns:a16="http://schemas.microsoft.com/office/drawing/2014/main" id="{1E432D67-D9F2-49A4-94A3-E72772806E73}"/>
+          <p:cNvPr id="2" name="그림 1">
+            <a:extLst>
+              <a:ext uri="{FF2B5EF4-FFF2-40B4-BE49-F238E27FC236}">
+                <a16:creationId xmlns:a16="http://schemas.microsoft.com/office/drawing/2014/main" id="{72526B7B-21B1-406C-9A16-2E939CD5C706}"/>
               </a:ext>
             </a:extLst>
           </p:cNvPr>
@@ -5791,8 +5816,8 @@
         </p:blipFill>
         <p:spPr>
           <a:xfrm>
-            <a:off x="6096000" y="1839778"/>
-            <a:ext cx="5395913" cy="3791723"/>
+            <a:off x="1070962" y="1272974"/>
+            <a:ext cx="8629650" cy="1400175"/>
           </a:xfrm>
           <a:prstGeom prst="rect">
             <a:avLst/>
@@ -5801,10 +5826,10 @@
       </p:pic>
       <p:sp>
         <p:nvSpPr>
-          <p:cNvPr id="12" name="TextBox 11">
-            <a:extLst>
-              <a:ext uri="{FF2B5EF4-FFF2-40B4-BE49-F238E27FC236}">
-                <a16:creationId xmlns:a16="http://schemas.microsoft.com/office/drawing/2014/main" id="{55A5825D-A97C-4340-9F1B-9B712F310CB7}"/>
+          <p:cNvPr id="9" name="TextBox 8">
+            <a:extLst>
+              <a:ext uri="{FF2B5EF4-FFF2-40B4-BE49-F238E27FC236}">
+                <a16:creationId xmlns:a16="http://schemas.microsoft.com/office/drawing/2014/main" id="{5C70FE21-1E05-4A11-B702-CD03B68C00A1}"/>
               </a:ext>
             </a:extLst>
           </p:cNvPr>
@@ -5813,8 +5838,8 @@
         </p:nvSpPr>
         <p:spPr>
           <a:xfrm>
-            <a:off x="1424887" y="1318023"/>
-            <a:ext cx="4022512" cy="400110"/>
+            <a:off x="1070962" y="781486"/>
+            <a:ext cx="1095172" cy="400110"/>
           </a:xfrm>
           <a:prstGeom prst="rect">
             <a:avLst/>
@@ -5840,7 +5865,7 @@
                 <a:latin typeface="나눔스퀘어_ac" panose="020B0600000101010101" pitchFamily="50" charset="-127"/>
                 <a:ea typeface="나눔스퀘어_ac" panose="020B0600000101010101" pitchFamily="50" charset="-127"/>
               </a:rPr>
-              <a:t>HDR, Gamma Correction, Bloom </a:t>
+              <a:t>HDR </a:t>
             </a:r>
             <a:r>
               <a:rPr lang="ko-KR" altLang="en-US" sz="2000" spc="-150" dirty="0">
@@ -5854,17 +5879,17 @@
                 <a:latin typeface="나눔스퀘어_ac" panose="020B0600000101010101" pitchFamily="50" charset="-127"/>
                 <a:ea typeface="나눔스퀘어_ac" panose="020B0600000101010101" pitchFamily="50" charset="-127"/>
               </a:rPr>
-              <a:t>적용 전</a:t>
+              <a:t>적용</a:t>
             </a:r>
           </a:p>
         </p:txBody>
       </p:sp>
       <p:pic>
         <p:nvPicPr>
-          <p:cNvPr id="6" name="그림 5">
-            <a:extLst>
-              <a:ext uri="{FF2B5EF4-FFF2-40B4-BE49-F238E27FC236}">
-                <a16:creationId xmlns:a16="http://schemas.microsoft.com/office/drawing/2014/main" id="{EC176E9C-3CEF-4844-970C-5E7FBF90AEA0}"/>
+          <p:cNvPr id="4" name="그림 3">
+            <a:extLst>
+              <a:ext uri="{FF2B5EF4-FFF2-40B4-BE49-F238E27FC236}">
+                <a16:creationId xmlns:a16="http://schemas.microsoft.com/office/drawing/2014/main" id="{1DAECE48-6FB4-40BA-BE0C-4B74B194B3F9}"/>
               </a:ext>
             </a:extLst>
           </p:cNvPr>
@@ -5881,18 +5906,190 @@
         </p:blipFill>
         <p:spPr>
           <a:xfrm>
-            <a:off x="700087" y="1850148"/>
-            <a:ext cx="5054600" cy="3781353"/>
+            <a:off x="1070962" y="3492303"/>
+            <a:ext cx="3743325" cy="933450"/>
           </a:xfrm>
           <a:prstGeom prst="rect">
             <a:avLst/>
           </a:prstGeom>
         </p:spPr>
       </p:pic>
+      <p:sp>
+        <p:nvSpPr>
+          <p:cNvPr id="10" name="TextBox 9">
+            <a:extLst>
+              <a:ext uri="{FF2B5EF4-FFF2-40B4-BE49-F238E27FC236}">
+                <a16:creationId xmlns:a16="http://schemas.microsoft.com/office/drawing/2014/main" id="{92A5C256-8DFC-40A1-BCA1-B3EC3EE2157F}"/>
+              </a:ext>
+            </a:extLst>
+          </p:cNvPr>
+          <p:cNvSpPr txBox="1"/>
+          <p:nvPr/>
+        </p:nvSpPr>
+        <p:spPr>
+          <a:xfrm>
+            <a:off x="1070962" y="2965588"/>
+            <a:ext cx="2055306" cy="400110"/>
+          </a:xfrm>
+          <a:prstGeom prst="rect">
+            <a:avLst/>
+          </a:prstGeom>
+          <a:noFill/>
+        </p:spPr>
+        <p:txBody>
+          <a:bodyPr wrap="none" rtlCol="0">
+            <a:spAutoFit/>
+          </a:bodyPr>
+          <a:lstStyle/>
+          <a:p>
+            <a:pPr algn="ctr"/>
+            <a:r>
+              <a:rPr lang="en-US" altLang="ko-KR" sz="2000" spc="-150" dirty="0">
+                <a:ln>
+                  <a:solidFill>
+                    <a:schemeClr val="tx1">
+                      <a:alpha val="40000"/>
+                    </a:schemeClr>
+                  </a:solidFill>
+                </a:ln>
+                <a:latin typeface="나눔스퀘어_ac" panose="020B0600000101010101" pitchFamily="50" charset="-127"/>
+                <a:ea typeface="나눔스퀘어_ac" panose="020B0600000101010101" pitchFamily="50" charset="-127"/>
+              </a:rPr>
+              <a:t>Gamma</a:t>
+            </a:r>
+            <a:r>
+              <a:rPr lang="ko-KR" altLang="en-US" sz="2000" spc="-150" dirty="0">
+                <a:ln>
+                  <a:solidFill>
+                    <a:schemeClr val="tx1">
+                      <a:alpha val="40000"/>
+                    </a:schemeClr>
+                  </a:solidFill>
+                </a:ln>
+                <a:latin typeface="나눔스퀘어_ac" panose="020B0600000101010101" pitchFamily="50" charset="-127"/>
+                <a:ea typeface="나눔스퀘어_ac" panose="020B0600000101010101" pitchFamily="50" charset="-127"/>
+              </a:rPr>
+              <a:t> </a:t>
+            </a:r>
+            <a:r>
+              <a:rPr lang="en-US" altLang="ko-KR" sz="2000" spc="-150" dirty="0">
+                <a:ln>
+                  <a:solidFill>
+                    <a:schemeClr val="tx1">
+                      <a:alpha val="40000"/>
+                    </a:schemeClr>
+                  </a:solidFill>
+                </a:ln>
+                <a:latin typeface="나눔스퀘어_ac" panose="020B0600000101010101" pitchFamily="50" charset="-127"/>
+                <a:ea typeface="나눔스퀘어_ac" panose="020B0600000101010101" pitchFamily="50" charset="-127"/>
+              </a:rPr>
+              <a:t>Correction</a:t>
+            </a:r>
+            <a:endParaRPr lang="ko-KR" altLang="en-US" sz="2000" spc="-150" dirty="0">
+              <a:ln>
+                <a:solidFill>
+                  <a:schemeClr val="tx1">
+                    <a:alpha val="40000"/>
+                  </a:schemeClr>
+                </a:solidFill>
+              </a:ln>
+              <a:latin typeface="나눔스퀘어_ac" panose="020B0600000101010101" pitchFamily="50" charset="-127"/>
+              <a:ea typeface="나눔스퀘어_ac" panose="020B0600000101010101" pitchFamily="50" charset="-127"/>
+            </a:endParaRPr>
+          </a:p>
+        </p:txBody>
+      </p:sp>
+      <p:pic>
+        <p:nvPicPr>
+          <p:cNvPr id="5" name="그림 4">
+            <a:extLst>
+              <a:ext uri="{FF2B5EF4-FFF2-40B4-BE49-F238E27FC236}">
+                <a16:creationId xmlns:a16="http://schemas.microsoft.com/office/drawing/2014/main" id="{D373852B-50F5-4AAA-A651-021AEBAAC468}"/>
+              </a:ext>
+            </a:extLst>
+          </p:cNvPr>
+          <p:cNvPicPr>
+            <a:picLocks noChangeAspect="1"/>
+          </p:cNvPicPr>
+          <p:nvPr/>
+        </p:nvPicPr>
+        <p:blipFill>
+          <a:blip r:embed="rId5"/>
+          <a:stretch>
+            <a:fillRect/>
+          </a:stretch>
+        </p:blipFill>
+        <p:spPr>
+          <a:xfrm>
+            <a:off x="1070962" y="5244907"/>
+            <a:ext cx="4600575" cy="1019175"/>
+          </a:xfrm>
+          <a:prstGeom prst="rect">
+            <a:avLst/>
+          </a:prstGeom>
+        </p:spPr>
+      </p:pic>
+      <p:sp>
+        <p:nvSpPr>
+          <p:cNvPr id="13" name="TextBox 12">
+            <a:extLst>
+              <a:ext uri="{FF2B5EF4-FFF2-40B4-BE49-F238E27FC236}">
+                <a16:creationId xmlns:a16="http://schemas.microsoft.com/office/drawing/2014/main" id="{BB21F404-CB84-4BEC-8110-E1E7EFF260AE}"/>
+              </a:ext>
+            </a:extLst>
+          </p:cNvPr>
+          <p:cNvSpPr txBox="1"/>
+          <p:nvPr/>
+        </p:nvSpPr>
+        <p:spPr>
+          <a:xfrm>
+            <a:off x="1070962" y="4715174"/>
+            <a:ext cx="1586333" cy="400110"/>
+          </a:xfrm>
+          <a:prstGeom prst="rect">
+            <a:avLst/>
+          </a:prstGeom>
+          <a:noFill/>
+        </p:spPr>
+        <p:txBody>
+          <a:bodyPr wrap="none" rtlCol="0">
+            <a:spAutoFit/>
+          </a:bodyPr>
+          <a:lstStyle/>
+          <a:p>
+            <a:pPr algn="ctr"/>
+            <a:r>
+              <a:rPr lang="en-US" altLang="ko-KR" sz="2000" spc="-150" dirty="0">
+                <a:ln>
+                  <a:solidFill>
+                    <a:schemeClr val="tx1">
+                      <a:alpha val="40000"/>
+                    </a:schemeClr>
+                  </a:solidFill>
+                </a:ln>
+                <a:latin typeface="나눔스퀘어_ac" panose="020B0600000101010101" pitchFamily="50" charset="-127"/>
+                <a:ea typeface="나눔스퀘어_ac" panose="020B0600000101010101" pitchFamily="50" charset="-127"/>
+              </a:rPr>
+              <a:t>Tone Mapping</a:t>
+            </a:r>
+            <a:endParaRPr lang="ko-KR" altLang="en-US" sz="2000" spc="-150" dirty="0">
+              <a:ln>
+                <a:solidFill>
+                  <a:schemeClr val="tx1">
+                    <a:alpha val="40000"/>
+                  </a:schemeClr>
+                </a:solidFill>
+              </a:ln>
+              <a:latin typeface="나눔스퀘어_ac" panose="020B0600000101010101" pitchFamily="50" charset="-127"/>
+              <a:ea typeface="나눔스퀘어_ac" panose="020B0600000101010101" pitchFamily="50" charset="-127"/>
+            </a:endParaRPr>
+          </a:p>
+        </p:txBody>
+      </p:sp>
     </p:spTree>
     <p:extLst>
       <p:ext uri="{BB962C8B-B14F-4D97-AF65-F5344CB8AC3E}">
-        <p14:creationId xmlns:p14="http://schemas.microsoft.com/office/powerpoint/2010/main" val="3376734535"/>
+        <p14:creationId xmlns:p14="http://schemas.microsoft.com/office/powerpoint/2010/main" val="67379783"/>
       </p:ext>
     </p:extLst>
   </p:cSld>
@@ -5974,10 +6171,10 @@
       </p:sp>
       <p:pic>
         <p:nvPicPr>
-          <p:cNvPr id="3" name="그림 2">
-            <a:extLst>
-              <a:ext uri="{FF2B5EF4-FFF2-40B4-BE49-F238E27FC236}">
-                <a16:creationId xmlns:a16="http://schemas.microsoft.com/office/drawing/2014/main" id="{1E432D67-D9F2-49A4-94A3-E72772806E73}"/>
+          <p:cNvPr id="13" name="그림 12">
+            <a:extLst>
+              <a:ext uri="{FF2B5EF4-FFF2-40B4-BE49-F238E27FC236}">
+                <a16:creationId xmlns:a16="http://schemas.microsoft.com/office/drawing/2014/main" id="{21B3A95C-0ECF-4059-A123-3DE5D277C5F6}"/>
               </a:ext>
             </a:extLst>
           </p:cNvPr>
@@ -5994,8 +6191,8 @@
         </p:blipFill>
         <p:spPr>
           <a:xfrm>
-            <a:off x="8061744" y="1901824"/>
-            <a:ext cx="3809288" cy="2676797"/>
+            <a:off x="352782" y="1490533"/>
+            <a:ext cx="3435447" cy="2557115"/>
           </a:xfrm>
           <a:prstGeom prst="rect">
             <a:avLst/>
@@ -6004,10 +6201,10 @@
       </p:pic>
       <p:pic>
         <p:nvPicPr>
-          <p:cNvPr id="4" name="그림 3">
-            <a:extLst>
-              <a:ext uri="{FF2B5EF4-FFF2-40B4-BE49-F238E27FC236}">
-                <a16:creationId xmlns:a16="http://schemas.microsoft.com/office/drawing/2014/main" id="{0DF2B547-DA54-4F4F-AA45-015A56FC8FA7}"/>
+          <p:cNvPr id="14" name="그림 13">
+            <a:extLst>
+              <a:ext uri="{FF2B5EF4-FFF2-40B4-BE49-F238E27FC236}">
+                <a16:creationId xmlns:a16="http://schemas.microsoft.com/office/drawing/2014/main" id="{A58E54EF-1173-4738-BDA7-EB739643973F}"/>
               </a:ext>
             </a:extLst>
           </p:cNvPr>
@@ -6024,8 +6221,8 @@
         </p:blipFill>
         <p:spPr>
           <a:xfrm>
-            <a:off x="539751" y="1901824"/>
-            <a:ext cx="3584662" cy="2670573"/>
+            <a:off x="4293605" y="1490533"/>
+            <a:ext cx="3422034" cy="2565416"/>
           </a:xfrm>
           <a:prstGeom prst="rect">
             <a:avLst/>
@@ -6034,10 +6231,10 @@
       </p:pic>
       <p:pic>
         <p:nvPicPr>
-          <p:cNvPr id="5" name="그림 4">
-            <a:extLst>
-              <a:ext uri="{FF2B5EF4-FFF2-40B4-BE49-F238E27FC236}">
-                <a16:creationId xmlns:a16="http://schemas.microsoft.com/office/drawing/2014/main" id="{7D954A27-AB3C-4E1C-B2A2-7778557923BF}"/>
+          <p:cNvPr id="15" name="그림 14">
+            <a:extLst>
+              <a:ext uri="{FF2B5EF4-FFF2-40B4-BE49-F238E27FC236}">
+                <a16:creationId xmlns:a16="http://schemas.microsoft.com/office/drawing/2014/main" id="{A2F30F0D-5874-48E0-960C-143DC002FA5A}"/>
               </a:ext>
             </a:extLst>
           </p:cNvPr>
@@ -6054,8 +6251,8 @@
         </p:blipFill>
         <p:spPr>
           <a:xfrm>
-            <a:off x="4252869" y="1901824"/>
-            <a:ext cx="3584662" cy="2676797"/>
+            <a:off x="8221016" y="1490533"/>
+            <a:ext cx="3422034" cy="2536280"/>
           </a:xfrm>
           <a:prstGeom prst="rect">
             <a:avLst/>
@@ -6064,10 +6261,10 @@
       </p:pic>
       <p:sp>
         <p:nvSpPr>
-          <p:cNvPr id="9" name="TextBox 8">
-            <a:extLst>
-              <a:ext uri="{FF2B5EF4-FFF2-40B4-BE49-F238E27FC236}">
-                <a16:creationId xmlns:a16="http://schemas.microsoft.com/office/drawing/2014/main" id="{09839000-D40A-4389-B1EE-7440AF942B02}"/>
+          <p:cNvPr id="16" name="TextBox 15">
+            <a:extLst>
+              <a:ext uri="{FF2B5EF4-FFF2-40B4-BE49-F238E27FC236}">
+                <a16:creationId xmlns:a16="http://schemas.microsoft.com/office/drawing/2014/main" id="{F2B2723F-89BC-4FE0-9865-9E275090B5BB}"/>
               </a:ext>
             </a:extLst>
           </p:cNvPr>
@@ -6076,8 +6273,8 @@
         </p:nvSpPr>
         <p:spPr>
           <a:xfrm>
-            <a:off x="888860" y="4670052"/>
-            <a:ext cx="2720617" cy="707886"/>
+            <a:off x="5462491" y="882360"/>
+            <a:ext cx="1267015" cy="400110"/>
           </a:xfrm>
           <a:prstGeom prst="rect">
             <a:avLst/>
@@ -6103,7 +6300,7 @@
                 <a:latin typeface="나눔스퀘어_ac" panose="020B0600000101010101" pitchFamily="50" charset="-127"/>
                 <a:ea typeface="나눔스퀘어_ac" panose="020B0600000101010101" pitchFamily="50" charset="-127"/>
               </a:rPr>
-              <a:t>HDR</a:t>
+              <a:t>Bloom </a:t>
             </a:r>
             <a:r>
               <a:rPr lang="ko-KR" altLang="en-US" sz="2000" spc="-150" dirty="0">
@@ -6117,8 +6314,40 @@
                 <a:latin typeface="나눔스퀘어_ac" panose="020B0600000101010101" pitchFamily="50" charset="-127"/>
                 <a:ea typeface="나눔스퀘어_ac" panose="020B0600000101010101" pitchFamily="50" charset="-127"/>
               </a:rPr>
-              <a:t>를 적용하여 </a:t>
-            </a:r>
+              <a:t>효과</a:t>
+            </a:r>
+          </a:p>
+        </p:txBody>
+      </p:sp>
+      <p:sp>
+        <p:nvSpPr>
+          <p:cNvPr id="17" name="TextBox 16">
+            <a:extLst>
+              <a:ext uri="{FF2B5EF4-FFF2-40B4-BE49-F238E27FC236}">
+                <a16:creationId xmlns:a16="http://schemas.microsoft.com/office/drawing/2014/main" id="{D5A6EDDA-BDEE-4118-AC80-450D9292601C}"/>
+              </a:ext>
+            </a:extLst>
+          </p:cNvPr>
+          <p:cNvSpPr txBox="1"/>
+          <p:nvPr/>
+        </p:nvSpPr>
+        <p:spPr>
+          <a:xfrm>
+            <a:off x="616421" y="4188507"/>
+            <a:ext cx="2908168" cy="707886"/>
+          </a:xfrm>
+          <a:prstGeom prst="rect">
+            <a:avLst/>
+          </a:prstGeom>
+          <a:noFill/>
+        </p:spPr>
+        <p:txBody>
+          <a:bodyPr wrap="none" rtlCol="0">
+            <a:spAutoFit/>
+          </a:bodyPr>
+          <a:lstStyle/>
+          <a:p>
+            <a:pPr algn="ctr"/>
             <a:r>
               <a:rPr lang="en-US" altLang="ko-KR" sz="2000" spc="-150" dirty="0">
                 <a:ln>
@@ -6131,6 +6360,34 @@
                 <a:latin typeface="나눔스퀘어_ac" panose="020B0600000101010101" pitchFamily="50" charset="-127"/>
                 <a:ea typeface="나눔스퀘어_ac" panose="020B0600000101010101" pitchFamily="50" charset="-127"/>
               </a:rPr>
+              <a:t>1. Brightness</a:t>
+            </a:r>
+            <a:r>
+              <a:rPr lang="ko-KR" altLang="en-US" sz="2000" spc="-150" dirty="0">
+                <a:ln>
+                  <a:solidFill>
+                    <a:schemeClr val="tx1">
+                      <a:alpha val="40000"/>
+                    </a:schemeClr>
+                  </a:solidFill>
+                </a:ln>
+                <a:latin typeface="나눔스퀘어_ac" panose="020B0600000101010101" pitchFamily="50" charset="-127"/>
+                <a:ea typeface="나눔스퀘어_ac" panose="020B0600000101010101" pitchFamily="50" charset="-127"/>
+              </a:rPr>
+              <a:t>가 </a:t>
+            </a:r>
+            <a:r>
+              <a:rPr lang="en-US" altLang="ko-KR" sz="2000" spc="-150" dirty="0">
+                <a:ln>
+                  <a:solidFill>
+                    <a:schemeClr val="tx1">
+                      <a:alpha val="40000"/>
+                    </a:schemeClr>
+                  </a:solidFill>
+                </a:ln>
+                <a:latin typeface="나눔스퀘어_ac" panose="020B0600000101010101" pitchFamily="50" charset="-127"/>
+                <a:ea typeface="나눔스퀘어_ac" panose="020B0600000101010101" pitchFamily="50" charset="-127"/>
+              </a:rPr>
               <a:t>1</a:t>
             </a:r>
             <a:r>
@@ -6145,7 +6402,7 @@
                 <a:latin typeface="나눔스퀘어_ac" panose="020B0600000101010101" pitchFamily="50" charset="-127"/>
                 <a:ea typeface="나눔스퀘어_ac" panose="020B0600000101010101" pitchFamily="50" charset="-127"/>
               </a:rPr>
-              <a:t>넘는 값을</a:t>
+              <a:t>이 넘는다면</a:t>
             </a:r>
             <a:endParaRPr lang="en-US" altLang="ko-KR" sz="2000" spc="-150" dirty="0">
               <a:ln>
@@ -6162,6 +6419,20 @@
           <a:p>
             <a:pPr algn="ctr"/>
             <a:r>
+              <a:rPr lang="en-US" altLang="ko-KR" sz="2000" spc="-150" dirty="0">
+                <a:ln>
+                  <a:solidFill>
+                    <a:schemeClr val="tx1">
+                      <a:alpha val="40000"/>
+                    </a:schemeClr>
+                  </a:solidFill>
+                </a:ln>
+                <a:latin typeface="나눔스퀘어_ac" panose="020B0600000101010101" pitchFamily="50" charset="-127"/>
+                <a:ea typeface="나눔스퀘어_ac" panose="020B0600000101010101" pitchFamily="50" charset="-127"/>
+              </a:rPr>
+              <a:t>Bloom Buffer</a:t>
+            </a:r>
+            <a:r>
               <a:rPr lang="ko-KR" altLang="en-US" sz="2000" spc="-150" dirty="0">
                 <a:ln>
                   <a:solidFill>
@@ -6173,17 +6444,31 @@
                 <a:latin typeface="나눔스퀘어_ac" panose="020B0600000101010101" pitchFamily="50" charset="-127"/>
                 <a:ea typeface="나눔스퀘어_ac" panose="020B0600000101010101" pitchFamily="50" charset="-127"/>
               </a:rPr>
-              <a:t>버퍼에 쓰기</a:t>
-            </a:r>
-          </a:p>
-        </p:txBody>
-      </p:sp>
-      <p:sp>
-        <p:nvSpPr>
-          <p:cNvPr id="10" name="TextBox 9">
-            <a:extLst>
-              <a:ext uri="{FF2B5EF4-FFF2-40B4-BE49-F238E27FC236}">
-                <a16:creationId xmlns:a16="http://schemas.microsoft.com/office/drawing/2014/main" id="{A1D72093-34C9-4BF3-8BF5-26AF43A7102E}"/>
+              <a:t>에 그린다</a:t>
+            </a:r>
+            <a:r>
+              <a:rPr lang="en-US" altLang="ko-KR" sz="2000" spc="-150" dirty="0">
+                <a:ln>
+                  <a:solidFill>
+                    <a:schemeClr val="tx1">
+                      <a:alpha val="40000"/>
+                    </a:schemeClr>
+                  </a:solidFill>
+                </a:ln>
+                <a:latin typeface="나눔스퀘어_ac" panose="020B0600000101010101" pitchFamily="50" charset="-127"/>
+                <a:ea typeface="나눔스퀘어_ac" panose="020B0600000101010101" pitchFamily="50" charset="-127"/>
+              </a:rPr>
+              <a:t>.</a:t>
+            </a:r>
+          </a:p>
+        </p:txBody>
+      </p:sp>
+      <p:sp>
+        <p:nvSpPr>
+          <p:cNvPr id="18" name="TextBox 17">
+            <a:extLst>
+              <a:ext uri="{FF2B5EF4-FFF2-40B4-BE49-F238E27FC236}">
+                <a16:creationId xmlns:a16="http://schemas.microsoft.com/office/drawing/2014/main" id="{13807BBC-483E-4D18-A4AD-45D9FE57040B}"/>
               </a:ext>
             </a:extLst>
           </p:cNvPr>
@@ -6192,8 +6477,8 @@
         </p:nvSpPr>
         <p:spPr>
           <a:xfrm>
-            <a:off x="4761836" y="4670052"/>
-            <a:ext cx="2566728" cy="707886"/>
+            <a:off x="4588208" y="4188507"/>
+            <a:ext cx="2832828" cy="400110"/>
           </a:xfrm>
           <a:prstGeom prst="rect">
             <a:avLst/>
@@ -6219,7 +6504,7 @@
                 <a:latin typeface="나눔스퀘어_ac" panose="020B0600000101010101" pitchFamily="50" charset="-127"/>
                 <a:ea typeface="나눔스퀘어_ac" panose="020B0600000101010101" pitchFamily="50" charset="-127"/>
               </a:rPr>
-              <a:t>Gaussian Blur</a:t>
+              <a:t>2. Gaussian Blur</a:t>
             </a:r>
             <a:r>
               <a:rPr lang="ko-KR" altLang="en-US" sz="2000" spc="-150" dirty="0">
@@ -6233,7 +6518,81 @@
                 <a:latin typeface="나눔스퀘어_ac" panose="020B0600000101010101" pitchFamily="50" charset="-127"/>
                 <a:ea typeface="나눔스퀘어_ac" panose="020B0600000101010101" pitchFamily="50" charset="-127"/>
               </a:rPr>
-              <a:t>를 사용하여</a:t>
+              <a:t>를 적용한다</a:t>
+            </a:r>
+            <a:r>
+              <a:rPr lang="en-US" altLang="ko-KR" sz="2000" spc="-150" dirty="0">
+                <a:ln>
+                  <a:solidFill>
+                    <a:schemeClr val="tx1">
+                      <a:alpha val="40000"/>
+                    </a:schemeClr>
+                  </a:solidFill>
+                </a:ln>
+                <a:latin typeface="나눔스퀘어_ac" panose="020B0600000101010101" pitchFamily="50" charset="-127"/>
+                <a:ea typeface="나눔스퀘어_ac" panose="020B0600000101010101" pitchFamily="50" charset="-127"/>
+              </a:rPr>
+              <a:t>.</a:t>
+            </a:r>
+          </a:p>
+        </p:txBody>
+      </p:sp>
+      <p:sp>
+        <p:nvSpPr>
+          <p:cNvPr id="19" name="TextBox 18">
+            <a:extLst>
+              <a:ext uri="{FF2B5EF4-FFF2-40B4-BE49-F238E27FC236}">
+                <a16:creationId xmlns:a16="http://schemas.microsoft.com/office/drawing/2014/main" id="{496F3ED3-1A4E-4EEE-AA4F-D9CBCE8CEF3F}"/>
+              </a:ext>
+            </a:extLst>
+          </p:cNvPr>
+          <p:cNvSpPr txBox="1"/>
+          <p:nvPr/>
+        </p:nvSpPr>
+        <p:spPr>
+          <a:xfrm>
+            <a:off x="8662519" y="4234674"/>
+            <a:ext cx="2539028" cy="707886"/>
+          </a:xfrm>
+          <a:prstGeom prst="rect">
+            <a:avLst/>
+          </a:prstGeom>
+          <a:noFill/>
+        </p:spPr>
+        <p:txBody>
+          <a:bodyPr wrap="none" rtlCol="0">
+            <a:spAutoFit/>
+          </a:bodyPr>
+          <a:lstStyle/>
+          <a:p>
+            <a:pPr algn="ctr"/>
+            <a:r>
+              <a:rPr lang="en-US" altLang="ko-KR" sz="2000" spc="-150" dirty="0">
+                <a:ln>
+                  <a:solidFill>
+                    <a:schemeClr val="tx1">
+                      <a:alpha val="40000"/>
+                    </a:schemeClr>
+                  </a:solidFill>
+                </a:ln>
+                <a:latin typeface="나눔스퀘어_ac" panose="020B0600000101010101" pitchFamily="50" charset="-127"/>
+                <a:ea typeface="나눔스퀘어_ac" panose="020B0600000101010101" pitchFamily="50" charset="-127"/>
+              </a:rPr>
+              <a:t>3. Scene Buffer</a:t>
+            </a:r>
+            <a:r>
+              <a:rPr lang="ko-KR" altLang="en-US" sz="2000" spc="-150" dirty="0">
+                <a:ln>
+                  <a:solidFill>
+                    <a:schemeClr val="tx1">
+                      <a:alpha val="40000"/>
+                    </a:schemeClr>
+                  </a:solidFill>
+                </a:ln>
+                <a:latin typeface="나눔스퀘어_ac" panose="020B0600000101010101" pitchFamily="50" charset="-127"/>
+                <a:ea typeface="나눔스퀘어_ac" panose="020B0600000101010101" pitchFamily="50" charset="-127"/>
+              </a:rPr>
+              <a:t>에 더하여</a:t>
             </a:r>
             <a:endParaRPr lang="en-US" altLang="ko-KR" sz="2000" spc="-150" dirty="0">
               <a:ln>
@@ -6250,6 +6609,20 @@
           <a:p>
             <a:pPr algn="ctr"/>
             <a:r>
+              <a:rPr lang="en-US" altLang="ko-KR" sz="2000" spc="-150" dirty="0">
+                <a:ln>
+                  <a:solidFill>
+                    <a:schemeClr val="tx1">
+                      <a:alpha val="40000"/>
+                    </a:schemeClr>
+                  </a:solidFill>
+                </a:ln>
+                <a:latin typeface="나눔스퀘어_ac" panose="020B0600000101010101" pitchFamily="50" charset="-127"/>
+                <a:ea typeface="나눔스퀘어_ac" panose="020B0600000101010101" pitchFamily="50" charset="-127"/>
+              </a:rPr>
+              <a:t>Bloom</a:t>
+            </a:r>
+            <a:r>
               <a:rPr lang="ko-KR" altLang="en-US" sz="2000" spc="-150" dirty="0">
                 <a:ln>
                   <a:solidFill>
@@ -6261,40 +6634,8 @@
                 <a:latin typeface="나눔스퀘어_ac" panose="020B0600000101010101" pitchFamily="50" charset="-127"/>
                 <a:ea typeface="나눔스퀘어_ac" panose="020B0600000101010101" pitchFamily="50" charset="-127"/>
               </a:rPr>
-              <a:t>흐리기</a:t>
-            </a:r>
-          </a:p>
-        </p:txBody>
-      </p:sp>
-      <p:sp>
-        <p:nvSpPr>
-          <p:cNvPr id="12" name="TextBox 11">
-            <a:extLst>
-              <a:ext uri="{FF2B5EF4-FFF2-40B4-BE49-F238E27FC236}">
-                <a16:creationId xmlns:a16="http://schemas.microsoft.com/office/drawing/2014/main" id="{4821E543-95F2-432E-97EA-9BDABA742BA5}"/>
-              </a:ext>
-            </a:extLst>
-          </p:cNvPr>
-          <p:cNvSpPr txBox="1"/>
-          <p:nvPr/>
-        </p:nvSpPr>
-        <p:spPr>
-          <a:xfrm>
-            <a:off x="8616671" y="4670052"/>
-            <a:ext cx="2498441" cy="1015663"/>
-          </a:xfrm>
-          <a:prstGeom prst="rect">
-            <a:avLst/>
-          </a:prstGeom>
-          <a:noFill/>
-        </p:spPr>
-        <p:txBody>
-          <a:bodyPr wrap="none" rtlCol="0">
-            <a:spAutoFit/>
-          </a:bodyPr>
-          <a:lstStyle/>
-          <a:p>
-            <a:pPr algn="ctr"/>
+              <a:t>효과를 준다</a:t>
+            </a:r>
             <a:r>
               <a:rPr lang="en-US" altLang="ko-KR" sz="2000" spc="-150" dirty="0">
                 <a:ln>
@@ -6307,105 +6648,7 @@
                 <a:latin typeface="나눔스퀘어_ac" panose="020B0600000101010101" pitchFamily="50" charset="-127"/>
                 <a:ea typeface="나눔스퀘어_ac" panose="020B0600000101010101" pitchFamily="50" charset="-127"/>
               </a:rPr>
-              <a:t>Bloom </a:t>
-            </a:r>
-            <a:r>
-              <a:rPr lang="ko-KR" altLang="en-US" sz="2000" spc="-150" dirty="0">
-                <a:ln>
-                  <a:solidFill>
-                    <a:schemeClr val="tx1">
-                      <a:alpha val="40000"/>
-                    </a:schemeClr>
-                  </a:solidFill>
-                </a:ln>
-                <a:latin typeface="나눔스퀘어_ac" panose="020B0600000101010101" pitchFamily="50" charset="-127"/>
-                <a:ea typeface="나눔스퀘어_ac" panose="020B0600000101010101" pitchFamily="50" charset="-127"/>
-              </a:rPr>
-              <a:t>효과 주기 및</a:t>
-            </a:r>
-            <a:endParaRPr lang="en-US" altLang="ko-KR" sz="2000" spc="-150" dirty="0">
-              <a:ln>
-                <a:solidFill>
-                  <a:schemeClr val="tx1">
-                    <a:alpha val="40000"/>
-                  </a:schemeClr>
-                </a:solidFill>
-              </a:ln>
-              <a:latin typeface="나눔스퀘어_ac" panose="020B0600000101010101" pitchFamily="50" charset="-127"/>
-              <a:ea typeface="나눔스퀘어_ac" panose="020B0600000101010101" pitchFamily="50" charset="-127"/>
-            </a:endParaRPr>
-          </a:p>
-          <a:p>
-            <a:pPr algn="ctr"/>
-            <a:r>
-              <a:rPr lang="en-US" altLang="ko-KR" sz="2000" spc="-150" dirty="0">
-                <a:ln>
-                  <a:solidFill>
-                    <a:schemeClr val="tx1">
-                      <a:alpha val="40000"/>
-                    </a:schemeClr>
-                  </a:solidFill>
-                </a:ln>
-                <a:latin typeface="나눔스퀘어_ac" panose="020B0600000101010101" pitchFamily="50" charset="-127"/>
-                <a:ea typeface="나눔스퀘어_ac" panose="020B0600000101010101" pitchFamily="50" charset="-127"/>
-              </a:rPr>
-              <a:t>Gamma Correction</a:t>
-            </a:r>
-            <a:r>
-              <a:rPr lang="ko-KR" altLang="en-US" sz="2000" spc="-150" dirty="0">
-                <a:ln>
-                  <a:solidFill>
-                    <a:schemeClr val="tx1">
-                      <a:alpha val="40000"/>
-                    </a:schemeClr>
-                  </a:solidFill>
-                </a:ln>
-                <a:latin typeface="나눔스퀘어_ac" panose="020B0600000101010101" pitchFamily="50" charset="-127"/>
-                <a:ea typeface="나눔스퀘어_ac" panose="020B0600000101010101" pitchFamily="50" charset="-127"/>
-              </a:rPr>
-              <a:t>으로</a:t>
-            </a:r>
-            <a:endParaRPr lang="en-US" altLang="ko-KR" sz="2000" spc="-150" dirty="0">
-              <a:ln>
-                <a:solidFill>
-                  <a:schemeClr val="tx1">
-                    <a:alpha val="40000"/>
-                  </a:schemeClr>
-                </a:solidFill>
-              </a:ln>
-              <a:latin typeface="나눔스퀘어_ac" panose="020B0600000101010101" pitchFamily="50" charset="-127"/>
-              <a:ea typeface="나눔스퀘어_ac" panose="020B0600000101010101" pitchFamily="50" charset="-127"/>
-            </a:endParaRPr>
-          </a:p>
-          <a:p>
-            <a:pPr algn="ctr"/>
-            <a:r>
-              <a:rPr lang="en-US" altLang="ko-KR" sz="2000" spc="-150" dirty="0">
-                <a:ln>
-                  <a:solidFill>
-                    <a:schemeClr val="tx1">
-                      <a:alpha val="40000"/>
-                    </a:schemeClr>
-                  </a:solidFill>
-                </a:ln>
-                <a:latin typeface="나눔스퀘어_ac" panose="020B0600000101010101" pitchFamily="50" charset="-127"/>
-                <a:ea typeface="나눔스퀘어_ac" panose="020B0600000101010101" pitchFamily="50" charset="-127"/>
-              </a:rPr>
-              <a:t>Linear Space</a:t>
-            </a:r>
-            <a:r>
-              <a:rPr lang="ko-KR" altLang="en-US" sz="2000" spc="-150" dirty="0">
-                <a:ln>
-                  <a:solidFill>
-                    <a:schemeClr val="tx1">
-                      <a:alpha val="40000"/>
-                    </a:schemeClr>
-                  </a:solidFill>
-                </a:ln>
-                <a:latin typeface="나눔스퀘어_ac" panose="020B0600000101010101" pitchFamily="50" charset="-127"/>
-                <a:ea typeface="나눔스퀘어_ac" panose="020B0600000101010101" pitchFamily="50" charset="-127"/>
-              </a:rPr>
-              <a:t>상으로 변환</a:t>
+              <a:t>.</a:t>
             </a:r>
           </a:p>
         </p:txBody>
@@ -6454,8 +6697,8 @@
         </p:nvSpPr>
         <p:spPr>
           <a:xfrm>
-            <a:off x="2019300" y="272648"/>
-            <a:ext cx="8315325" cy="307777"/>
+            <a:off x="4227513" y="272648"/>
+            <a:ext cx="3736974" cy="307777"/>
           </a:xfrm>
           <a:prstGeom prst="rect">
             <a:avLst/>
@@ -6486,19 +6729,19 @@
           </a:lstStyle>
           <a:p>
             <a:r>
-              <a:rPr lang="en-US" altLang="ko-KR" dirty="0"/>
-              <a:t>Shadow</a:t>
-            </a:r>
-            <a:endParaRPr lang="ko-KR" altLang="en-US" dirty="0"/>
-          </a:p>
-        </p:txBody>
-      </p:sp>
-      <p:sp>
-        <p:nvSpPr>
-          <p:cNvPr id="6" name="TextBox 5">
-            <a:extLst>
-              <a:ext uri="{FF2B5EF4-FFF2-40B4-BE49-F238E27FC236}">
-                <a16:creationId xmlns:a16="http://schemas.microsoft.com/office/drawing/2014/main" id="{7ED36B78-A72E-4076-B83F-40057EF5A34A}"/>
+              <a:rPr lang="en-US" altLang="ko-KR" spc="600" dirty="0"/>
+              <a:t>Post Process</a:t>
+            </a:r>
+            <a:endParaRPr lang="ko-KR" altLang="en-US" spc="600" dirty="0"/>
+          </a:p>
+        </p:txBody>
+      </p:sp>
+      <p:sp>
+        <p:nvSpPr>
+          <p:cNvPr id="16" name="TextBox 15">
+            <a:extLst>
+              <a:ext uri="{FF2B5EF4-FFF2-40B4-BE49-F238E27FC236}">
+                <a16:creationId xmlns:a16="http://schemas.microsoft.com/office/drawing/2014/main" id="{F2B2723F-89BC-4FE0-9865-9E275090B5BB}"/>
               </a:ext>
             </a:extLst>
           </p:cNvPr>
@@ -6507,8 +6750,8 @@
         </p:nvSpPr>
         <p:spPr>
           <a:xfrm>
-            <a:off x="4258745" y="756110"/>
-            <a:ext cx="3583161" cy="400110"/>
+            <a:off x="4157840" y="855727"/>
+            <a:ext cx="3876319" cy="400110"/>
           </a:xfrm>
           <a:prstGeom prst="rect">
             <a:avLst/>
@@ -6534,7 +6777,7 @@
                 <a:latin typeface="나눔스퀘어_ac" panose="020B0600000101010101" pitchFamily="50" charset="-127"/>
                 <a:ea typeface="나눔스퀘어_ac" panose="020B0600000101010101" pitchFamily="50" charset="-127"/>
               </a:rPr>
-              <a:t>Standard Shadow Map(Spot Light)</a:t>
+              <a:t>FXAA(Fast Approximate Anti Aliasing)</a:t>
             </a:r>
             <a:endParaRPr lang="ko-KR" altLang="en-US" sz="2000" spc="-150" dirty="0">
               <a:ln>
@@ -6555,37 +6798,7 @@
           <p:cNvPr id="2" name="그림 1">
             <a:extLst>
               <a:ext uri="{FF2B5EF4-FFF2-40B4-BE49-F238E27FC236}">
-                <a16:creationId xmlns:a16="http://schemas.microsoft.com/office/drawing/2014/main" id="{82DFECB2-3DDF-4C3F-977C-D1149E0A2567}"/>
-              </a:ext>
-            </a:extLst>
-          </p:cNvPr>
-          <p:cNvPicPr>
-            <a:picLocks noChangeAspect="1"/>
-          </p:cNvPicPr>
-          <p:nvPr/>
-        </p:nvPicPr>
-        <p:blipFill>
-          <a:blip r:embed="rId2"/>
-          <a:stretch>
-            <a:fillRect/>
-          </a:stretch>
-        </p:blipFill>
-        <p:spPr>
-          <a:xfrm>
-            <a:off x="1768186" y="3922166"/>
-            <a:ext cx="2313674" cy="2240039"/>
-          </a:xfrm>
-          <a:prstGeom prst="rect">
-            <a:avLst/>
-          </a:prstGeom>
-        </p:spPr>
-      </p:pic>
-      <p:pic>
-        <p:nvPicPr>
-          <p:cNvPr id="3" name="그림 2">
-            <a:extLst>
-              <a:ext uri="{FF2B5EF4-FFF2-40B4-BE49-F238E27FC236}">
-                <a16:creationId xmlns:a16="http://schemas.microsoft.com/office/drawing/2014/main" id="{FC563216-D3E7-479B-84F9-744AB1300F72}"/>
+                <a16:creationId xmlns:a16="http://schemas.microsoft.com/office/drawing/2014/main" id="{C8AE4A12-B3B2-49E4-9AF2-495FFB07116C}"/>
               </a:ext>
             </a:extLst>
           </p:cNvPr>
@@ -6602,8 +6815,8 @@
         </p:blipFill>
         <p:spPr>
           <a:xfrm>
-            <a:off x="1577736" y="1333341"/>
-            <a:ext cx="2758048" cy="2029135"/>
+            <a:off x="6206880" y="1408017"/>
+            <a:ext cx="5792139" cy="4229299"/>
           </a:xfrm>
           <a:prstGeom prst="rect">
             <a:avLst/>
@@ -6612,10 +6825,10 @@
       </p:pic>
       <p:pic>
         <p:nvPicPr>
-          <p:cNvPr id="4" name="그림 3">
-            <a:extLst>
-              <a:ext uri="{FF2B5EF4-FFF2-40B4-BE49-F238E27FC236}">
-                <a16:creationId xmlns:a16="http://schemas.microsoft.com/office/drawing/2014/main" id="{B20A62F3-CB9F-45E2-A5FA-4DF0451F8180}"/>
+          <p:cNvPr id="3" name="그림 2">
+            <a:extLst>
+              <a:ext uri="{FF2B5EF4-FFF2-40B4-BE49-F238E27FC236}">
+                <a16:creationId xmlns:a16="http://schemas.microsoft.com/office/drawing/2014/main" id="{3A8A56E4-3567-44A7-9E79-4B6DFFCACA0C}"/>
               </a:ext>
             </a:extLst>
           </p:cNvPr>
@@ -6632,8 +6845,8 @@
         </p:blipFill>
         <p:spPr>
           <a:xfrm>
-            <a:off x="5524501" y="1620215"/>
-            <a:ext cx="5532500" cy="4133638"/>
+            <a:off x="389433" y="1408016"/>
+            <a:ext cx="5595688" cy="4229299"/>
           </a:xfrm>
           <a:prstGeom prst="rect">
             <a:avLst/>
@@ -6642,62 +6855,10 @@
       </p:pic>
       <p:sp>
         <p:nvSpPr>
-          <p:cNvPr id="5" name="직사각형 4">
-            <a:extLst>
-              <a:ext uri="{FF2B5EF4-FFF2-40B4-BE49-F238E27FC236}">
-                <a16:creationId xmlns:a16="http://schemas.microsoft.com/office/drawing/2014/main" id="{E48A63CF-729F-462B-AAD3-45550FCA6131}"/>
-              </a:ext>
-            </a:extLst>
-          </p:cNvPr>
-          <p:cNvSpPr/>
-          <p:nvPr/>
-        </p:nvSpPr>
-        <p:spPr>
-          <a:xfrm>
-            <a:off x="1568811" y="1399684"/>
-            <a:ext cx="2689934" cy="1962791"/>
-          </a:xfrm>
-          <a:prstGeom prst="rect">
-            <a:avLst/>
-          </a:prstGeom>
-          <a:noFill/>
-          <a:ln w="28575">
-            <a:solidFill>
-              <a:schemeClr val="tx1"/>
-            </a:solidFill>
-          </a:ln>
-        </p:spPr>
-        <p:style>
-          <a:lnRef idx="2">
-            <a:schemeClr val="accent1">
-              <a:shade val="50000"/>
-            </a:schemeClr>
-          </a:lnRef>
-          <a:fillRef idx="1">
-            <a:schemeClr val="accent1"/>
-          </a:fillRef>
-          <a:effectRef idx="0">
-            <a:schemeClr val="accent1"/>
-          </a:effectRef>
-          <a:fontRef idx="minor">
-            <a:schemeClr val="lt1"/>
-          </a:fontRef>
-        </p:style>
-        <p:txBody>
-          <a:bodyPr rtlCol="0" anchor="ctr"/>
-          <a:lstStyle/>
-          <a:p>
-            <a:pPr algn="ctr"/>
-            <a:endParaRPr lang="ko-KR" altLang="en-US"/>
-          </a:p>
-        </p:txBody>
-      </p:sp>
-      <p:sp>
-        <p:nvSpPr>
-          <p:cNvPr id="11" name="TextBox 10">
-            <a:extLst>
-              <a:ext uri="{FF2B5EF4-FFF2-40B4-BE49-F238E27FC236}">
-                <a16:creationId xmlns:a16="http://schemas.microsoft.com/office/drawing/2014/main" id="{758063A9-F728-4D98-B216-9E639A053808}"/>
+          <p:cNvPr id="20" name="TextBox 19">
+            <a:extLst>
+              <a:ext uri="{FF2B5EF4-FFF2-40B4-BE49-F238E27FC236}">
+                <a16:creationId xmlns:a16="http://schemas.microsoft.com/office/drawing/2014/main" id="{0DA78BC1-C2B2-4000-8E01-5BC501D110DC}"/>
               </a:ext>
             </a:extLst>
           </p:cNvPr>
@@ -6706,8 +6867,8 @@
         </p:nvSpPr>
         <p:spPr>
           <a:xfrm>
-            <a:off x="1578255" y="6162205"/>
-            <a:ext cx="2563972" cy="400110"/>
+            <a:off x="2763122" y="5780611"/>
+            <a:ext cx="848310" cy="400110"/>
           </a:xfrm>
           <a:prstGeom prst="rect">
             <a:avLst/>
@@ -6722,18 +6883,18 @@
           <a:p>
             <a:pPr algn="ctr"/>
             <a:r>
-              <a:rPr lang="en-US" altLang="ko-KR" sz="2000" spc="-150" dirty="0">
-                <a:ln>
-                  <a:solidFill>
-                    <a:schemeClr val="tx1">
-                      <a:alpha val="40000"/>
-                    </a:schemeClr>
-                  </a:solidFill>
-                </a:ln>
-                <a:latin typeface="나눔스퀘어_ac" panose="020B0600000101010101" pitchFamily="50" charset="-127"/>
-                <a:ea typeface="나눔스퀘어_ac" panose="020B0600000101010101" pitchFamily="50" charset="-127"/>
-              </a:rPr>
-              <a:t>Shadow Map(Projective)</a:t>
+              <a:rPr lang="ko-KR" altLang="en-US" sz="2000" spc="-150">
+                <a:ln>
+                  <a:solidFill>
+                    <a:schemeClr val="tx1">
+                      <a:alpha val="40000"/>
+                    </a:schemeClr>
+                  </a:solidFill>
+                </a:ln>
+                <a:latin typeface="나눔스퀘어_ac" panose="020B0600000101010101" pitchFamily="50" charset="-127"/>
+                <a:ea typeface="나눔스퀘어_ac" panose="020B0600000101010101" pitchFamily="50" charset="-127"/>
+              </a:rPr>
+              <a:t>적용 전</a:t>
             </a:r>
             <a:endParaRPr lang="ko-KR" altLang="en-US" sz="2000" spc="-150" dirty="0">
               <a:ln>
@@ -6751,10 +6912,10 @@
       </p:sp>
       <p:sp>
         <p:nvSpPr>
-          <p:cNvPr id="12" name="TextBox 11">
-            <a:extLst>
-              <a:ext uri="{FF2B5EF4-FFF2-40B4-BE49-F238E27FC236}">
-                <a16:creationId xmlns:a16="http://schemas.microsoft.com/office/drawing/2014/main" id="{F5C14D73-DB61-45C1-BF56-8AF252CA8451}"/>
+          <p:cNvPr id="21" name="TextBox 20">
+            <a:extLst>
+              <a:ext uri="{FF2B5EF4-FFF2-40B4-BE49-F238E27FC236}">
+                <a16:creationId xmlns:a16="http://schemas.microsoft.com/office/drawing/2014/main" id="{417D7E2A-6B6D-48FE-881E-327113792535}"/>
               </a:ext>
             </a:extLst>
           </p:cNvPr>
@@ -6763,8 +6924,8 @@
         </p:nvSpPr>
         <p:spPr>
           <a:xfrm>
-            <a:off x="1831014" y="3486979"/>
-            <a:ext cx="2165529" cy="400110"/>
+            <a:off x="8678794" y="5780611"/>
+            <a:ext cx="848310" cy="400110"/>
           </a:xfrm>
           <a:prstGeom prst="rect">
             <a:avLst/>
@@ -6779,146 +6940,26 @@
           <a:p>
             <a:pPr algn="ctr"/>
             <a:r>
-              <a:rPr lang="en-US" altLang="ko-KR" sz="2000" spc="-150" dirty="0">
-                <a:ln>
-                  <a:solidFill>
-                    <a:schemeClr val="tx1">
-                      <a:alpha val="40000"/>
-                    </a:schemeClr>
-                  </a:solidFill>
-                </a:ln>
-                <a:latin typeface="나눔스퀘어_ac" panose="020B0600000101010101" pitchFamily="50" charset="-127"/>
-                <a:ea typeface="나눔스퀘어_ac" panose="020B0600000101010101" pitchFamily="50" charset="-127"/>
-              </a:rPr>
-              <a:t>Scene Depth Buffer </a:t>
-            </a:r>
-            <a:endParaRPr lang="ko-KR" altLang="en-US" sz="2000" spc="-150" dirty="0">
-              <a:ln>
-                <a:solidFill>
-                  <a:schemeClr val="tx1">
-                    <a:alpha val="40000"/>
-                  </a:schemeClr>
-                </a:solidFill>
-              </a:ln>
-              <a:latin typeface="나눔스퀘어_ac" panose="020B0600000101010101" pitchFamily="50" charset="-127"/>
-              <a:ea typeface="나눔스퀘어_ac" panose="020B0600000101010101" pitchFamily="50" charset="-127"/>
-            </a:endParaRPr>
-          </a:p>
-        </p:txBody>
-      </p:sp>
-      <p:sp>
-        <p:nvSpPr>
-          <p:cNvPr id="13" name="TextBox 12">
-            <a:extLst>
-              <a:ext uri="{FF2B5EF4-FFF2-40B4-BE49-F238E27FC236}">
-                <a16:creationId xmlns:a16="http://schemas.microsoft.com/office/drawing/2014/main" id="{8172FA4A-3244-4EFB-AB25-C60D1005FDD6}"/>
-              </a:ext>
-            </a:extLst>
-          </p:cNvPr>
-          <p:cNvSpPr txBox="1"/>
-          <p:nvPr/>
-        </p:nvSpPr>
-        <p:spPr>
-          <a:xfrm>
-            <a:off x="7144027" y="5840672"/>
-            <a:ext cx="2293448" cy="400110"/>
-          </a:xfrm>
-          <a:prstGeom prst="rect">
-            <a:avLst/>
-          </a:prstGeom>
-          <a:noFill/>
-        </p:spPr>
-        <p:txBody>
-          <a:bodyPr wrap="none" rtlCol="0">
-            <a:spAutoFit/>
-          </a:bodyPr>
-          <a:lstStyle/>
-          <a:p>
-            <a:pPr algn="ctr"/>
-            <a:r>
-              <a:rPr lang="en-US" altLang="ko-KR" sz="2000" spc="-150" dirty="0">
-                <a:ln>
-                  <a:solidFill>
-                    <a:schemeClr val="tx1">
-                      <a:alpha val="40000"/>
-                    </a:schemeClr>
-                  </a:solidFill>
-                </a:ln>
-                <a:latin typeface="나눔스퀘어_ac" panose="020B0600000101010101" pitchFamily="50" charset="-127"/>
-                <a:ea typeface="나눔스퀘어_ac" panose="020B0600000101010101" pitchFamily="50" charset="-127"/>
-              </a:rPr>
-              <a:t>Shadow And Lighting</a:t>
-            </a:r>
-            <a:endParaRPr lang="ko-KR" altLang="en-US" sz="2000" spc="-150" dirty="0">
-              <a:ln>
-                <a:solidFill>
-                  <a:schemeClr val="tx1">
-                    <a:alpha val="40000"/>
-                  </a:schemeClr>
-                </a:solidFill>
-              </a:ln>
-              <a:latin typeface="나눔스퀘어_ac" panose="020B0600000101010101" pitchFamily="50" charset="-127"/>
-              <a:ea typeface="나눔스퀘어_ac" panose="020B0600000101010101" pitchFamily="50" charset="-127"/>
-            </a:endParaRPr>
-          </a:p>
-        </p:txBody>
-      </p:sp>
-      <p:sp>
-        <p:nvSpPr>
-          <p:cNvPr id="14" name="직사각형 13">
-            <a:extLst>
-              <a:ext uri="{FF2B5EF4-FFF2-40B4-BE49-F238E27FC236}">
-                <a16:creationId xmlns:a16="http://schemas.microsoft.com/office/drawing/2014/main" id="{B9552321-DB43-47C5-BD3A-C5C7553A5F92}"/>
-              </a:ext>
-            </a:extLst>
-          </p:cNvPr>
-          <p:cNvSpPr/>
-          <p:nvPr/>
-        </p:nvSpPr>
-        <p:spPr>
-          <a:xfrm>
-            <a:off x="1568811" y="3974243"/>
-            <a:ext cx="2689934" cy="2135884"/>
-          </a:xfrm>
-          <a:prstGeom prst="rect">
-            <a:avLst/>
-          </a:prstGeom>
-          <a:noFill/>
-          <a:ln w="28575">
-            <a:solidFill>
-              <a:schemeClr val="tx1"/>
-            </a:solidFill>
-          </a:ln>
-        </p:spPr>
-        <p:style>
-          <a:lnRef idx="2">
-            <a:schemeClr val="accent1">
-              <a:shade val="50000"/>
-            </a:schemeClr>
-          </a:lnRef>
-          <a:fillRef idx="1">
-            <a:schemeClr val="accent1"/>
-          </a:fillRef>
-          <a:effectRef idx="0">
-            <a:schemeClr val="accent1"/>
-          </a:effectRef>
-          <a:fontRef idx="minor">
-            <a:schemeClr val="lt1"/>
-          </a:fontRef>
-        </p:style>
-        <p:txBody>
-          <a:bodyPr rtlCol="0" anchor="ctr"/>
-          <a:lstStyle/>
-          <a:p>
-            <a:pPr algn="ctr"/>
-            <a:endParaRPr lang="ko-KR" altLang="en-US"/>
+              <a:rPr lang="ko-KR" altLang="en-US" sz="2000" spc="-150" dirty="0">
+                <a:ln>
+                  <a:solidFill>
+                    <a:schemeClr val="tx1">
+                      <a:alpha val="40000"/>
+                    </a:schemeClr>
+                  </a:solidFill>
+                </a:ln>
+                <a:latin typeface="나눔스퀘어_ac" panose="020B0600000101010101" pitchFamily="50" charset="-127"/>
+                <a:ea typeface="나눔스퀘어_ac" panose="020B0600000101010101" pitchFamily="50" charset="-127"/>
+              </a:rPr>
+              <a:t>적용 후</a:t>
+            </a:r>
           </a:p>
         </p:txBody>
       </p:sp>
     </p:spTree>
     <p:extLst>
       <p:ext uri="{BB962C8B-B14F-4D97-AF65-F5344CB8AC3E}">
-        <p14:creationId xmlns:p14="http://schemas.microsoft.com/office/powerpoint/2010/main" val="2009834338"/>
+        <p14:creationId xmlns:p14="http://schemas.microsoft.com/office/powerpoint/2010/main" val="4036189855"/>
       </p:ext>
     </p:extLst>
   </p:cSld>
@@ -7012,8 +7053,8 @@
         </p:nvSpPr>
         <p:spPr>
           <a:xfrm>
-            <a:off x="3973399" y="637356"/>
-            <a:ext cx="4245201" cy="400110"/>
+            <a:off x="4258745" y="756110"/>
+            <a:ext cx="3583161" cy="400110"/>
           </a:xfrm>
           <a:prstGeom prst="rect">
             <a:avLst/>
@@ -7039,7 +7080,7 @@
                 <a:latin typeface="나눔스퀘어_ac" panose="020B0600000101010101" pitchFamily="50" charset="-127"/>
                 <a:ea typeface="나눔스퀘어_ac" panose="020B0600000101010101" pitchFamily="50" charset="-127"/>
               </a:rPr>
-              <a:t>Omnidirectional Shadow Map(Point Light)</a:t>
+              <a:t>Standard Shadow Map(Spot Light)</a:t>
             </a:r>
             <a:endParaRPr lang="ko-KR" altLang="en-US" sz="2000" spc="-150" dirty="0">
               <a:ln>
@@ -7055,6 +7096,148 @@
           </a:p>
         </p:txBody>
       </p:sp>
+      <p:pic>
+        <p:nvPicPr>
+          <p:cNvPr id="2" name="그림 1">
+            <a:extLst>
+              <a:ext uri="{FF2B5EF4-FFF2-40B4-BE49-F238E27FC236}">
+                <a16:creationId xmlns:a16="http://schemas.microsoft.com/office/drawing/2014/main" id="{82DFECB2-3DDF-4C3F-977C-D1149E0A2567}"/>
+              </a:ext>
+            </a:extLst>
+          </p:cNvPr>
+          <p:cNvPicPr>
+            <a:picLocks noChangeAspect="1"/>
+          </p:cNvPicPr>
+          <p:nvPr/>
+        </p:nvPicPr>
+        <p:blipFill>
+          <a:blip r:embed="rId2"/>
+          <a:stretch>
+            <a:fillRect/>
+          </a:stretch>
+        </p:blipFill>
+        <p:spPr>
+          <a:xfrm>
+            <a:off x="1768186" y="3922166"/>
+            <a:ext cx="2313674" cy="2240039"/>
+          </a:xfrm>
+          <a:prstGeom prst="rect">
+            <a:avLst/>
+          </a:prstGeom>
+        </p:spPr>
+      </p:pic>
+      <p:pic>
+        <p:nvPicPr>
+          <p:cNvPr id="3" name="그림 2">
+            <a:extLst>
+              <a:ext uri="{FF2B5EF4-FFF2-40B4-BE49-F238E27FC236}">
+                <a16:creationId xmlns:a16="http://schemas.microsoft.com/office/drawing/2014/main" id="{FC563216-D3E7-479B-84F9-744AB1300F72}"/>
+              </a:ext>
+            </a:extLst>
+          </p:cNvPr>
+          <p:cNvPicPr>
+            <a:picLocks noChangeAspect="1"/>
+          </p:cNvPicPr>
+          <p:nvPr/>
+        </p:nvPicPr>
+        <p:blipFill>
+          <a:blip r:embed="rId3"/>
+          <a:stretch>
+            <a:fillRect/>
+          </a:stretch>
+        </p:blipFill>
+        <p:spPr>
+          <a:xfrm>
+            <a:off x="1577736" y="1333341"/>
+            <a:ext cx="2758048" cy="2029135"/>
+          </a:xfrm>
+          <a:prstGeom prst="rect">
+            <a:avLst/>
+          </a:prstGeom>
+        </p:spPr>
+      </p:pic>
+      <p:pic>
+        <p:nvPicPr>
+          <p:cNvPr id="4" name="그림 3">
+            <a:extLst>
+              <a:ext uri="{FF2B5EF4-FFF2-40B4-BE49-F238E27FC236}">
+                <a16:creationId xmlns:a16="http://schemas.microsoft.com/office/drawing/2014/main" id="{B20A62F3-CB9F-45E2-A5FA-4DF0451F8180}"/>
+              </a:ext>
+            </a:extLst>
+          </p:cNvPr>
+          <p:cNvPicPr>
+            <a:picLocks noChangeAspect="1"/>
+          </p:cNvPicPr>
+          <p:nvPr/>
+        </p:nvPicPr>
+        <p:blipFill>
+          <a:blip r:embed="rId4"/>
+          <a:stretch>
+            <a:fillRect/>
+          </a:stretch>
+        </p:blipFill>
+        <p:spPr>
+          <a:xfrm>
+            <a:off x="5524501" y="1620215"/>
+            <a:ext cx="5532500" cy="4133638"/>
+          </a:xfrm>
+          <a:prstGeom prst="rect">
+            <a:avLst/>
+          </a:prstGeom>
+        </p:spPr>
+      </p:pic>
+      <p:sp>
+        <p:nvSpPr>
+          <p:cNvPr id="5" name="직사각형 4">
+            <a:extLst>
+              <a:ext uri="{FF2B5EF4-FFF2-40B4-BE49-F238E27FC236}">
+                <a16:creationId xmlns:a16="http://schemas.microsoft.com/office/drawing/2014/main" id="{E48A63CF-729F-462B-AAD3-45550FCA6131}"/>
+              </a:ext>
+            </a:extLst>
+          </p:cNvPr>
+          <p:cNvSpPr/>
+          <p:nvPr/>
+        </p:nvSpPr>
+        <p:spPr>
+          <a:xfrm>
+            <a:off x="1568811" y="1399684"/>
+            <a:ext cx="2689934" cy="1962791"/>
+          </a:xfrm>
+          <a:prstGeom prst="rect">
+            <a:avLst/>
+          </a:prstGeom>
+          <a:noFill/>
+          <a:ln w="28575">
+            <a:solidFill>
+              <a:schemeClr val="tx1"/>
+            </a:solidFill>
+          </a:ln>
+        </p:spPr>
+        <p:style>
+          <a:lnRef idx="2">
+            <a:schemeClr val="accent1">
+              <a:shade val="50000"/>
+            </a:schemeClr>
+          </a:lnRef>
+          <a:fillRef idx="1">
+            <a:schemeClr val="accent1"/>
+          </a:fillRef>
+          <a:effectRef idx="0">
+            <a:schemeClr val="accent1"/>
+          </a:effectRef>
+          <a:fontRef idx="minor">
+            <a:schemeClr val="lt1"/>
+          </a:fontRef>
+        </p:style>
+        <p:txBody>
+          <a:bodyPr rtlCol="0" anchor="ctr"/>
+          <a:lstStyle/>
+          <a:p>
+            <a:pPr algn="ctr"/>
+            <a:endParaRPr lang="ko-KR" altLang="en-US"/>
+          </a:p>
+        </p:txBody>
+      </p:sp>
       <p:sp>
         <p:nvSpPr>
           <p:cNvPr id="11" name="TextBox 10">
@@ -7069,8 +7252,8 @@
         </p:nvSpPr>
         <p:spPr>
           <a:xfrm>
-            <a:off x="1641665" y="6185242"/>
-            <a:ext cx="3070200" cy="400110"/>
+            <a:off x="1578255" y="6162205"/>
+            <a:ext cx="2563972" cy="400110"/>
           </a:xfrm>
           <a:prstGeom prst="rect">
             <a:avLst/>
@@ -7096,7 +7279,7 @@
                 <a:latin typeface="나눔스퀘어_ac" panose="020B0600000101010101" pitchFamily="50" charset="-127"/>
                 <a:ea typeface="나눔스퀘어_ac" panose="020B0600000101010101" pitchFamily="50" charset="-127"/>
               </a:rPr>
-              <a:t>Omnidirectional Shadow Map</a:t>
+              <a:t>Shadow Map(Projective)</a:t>
             </a:r>
             <a:endParaRPr lang="ko-KR" altLang="en-US" sz="2000" spc="-150" dirty="0">
               <a:ln>
@@ -7126,7 +7309,7 @@
         </p:nvSpPr>
         <p:spPr>
           <a:xfrm>
-            <a:off x="2136437" y="3532748"/>
+            <a:off x="1831014" y="3486979"/>
             <a:ext cx="2165529" cy="400110"/>
           </a:xfrm>
           <a:prstGeom prst="rect">
@@ -7183,7 +7366,7 @@
         </p:nvSpPr>
         <p:spPr>
           <a:xfrm>
-            <a:off x="7518788" y="5524659"/>
+            <a:off x="7144027" y="5840672"/>
             <a:ext cx="2293448" cy="400110"/>
           </a:xfrm>
           <a:prstGeom prst="rect">
@@ -7226,100 +7409,62 @@
           </a:p>
         </p:txBody>
       </p:sp>
-      <p:pic>
-        <p:nvPicPr>
-          <p:cNvPr id="9" name="그림 8">
-            <a:extLst>
-              <a:ext uri="{FF2B5EF4-FFF2-40B4-BE49-F238E27FC236}">
-                <a16:creationId xmlns:a16="http://schemas.microsoft.com/office/drawing/2014/main" id="{4C806E11-1152-4C65-9D65-FD3B24900F25}"/>
-              </a:ext>
-            </a:extLst>
-          </p:cNvPr>
-          <p:cNvPicPr>
-            <a:picLocks noChangeAspect="1"/>
-          </p:cNvPicPr>
-          <p:nvPr/>
-        </p:nvPicPr>
-        <p:blipFill>
-          <a:blip r:embed="rId2"/>
-          <a:stretch>
-            <a:fillRect/>
-          </a:stretch>
-        </p:blipFill>
-        <p:spPr>
-          <a:xfrm>
-            <a:off x="1680057" y="1289320"/>
-            <a:ext cx="2993404" cy="2218027"/>
+      <p:sp>
+        <p:nvSpPr>
+          <p:cNvPr id="14" name="직사각형 13">
+            <a:extLst>
+              <a:ext uri="{FF2B5EF4-FFF2-40B4-BE49-F238E27FC236}">
+                <a16:creationId xmlns:a16="http://schemas.microsoft.com/office/drawing/2014/main" id="{B9552321-DB43-47C5-BD3A-C5C7553A5F92}"/>
+              </a:ext>
+            </a:extLst>
+          </p:cNvPr>
+          <p:cNvSpPr/>
+          <p:nvPr/>
+        </p:nvSpPr>
+        <p:spPr>
+          <a:xfrm>
+            <a:off x="1568811" y="3974243"/>
+            <a:ext cx="2689934" cy="2135884"/>
           </a:xfrm>
           <a:prstGeom prst="rect">
             <a:avLst/>
           </a:prstGeom>
-        </p:spPr>
-      </p:pic>
-      <p:pic>
-        <p:nvPicPr>
-          <p:cNvPr id="10" name="그림 9">
-            <a:extLst>
-              <a:ext uri="{FF2B5EF4-FFF2-40B4-BE49-F238E27FC236}">
-                <a16:creationId xmlns:a16="http://schemas.microsoft.com/office/drawing/2014/main" id="{EBEDF026-90A6-464E-9A5C-A7BC096242AA}"/>
-              </a:ext>
-            </a:extLst>
-          </p:cNvPr>
-          <p:cNvPicPr>
-            <a:picLocks noChangeAspect="1"/>
-          </p:cNvPicPr>
-          <p:nvPr/>
-        </p:nvPicPr>
-        <p:blipFill>
-          <a:blip r:embed="rId3"/>
-          <a:stretch>
-            <a:fillRect/>
-          </a:stretch>
-        </p:blipFill>
-        <p:spPr>
-          <a:xfrm>
-            <a:off x="6096000" y="1380559"/>
-            <a:ext cx="5327254" cy="3963531"/>
-          </a:xfrm>
-          <a:prstGeom prst="rect">
-            <a:avLst/>
-          </a:prstGeom>
-        </p:spPr>
-      </p:pic>
-      <p:pic>
-        <p:nvPicPr>
-          <p:cNvPr id="14" name="그림 13">
-            <a:extLst>
-              <a:ext uri="{FF2B5EF4-FFF2-40B4-BE49-F238E27FC236}">
-                <a16:creationId xmlns:a16="http://schemas.microsoft.com/office/drawing/2014/main" id="{0DEE93C4-C32E-43BD-8483-D1BD88CA2A87}"/>
-              </a:ext>
-            </a:extLst>
-          </p:cNvPr>
-          <p:cNvPicPr>
-            <a:picLocks noChangeAspect="1"/>
-          </p:cNvPicPr>
-          <p:nvPr/>
-        </p:nvPicPr>
-        <p:blipFill>
-          <a:blip r:embed="rId4"/>
-          <a:stretch>
-            <a:fillRect/>
-          </a:stretch>
-        </p:blipFill>
-        <p:spPr>
-          <a:xfrm>
-            <a:off x="1680057" y="4094802"/>
-            <a:ext cx="2993156" cy="2125842"/>
-          </a:xfrm>
-          <a:prstGeom prst="rect">
-            <a:avLst/>
-          </a:prstGeom>
-        </p:spPr>
-      </p:pic>
+          <a:noFill/>
+          <a:ln w="28575">
+            <a:solidFill>
+              <a:schemeClr val="tx1"/>
+            </a:solidFill>
+          </a:ln>
+        </p:spPr>
+        <p:style>
+          <a:lnRef idx="2">
+            <a:schemeClr val="accent1">
+              <a:shade val="50000"/>
+            </a:schemeClr>
+          </a:lnRef>
+          <a:fillRef idx="1">
+            <a:schemeClr val="accent1"/>
+          </a:fillRef>
+          <a:effectRef idx="0">
+            <a:schemeClr val="accent1"/>
+          </a:effectRef>
+          <a:fontRef idx="minor">
+            <a:schemeClr val="lt1"/>
+          </a:fontRef>
+        </p:style>
+        <p:txBody>
+          <a:bodyPr rtlCol="0" anchor="ctr"/>
+          <a:lstStyle/>
+          <a:p>
+            <a:pPr algn="ctr"/>
+            <a:endParaRPr lang="ko-KR" altLang="en-US"/>
+          </a:p>
+        </p:txBody>
+      </p:sp>
     </p:spTree>
     <p:extLst>
       <p:ext uri="{BB962C8B-B14F-4D97-AF65-F5344CB8AC3E}">
-        <p14:creationId xmlns:p14="http://schemas.microsoft.com/office/powerpoint/2010/main" val="988987217"/>
+        <p14:creationId xmlns:p14="http://schemas.microsoft.com/office/powerpoint/2010/main" val="2009834338"/>
       </p:ext>
     </p:extLst>
   </p:cSld>
@@ -7413,8 +7558,8 @@
         </p:nvSpPr>
         <p:spPr>
           <a:xfrm>
-            <a:off x="4000976" y="637356"/>
-            <a:ext cx="4190058" cy="400110"/>
+            <a:off x="3973399" y="637356"/>
+            <a:ext cx="4245201" cy="400110"/>
           </a:xfrm>
           <a:prstGeom prst="rect">
             <a:avLst/>
@@ -7440,7 +7585,7 @@
                 <a:latin typeface="나눔스퀘어_ac" panose="020B0600000101010101" pitchFamily="50" charset="-127"/>
                 <a:ea typeface="나눔스퀘어_ac" panose="020B0600000101010101" pitchFamily="50" charset="-127"/>
               </a:rPr>
-              <a:t>Cascaded Shadow Map(Directional Light)</a:t>
+              <a:t>Omnidirectional Shadow Map(Point Light)</a:t>
             </a:r>
             <a:endParaRPr lang="ko-KR" altLang="en-US" sz="2000" spc="-150" dirty="0">
               <a:ln>
@@ -7470,8 +7615,8 @@
         </p:nvSpPr>
         <p:spPr>
           <a:xfrm>
-            <a:off x="1835736" y="6220644"/>
-            <a:ext cx="2602187" cy="400110"/>
+            <a:off x="1641665" y="6185242"/>
+            <a:ext cx="3070200" cy="400110"/>
           </a:xfrm>
           <a:prstGeom prst="rect">
             <a:avLst/>
@@ -7497,7 +7642,7 @@
                 <a:latin typeface="나눔스퀘어_ac" panose="020B0600000101010101" pitchFamily="50" charset="-127"/>
                 <a:ea typeface="나눔스퀘어_ac" panose="020B0600000101010101" pitchFamily="50" charset="-127"/>
               </a:rPr>
-              <a:t>Cascaded Shadow Maps</a:t>
+              <a:t>Omnidirectional Shadow Map</a:t>
             </a:r>
             <a:endParaRPr lang="ko-KR" altLang="en-US" sz="2000" spc="-150" dirty="0">
               <a:ln>
@@ -7629,10 +7774,10 @@
       </p:sp>
       <p:pic>
         <p:nvPicPr>
-          <p:cNvPr id="3" name="그림 2">
-            <a:extLst>
-              <a:ext uri="{FF2B5EF4-FFF2-40B4-BE49-F238E27FC236}">
-                <a16:creationId xmlns:a16="http://schemas.microsoft.com/office/drawing/2014/main" id="{740524D0-C394-4F5F-BEB9-99F1F374C4AC}"/>
+          <p:cNvPr id="9" name="그림 8">
+            <a:extLst>
+              <a:ext uri="{FF2B5EF4-FFF2-40B4-BE49-F238E27FC236}">
+                <a16:creationId xmlns:a16="http://schemas.microsoft.com/office/drawing/2014/main" id="{4C806E11-1152-4C65-9D65-FD3B24900F25}"/>
               </a:ext>
             </a:extLst>
           </p:cNvPr>
@@ -7649,8 +7794,8 @@
         </p:blipFill>
         <p:spPr>
           <a:xfrm>
-            <a:off x="1701276" y="1188378"/>
-            <a:ext cx="2972183" cy="2161927"/>
+            <a:off x="1680057" y="1289320"/>
+            <a:ext cx="2993404" cy="2218027"/>
           </a:xfrm>
           <a:prstGeom prst="rect">
             <a:avLst/>
@@ -7659,10 +7804,10 @@
       </p:pic>
       <p:pic>
         <p:nvPicPr>
-          <p:cNvPr id="4" name="그림 3">
-            <a:extLst>
-              <a:ext uri="{FF2B5EF4-FFF2-40B4-BE49-F238E27FC236}">
-                <a16:creationId xmlns:a16="http://schemas.microsoft.com/office/drawing/2014/main" id="{1B5F5581-A2AE-4F3D-A485-0265F3084AD0}"/>
+          <p:cNvPr id="10" name="그림 9">
+            <a:extLst>
+              <a:ext uri="{FF2B5EF4-FFF2-40B4-BE49-F238E27FC236}">
+                <a16:creationId xmlns:a16="http://schemas.microsoft.com/office/drawing/2014/main" id="{EBEDF026-90A6-464E-9A5C-A7BC096242AA}"/>
               </a:ext>
             </a:extLst>
           </p:cNvPr>
@@ -7679,8 +7824,8 @@
         </p:blipFill>
         <p:spPr>
           <a:xfrm>
-            <a:off x="368696" y="3910852"/>
-            <a:ext cx="1847850" cy="1739153"/>
+            <a:off x="6096000" y="1380559"/>
+            <a:ext cx="5327254" cy="3963531"/>
           </a:xfrm>
           <a:prstGeom prst="rect">
             <a:avLst/>
@@ -7689,10 +7834,10 @@
       </p:pic>
       <p:pic>
         <p:nvPicPr>
-          <p:cNvPr id="5" name="그림 4">
-            <a:extLst>
-              <a:ext uri="{FF2B5EF4-FFF2-40B4-BE49-F238E27FC236}">
-                <a16:creationId xmlns:a16="http://schemas.microsoft.com/office/drawing/2014/main" id="{19642975-0396-4A6D-AB18-E1A4DD2E262E}"/>
+          <p:cNvPr id="14" name="그림 13">
+            <a:extLst>
+              <a:ext uri="{FF2B5EF4-FFF2-40B4-BE49-F238E27FC236}">
+                <a16:creationId xmlns:a16="http://schemas.microsoft.com/office/drawing/2014/main" id="{0DEE93C4-C32E-43BD-8483-D1BD88CA2A87}"/>
               </a:ext>
             </a:extLst>
           </p:cNvPr>
@@ -7709,337 +7854,18 @@
         </p:blipFill>
         <p:spPr>
           <a:xfrm>
-            <a:off x="2212905" y="4065015"/>
-            <a:ext cx="1847850" cy="1713298"/>
+            <a:off x="1680057" y="4094802"/>
+            <a:ext cx="2993156" cy="2125842"/>
           </a:xfrm>
           <a:prstGeom prst="rect">
             <a:avLst/>
           </a:prstGeom>
         </p:spPr>
       </p:pic>
-      <p:pic>
-        <p:nvPicPr>
-          <p:cNvPr id="14" name="그림 13">
-            <a:extLst>
-              <a:ext uri="{FF2B5EF4-FFF2-40B4-BE49-F238E27FC236}">
-                <a16:creationId xmlns:a16="http://schemas.microsoft.com/office/drawing/2014/main" id="{D2793069-2E4E-49F5-BE35-76D1D042DC55}"/>
-              </a:ext>
-            </a:extLst>
-          </p:cNvPr>
-          <p:cNvPicPr>
-            <a:picLocks noChangeAspect="1"/>
-          </p:cNvPicPr>
-          <p:nvPr/>
-        </p:nvPicPr>
-        <p:blipFill>
-          <a:blip r:embed="rId5"/>
-          <a:stretch>
-            <a:fillRect/>
-          </a:stretch>
-        </p:blipFill>
-        <p:spPr>
-          <a:xfrm>
-            <a:off x="4085768" y="4115301"/>
-            <a:ext cx="1588811" cy="1492756"/>
-          </a:xfrm>
-          <a:prstGeom prst="rect">
-            <a:avLst/>
-          </a:prstGeom>
-        </p:spPr>
-      </p:pic>
-      <p:pic>
-        <p:nvPicPr>
-          <p:cNvPr id="15" name="그림 14">
-            <a:extLst>
-              <a:ext uri="{FF2B5EF4-FFF2-40B4-BE49-F238E27FC236}">
-                <a16:creationId xmlns:a16="http://schemas.microsoft.com/office/drawing/2014/main" id="{13D52940-B612-43D7-B0F0-7A980BFF5BEF}"/>
-              </a:ext>
-            </a:extLst>
-          </p:cNvPr>
-          <p:cNvPicPr>
-            <a:picLocks noChangeAspect="1"/>
-          </p:cNvPicPr>
-          <p:nvPr/>
-        </p:nvPicPr>
-        <p:blipFill>
-          <a:blip r:embed="rId6"/>
-          <a:stretch>
-            <a:fillRect/>
-          </a:stretch>
-        </p:blipFill>
-        <p:spPr>
-          <a:xfrm>
-            <a:off x="6078492" y="1346897"/>
-            <a:ext cx="5358108" cy="4006816"/>
-          </a:xfrm>
-          <a:prstGeom prst="rect">
-            <a:avLst/>
-          </a:prstGeom>
-        </p:spPr>
-      </p:pic>
-      <p:sp>
-        <p:nvSpPr>
-          <p:cNvPr id="16" name="TextBox 15">
-            <a:extLst>
-              <a:ext uri="{FF2B5EF4-FFF2-40B4-BE49-F238E27FC236}">
-                <a16:creationId xmlns:a16="http://schemas.microsoft.com/office/drawing/2014/main" id="{F3296006-4DF3-40A2-9D8B-7D5805D08666}"/>
-              </a:ext>
-            </a:extLst>
-          </p:cNvPr>
-          <p:cNvSpPr txBox="1"/>
-          <p:nvPr/>
-        </p:nvSpPr>
-        <p:spPr>
-          <a:xfrm>
-            <a:off x="686301" y="5706566"/>
-            <a:ext cx="1269899" cy="400110"/>
-          </a:xfrm>
-          <a:prstGeom prst="rect">
-            <a:avLst/>
-          </a:prstGeom>
-          <a:noFill/>
-        </p:spPr>
-        <p:txBody>
-          <a:bodyPr wrap="none" rtlCol="0">
-            <a:spAutoFit/>
-          </a:bodyPr>
-          <a:lstStyle/>
-          <a:p>
-            <a:pPr algn="ctr"/>
-            <a:r>
-              <a:rPr lang="en-US" altLang="ko-KR" sz="2000" spc="-150" dirty="0" err="1">
-                <a:ln>
-                  <a:solidFill>
-                    <a:schemeClr val="tx1">
-                      <a:alpha val="40000"/>
-                    </a:schemeClr>
-                  </a:solidFill>
-                </a:ln>
-                <a:latin typeface="나눔스퀘어_ac" panose="020B0600000101010101" pitchFamily="50" charset="-127"/>
-                <a:ea typeface="나눔스퀘어_ac" panose="020B0600000101010101" pitchFamily="50" charset="-127"/>
-              </a:rPr>
-              <a:t>Dist</a:t>
-            </a:r>
-            <a:r>
-              <a:rPr lang="en-US" altLang="ko-KR" sz="2000" spc="-150" dirty="0">
-                <a:ln>
-                  <a:solidFill>
-                    <a:schemeClr val="tx1">
-                      <a:alpha val="40000"/>
-                    </a:schemeClr>
-                  </a:solidFill>
-                </a:ln>
-                <a:latin typeface="나눔스퀘어_ac" panose="020B0600000101010101" pitchFamily="50" charset="-127"/>
-                <a:ea typeface="나눔스퀘어_ac" panose="020B0600000101010101" pitchFamily="50" charset="-127"/>
-              </a:rPr>
-              <a:t>(0~25)</a:t>
-            </a:r>
-            <a:endParaRPr lang="ko-KR" altLang="en-US" sz="2000" spc="-150" dirty="0">
-              <a:ln>
-                <a:solidFill>
-                  <a:schemeClr val="tx1">
-                    <a:alpha val="40000"/>
-                  </a:schemeClr>
-                </a:solidFill>
-              </a:ln>
-              <a:latin typeface="나눔스퀘어_ac" panose="020B0600000101010101" pitchFamily="50" charset="-127"/>
-              <a:ea typeface="나눔스퀘어_ac" panose="020B0600000101010101" pitchFamily="50" charset="-127"/>
-            </a:endParaRPr>
-          </a:p>
-        </p:txBody>
-      </p:sp>
-      <p:sp>
-        <p:nvSpPr>
-          <p:cNvPr id="17" name="TextBox 16">
-            <a:extLst>
-              <a:ext uri="{FF2B5EF4-FFF2-40B4-BE49-F238E27FC236}">
-                <a16:creationId xmlns:a16="http://schemas.microsoft.com/office/drawing/2014/main" id="{B84F7233-9B94-45AA-BDC6-9A37EE84A5EF}"/>
-              </a:ext>
-            </a:extLst>
-          </p:cNvPr>
-          <p:cNvSpPr txBox="1"/>
-          <p:nvPr/>
-        </p:nvSpPr>
-        <p:spPr>
-          <a:xfrm>
-            <a:off x="2406463" y="5706566"/>
-            <a:ext cx="1494320" cy="400110"/>
-          </a:xfrm>
-          <a:prstGeom prst="rect">
-            <a:avLst/>
-          </a:prstGeom>
-          <a:noFill/>
-        </p:spPr>
-        <p:txBody>
-          <a:bodyPr wrap="none" rtlCol="0">
-            <a:spAutoFit/>
-          </a:bodyPr>
-          <a:lstStyle/>
-          <a:p>
-            <a:pPr algn="ctr"/>
-            <a:r>
-              <a:rPr lang="en-US" altLang="ko-KR" sz="2000" spc="-150" dirty="0" err="1">
-                <a:ln>
-                  <a:solidFill>
-                    <a:schemeClr val="tx1">
-                      <a:alpha val="40000"/>
-                    </a:schemeClr>
-                  </a:solidFill>
-                </a:ln>
-                <a:latin typeface="나눔스퀘어_ac" panose="020B0600000101010101" pitchFamily="50" charset="-127"/>
-                <a:ea typeface="나눔스퀘어_ac" panose="020B0600000101010101" pitchFamily="50" charset="-127"/>
-              </a:rPr>
-              <a:t>Dist</a:t>
-            </a:r>
-            <a:r>
-              <a:rPr lang="en-US" altLang="ko-KR" sz="2000" spc="-150" dirty="0">
-                <a:ln>
-                  <a:solidFill>
-                    <a:schemeClr val="tx1">
-                      <a:alpha val="40000"/>
-                    </a:schemeClr>
-                  </a:solidFill>
-                </a:ln>
-                <a:latin typeface="나눔스퀘어_ac" panose="020B0600000101010101" pitchFamily="50" charset="-127"/>
-                <a:ea typeface="나눔스퀘어_ac" panose="020B0600000101010101" pitchFamily="50" charset="-127"/>
-              </a:rPr>
-              <a:t>(25~100)</a:t>
-            </a:r>
-            <a:endParaRPr lang="ko-KR" altLang="en-US" sz="2000" spc="-150" dirty="0">
-              <a:ln>
-                <a:solidFill>
-                  <a:schemeClr val="tx1">
-                    <a:alpha val="40000"/>
-                  </a:schemeClr>
-                </a:solidFill>
-              </a:ln>
-              <a:latin typeface="나눔스퀘어_ac" panose="020B0600000101010101" pitchFamily="50" charset="-127"/>
-              <a:ea typeface="나눔스퀘어_ac" panose="020B0600000101010101" pitchFamily="50" charset="-127"/>
-            </a:endParaRPr>
-          </a:p>
-        </p:txBody>
-      </p:sp>
-      <p:sp>
-        <p:nvSpPr>
-          <p:cNvPr id="18" name="TextBox 17">
-            <a:extLst>
-              <a:ext uri="{FF2B5EF4-FFF2-40B4-BE49-F238E27FC236}">
-                <a16:creationId xmlns:a16="http://schemas.microsoft.com/office/drawing/2014/main" id="{CB2F830D-3DCA-4DBC-B25B-C44C1884FB91}"/>
-              </a:ext>
-            </a:extLst>
-          </p:cNvPr>
-          <p:cNvSpPr txBox="1"/>
-          <p:nvPr/>
-        </p:nvSpPr>
-        <p:spPr>
-          <a:xfrm>
-            <a:off x="4065687" y="5714295"/>
-            <a:ext cx="1628972" cy="400110"/>
-          </a:xfrm>
-          <a:prstGeom prst="rect">
-            <a:avLst/>
-          </a:prstGeom>
-          <a:noFill/>
-        </p:spPr>
-        <p:txBody>
-          <a:bodyPr wrap="none" rtlCol="0">
-            <a:spAutoFit/>
-          </a:bodyPr>
-          <a:lstStyle/>
-          <a:p>
-            <a:pPr algn="ctr"/>
-            <a:r>
-              <a:rPr lang="en-US" altLang="ko-KR" sz="2000" spc="-150" dirty="0" err="1">
-                <a:ln>
-                  <a:solidFill>
-                    <a:schemeClr val="tx1">
-                      <a:alpha val="40000"/>
-                    </a:schemeClr>
-                  </a:solidFill>
-                </a:ln>
-                <a:latin typeface="나눔스퀘어_ac" panose="020B0600000101010101" pitchFamily="50" charset="-127"/>
-                <a:ea typeface="나눔스퀘어_ac" panose="020B0600000101010101" pitchFamily="50" charset="-127"/>
-              </a:rPr>
-              <a:t>Dist</a:t>
-            </a:r>
-            <a:r>
-              <a:rPr lang="en-US" altLang="ko-KR" sz="2000" spc="-150" dirty="0">
-                <a:ln>
-                  <a:solidFill>
-                    <a:schemeClr val="tx1">
-                      <a:alpha val="40000"/>
-                    </a:schemeClr>
-                  </a:solidFill>
-                </a:ln>
-                <a:latin typeface="나눔스퀘어_ac" panose="020B0600000101010101" pitchFamily="50" charset="-127"/>
-                <a:ea typeface="나눔스퀘어_ac" panose="020B0600000101010101" pitchFamily="50" charset="-127"/>
-              </a:rPr>
-              <a:t>(100~300)</a:t>
-            </a:r>
-            <a:endParaRPr lang="ko-KR" altLang="en-US" sz="2000" spc="-150" dirty="0">
-              <a:ln>
-                <a:solidFill>
-                  <a:schemeClr val="tx1">
-                    <a:alpha val="40000"/>
-                  </a:schemeClr>
-                </a:solidFill>
-              </a:ln>
-              <a:latin typeface="나눔스퀘어_ac" panose="020B0600000101010101" pitchFamily="50" charset="-127"/>
-              <a:ea typeface="나눔스퀘어_ac" panose="020B0600000101010101" pitchFamily="50" charset="-127"/>
-            </a:endParaRPr>
-          </a:p>
-        </p:txBody>
-      </p:sp>
-      <p:sp>
-        <p:nvSpPr>
-          <p:cNvPr id="19" name="TextBox 18">
-            <a:extLst>
-              <a:ext uri="{FF2B5EF4-FFF2-40B4-BE49-F238E27FC236}">
-                <a16:creationId xmlns:a16="http://schemas.microsoft.com/office/drawing/2014/main" id="{6B86DC30-0550-4136-A1CF-0CF100F8A9E5}"/>
-              </a:ext>
-            </a:extLst>
-          </p:cNvPr>
-          <p:cNvSpPr txBox="1"/>
-          <p:nvPr/>
-        </p:nvSpPr>
-        <p:spPr>
-          <a:xfrm>
-            <a:off x="4961282" y="3885951"/>
-            <a:ext cx="745717" cy="246221"/>
-          </a:xfrm>
-          <a:prstGeom prst="rect">
-            <a:avLst/>
-          </a:prstGeom>
-          <a:noFill/>
-        </p:spPr>
-        <p:txBody>
-          <a:bodyPr wrap="none" rtlCol="0">
-            <a:spAutoFit/>
-          </a:bodyPr>
-          <a:lstStyle/>
-          <a:p>
-            <a:pPr algn="ctr"/>
-            <a:r>
-              <a:rPr lang="ko-KR" altLang="en-US" sz="1000" spc="-150" dirty="0">
-                <a:ln>
-                  <a:solidFill>
-                    <a:schemeClr val="tx1">
-                      <a:alpha val="40000"/>
-                    </a:schemeClr>
-                  </a:solidFill>
-                </a:ln>
-                <a:latin typeface="나눔스퀘어_ac" panose="020B0600000101010101" pitchFamily="50" charset="-127"/>
-                <a:ea typeface="나눔스퀘어_ac" panose="020B0600000101010101" pitchFamily="50" charset="-127"/>
-              </a:rPr>
-              <a:t>사용되지 않음</a:t>
-            </a:r>
-          </a:p>
-        </p:txBody>
-      </p:sp>
     </p:spTree>
     <p:extLst>
       <p:ext uri="{BB962C8B-B14F-4D97-AF65-F5344CB8AC3E}">
-        <p14:creationId xmlns:p14="http://schemas.microsoft.com/office/powerpoint/2010/main" val="118377360"/>
+        <p14:creationId xmlns:p14="http://schemas.microsoft.com/office/powerpoint/2010/main" val="988987217"/>
       </p:ext>
     </p:extLst>
   </p:cSld>
@@ -8080,8 +7906,8 @@
         </p:nvSpPr>
         <p:spPr>
           <a:xfrm>
-            <a:off x="1543050" y="272648"/>
-            <a:ext cx="9105900" cy="307777"/>
+            <a:off x="2019300" y="272648"/>
+            <a:ext cx="8315325" cy="307777"/>
           </a:xfrm>
           <a:prstGeom prst="rect">
             <a:avLst/>
@@ -8112,19 +7938,19 @@
           </a:lstStyle>
           <a:p>
             <a:r>
-              <a:rPr lang="en-US" altLang="ko-KR" spc="600" dirty="0"/>
-              <a:t>Volumetric Light Scattering</a:t>
-            </a:r>
-            <a:endParaRPr lang="ko-KR" altLang="en-US" spc="600" dirty="0"/>
-          </a:p>
-        </p:txBody>
-      </p:sp>
-      <p:sp>
-        <p:nvSpPr>
-          <p:cNvPr id="5" name="TextBox 4">
-            <a:extLst>
-              <a:ext uri="{FF2B5EF4-FFF2-40B4-BE49-F238E27FC236}">
-                <a16:creationId xmlns:a16="http://schemas.microsoft.com/office/drawing/2014/main" id="{E8913AAF-2C36-4810-9727-155E882D716D}"/>
+              <a:rPr lang="en-US" altLang="ko-KR" dirty="0"/>
+              <a:t>Shadow</a:t>
+            </a:r>
+            <a:endParaRPr lang="ko-KR" altLang="en-US" dirty="0"/>
+          </a:p>
+        </p:txBody>
+      </p:sp>
+      <p:sp>
+        <p:nvSpPr>
+          <p:cNvPr id="6" name="TextBox 5">
+            <a:extLst>
+              <a:ext uri="{FF2B5EF4-FFF2-40B4-BE49-F238E27FC236}">
+                <a16:creationId xmlns:a16="http://schemas.microsoft.com/office/drawing/2014/main" id="{7ED36B78-A72E-4076-B83F-40057EF5A34A}"/>
               </a:ext>
             </a:extLst>
           </p:cNvPr>
@@ -8133,8 +7959,8 @@
         </p:nvSpPr>
         <p:spPr>
           <a:xfrm>
-            <a:off x="1501022" y="1803858"/>
-            <a:ext cx="1758110" cy="400110"/>
+            <a:off x="4000976" y="637356"/>
+            <a:ext cx="4190058" cy="400110"/>
           </a:xfrm>
           <a:prstGeom prst="rect">
             <a:avLst/>
@@ -8160,7 +7986,7 @@
                 <a:latin typeface="나눔스퀘어_ac" panose="020B0600000101010101" pitchFamily="50" charset="-127"/>
                 <a:ea typeface="나눔스퀘어_ac" panose="020B0600000101010101" pitchFamily="50" charset="-127"/>
               </a:rPr>
-              <a:t>Directional Light</a:t>
+              <a:t>Cascaded Shadow Map(Directional Light)</a:t>
             </a:r>
             <a:endParaRPr lang="ko-KR" altLang="en-US" sz="2000" spc="-150" dirty="0">
               <a:ln>
@@ -8178,10 +8004,10 @@
       </p:sp>
       <p:sp>
         <p:nvSpPr>
-          <p:cNvPr id="9" name="TextBox 8">
-            <a:extLst>
-              <a:ext uri="{FF2B5EF4-FFF2-40B4-BE49-F238E27FC236}">
-                <a16:creationId xmlns:a16="http://schemas.microsoft.com/office/drawing/2014/main" id="{CC060CFE-C81F-4ED5-9269-E270DCEBDBA1}"/>
+          <p:cNvPr id="11" name="TextBox 10">
+            <a:extLst>
+              <a:ext uri="{FF2B5EF4-FFF2-40B4-BE49-F238E27FC236}">
+                <a16:creationId xmlns:a16="http://schemas.microsoft.com/office/drawing/2014/main" id="{758063A9-F728-4D98-B216-9E639A053808}"/>
               </a:ext>
             </a:extLst>
           </p:cNvPr>
@@ -8190,8 +8016,8 @@
         </p:nvSpPr>
         <p:spPr>
           <a:xfrm>
-            <a:off x="5576746" y="1803858"/>
-            <a:ext cx="1198085" cy="400110"/>
+            <a:off x="1835736" y="6220644"/>
+            <a:ext cx="2602187" cy="400110"/>
           </a:xfrm>
           <a:prstGeom prst="rect">
             <a:avLst/>
@@ -8217,7 +8043,7 @@
                 <a:latin typeface="나눔스퀘어_ac" panose="020B0600000101010101" pitchFamily="50" charset="-127"/>
                 <a:ea typeface="나눔스퀘어_ac" panose="020B0600000101010101" pitchFamily="50" charset="-127"/>
               </a:rPr>
-              <a:t>Spot Light</a:t>
+              <a:t>Cascaded Shadow Maps</a:t>
             </a:r>
             <a:endParaRPr lang="ko-KR" altLang="en-US" sz="2000" spc="-150" dirty="0">
               <a:ln>
@@ -8235,10 +8061,10 @@
       </p:sp>
       <p:sp>
         <p:nvSpPr>
-          <p:cNvPr id="10" name="TextBox 9">
-            <a:extLst>
-              <a:ext uri="{FF2B5EF4-FFF2-40B4-BE49-F238E27FC236}">
-                <a16:creationId xmlns:a16="http://schemas.microsoft.com/office/drawing/2014/main" id="{187CCB12-5EB4-49A6-AFF4-3C64715D21E1}"/>
+          <p:cNvPr id="12" name="TextBox 11">
+            <a:extLst>
+              <a:ext uri="{FF2B5EF4-FFF2-40B4-BE49-F238E27FC236}">
+                <a16:creationId xmlns:a16="http://schemas.microsoft.com/office/drawing/2014/main" id="{F5C14D73-DB61-45C1-BF56-8AF252CA8451}"/>
               </a:ext>
             </a:extLst>
           </p:cNvPr>
@@ -8247,8 +8073,8 @@
         </p:nvSpPr>
         <p:spPr>
           <a:xfrm>
-            <a:off x="9352582" y="1803858"/>
-            <a:ext cx="1237839" cy="400110"/>
+            <a:off x="2136437" y="3532748"/>
+            <a:ext cx="2165529" cy="400110"/>
           </a:xfrm>
           <a:prstGeom prst="rect">
             <a:avLst/>
@@ -8274,7 +8100,7 @@
                 <a:latin typeface="나눔스퀘어_ac" panose="020B0600000101010101" pitchFamily="50" charset="-127"/>
                 <a:ea typeface="나눔스퀘어_ac" panose="020B0600000101010101" pitchFamily="50" charset="-127"/>
               </a:rPr>
-              <a:t>Point Light</a:t>
+              <a:t>Scene Depth Buffer </a:t>
             </a:r>
             <a:endParaRPr lang="ko-KR" altLang="en-US" sz="2000" spc="-150" dirty="0">
               <a:ln>
@@ -8290,12 +8116,69 @@
           </a:p>
         </p:txBody>
       </p:sp>
+      <p:sp>
+        <p:nvSpPr>
+          <p:cNvPr id="13" name="TextBox 12">
+            <a:extLst>
+              <a:ext uri="{FF2B5EF4-FFF2-40B4-BE49-F238E27FC236}">
+                <a16:creationId xmlns:a16="http://schemas.microsoft.com/office/drawing/2014/main" id="{8172FA4A-3244-4EFB-AB25-C60D1005FDD6}"/>
+              </a:ext>
+            </a:extLst>
+          </p:cNvPr>
+          <p:cNvSpPr txBox="1"/>
+          <p:nvPr/>
+        </p:nvSpPr>
+        <p:spPr>
+          <a:xfrm>
+            <a:off x="7518788" y="5524659"/>
+            <a:ext cx="2293448" cy="400110"/>
+          </a:xfrm>
+          <a:prstGeom prst="rect">
+            <a:avLst/>
+          </a:prstGeom>
+          <a:noFill/>
+        </p:spPr>
+        <p:txBody>
+          <a:bodyPr wrap="none" rtlCol="0">
+            <a:spAutoFit/>
+          </a:bodyPr>
+          <a:lstStyle/>
+          <a:p>
+            <a:pPr algn="ctr"/>
+            <a:r>
+              <a:rPr lang="en-US" altLang="ko-KR" sz="2000" spc="-150" dirty="0">
+                <a:ln>
+                  <a:solidFill>
+                    <a:schemeClr val="tx1">
+                      <a:alpha val="40000"/>
+                    </a:schemeClr>
+                  </a:solidFill>
+                </a:ln>
+                <a:latin typeface="나눔스퀘어_ac" panose="020B0600000101010101" pitchFamily="50" charset="-127"/>
+                <a:ea typeface="나눔스퀘어_ac" panose="020B0600000101010101" pitchFamily="50" charset="-127"/>
+              </a:rPr>
+              <a:t>Shadow And Lighting</a:t>
+            </a:r>
+            <a:endParaRPr lang="ko-KR" altLang="en-US" sz="2000" spc="-150" dirty="0">
+              <a:ln>
+                <a:solidFill>
+                  <a:schemeClr val="tx1">
+                    <a:alpha val="40000"/>
+                  </a:schemeClr>
+                </a:solidFill>
+              </a:ln>
+              <a:latin typeface="나눔스퀘어_ac" panose="020B0600000101010101" pitchFamily="50" charset="-127"/>
+              <a:ea typeface="나눔스퀘어_ac" panose="020B0600000101010101" pitchFamily="50" charset="-127"/>
+            </a:endParaRPr>
+          </a:p>
+        </p:txBody>
+      </p:sp>
       <p:pic>
         <p:nvPicPr>
-          <p:cNvPr id="2" name="그림 1">
-            <a:extLst>
-              <a:ext uri="{FF2B5EF4-FFF2-40B4-BE49-F238E27FC236}">
-                <a16:creationId xmlns:a16="http://schemas.microsoft.com/office/drawing/2014/main" id="{33BE5846-7B1A-405D-AC1E-F49A0C0453AF}"/>
+          <p:cNvPr id="3" name="그림 2">
+            <a:extLst>
+              <a:ext uri="{FF2B5EF4-FFF2-40B4-BE49-F238E27FC236}">
+                <a16:creationId xmlns:a16="http://schemas.microsoft.com/office/drawing/2014/main" id="{740524D0-C394-4F5F-BEB9-99F1F374C4AC}"/>
               </a:ext>
             </a:extLst>
           </p:cNvPr>
@@ -8312,8 +8195,8 @@
         </p:blipFill>
         <p:spPr>
           <a:xfrm>
-            <a:off x="300038" y="2353865"/>
-            <a:ext cx="4160079" cy="3100387"/>
+            <a:off x="1701276" y="1188378"/>
+            <a:ext cx="2972183" cy="2161927"/>
           </a:xfrm>
           <a:prstGeom prst="rect">
             <a:avLst/>
@@ -8322,10 +8205,10 @@
       </p:pic>
       <p:pic>
         <p:nvPicPr>
-          <p:cNvPr id="3" name="그림 2">
-            <a:extLst>
-              <a:ext uri="{FF2B5EF4-FFF2-40B4-BE49-F238E27FC236}">
-                <a16:creationId xmlns:a16="http://schemas.microsoft.com/office/drawing/2014/main" id="{4FCF99DF-C9E7-4A0A-A8FD-C1D0FCDDD6AD}"/>
+          <p:cNvPr id="4" name="그림 3">
+            <a:extLst>
+              <a:ext uri="{FF2B5EF4-FFF2-40B4-BE49-F238E27FC236}">
+                <a16:creationId xmlns:a16="http://schemas.microsoft.com/office/drawing/2014/main" id="{1B5F5581-A2AE-4F3D-A485-0265F3084AD0}"/>
               </a:ext>
             </a:extLst>
           </p:cNvPr>
@@ -8342,8 +8225,8 @@
         </p:blipFill>
         <p:spPr>
           <a:xfrm>
-            <a:off x="7891463" y="2334766"/>
-            <a:ext cx="4160079" cy="3138584"/>
+            <a:off x="368696" y="3910852"/>
+            <a:ext cx="1847850" cy="1739153"/>
           </a:xfrm>
           <a:prstGeom prst="rect">
             <a:avLst/>
@@ -8352,10 +8235,10 @@
       </p:pic>
       <p:pic>
         <p:nvPicPr>
-          <p:cNvPr id="4" name="그림 3">
-            <a:extLst>
-              <a:ext uri="{FF2B5EF4-FFF2-40B4-BE49-F238E27FC236}">
-                <a16:creationId xmlns:a16="http://schemas.microsoft.com/office/drawing/2014/main" id="{4B3B2D7D-6D7F-45C2-BA83-CA110F5D8A23}"/>
+          <p:cNvPr id="5" name="그림 4">
+            <a:extLst>
+              <a:ext uri="{FF2B5EF4-FFF2-40B4-BE49-F238E27FC236}">
+                <a16:creationId xmlns:a16="http://schemas.microsoft.com/office/drawing/2014/main" id="{19642975-0396-4A6D-AB18-E1A4DD2E262E}"/>
               </a:ext>
             </a:extLst>
           </p:cNvPr>
@@ -8372,18 +8255,337 @@
         </p:blipFill>
         <p:spPr>
           <a:xfrm>
-            <a:off x="4568265" y="2334766"/>
-            <a:ext cx="3215049" cy="3124858"/>
+            <a:off x="2212905" y="4065015"/>
+            <a:ext cx="1847850" cy="1713298"/>
           </a:xfrm>
           <a:prstGeom prst="rect">
             <a:avLst/>
           </a:prstGeom>
         </p:spPr>
       </p:pic>
+      <p:pic>
+        <p:nvPicPr>
+          <p:cNvPr id="14" name="그림 13">
+            <a:extLst>
+              <a:ext uri="{FF2B5EF4-FFF2-40B4-BE49-F238E27FC236}">
+                <a16:creationId xmlns:a16="http://schemas.microsoft.com/office/drawing/2014/main" id="{D2793069-2E4E-49F5-BE35-76D1D042DC55}"/>
+              </a:ext>
+            </a:extLst>
+          </p:cNvPr>
+          <p:cNvPicPr>
+            <a:picLocks noChangeAspect="1"/>
+          </p:cNvPicPr>
+          <p:nvPr/>
+        </p:nvPicPr>
+        <p:blipFill>
+          <a:blip r:embed="rId5"/>
+          <a:stretch>
+            <a:fillRect/>
+          </a:stretch>
+        </p:blipFill>
+        <p:spPr>
+          <a:xfrm>
+            <a:off x="4085768" y="4115301"/>
+            <a:ext cx="1588811" cy="1492756"/>
+          </a:xfrm>
+          <a:prstGeom prst="rect">
+            <a:avLst/>
+          </a:prstGeom>
+        </p:spPr>
+      </p:pic>
+      <p:pic>
+        <p:nvPicPr>
+          <p:cNvPr id="15" name="그림 14">
+            <a:extLst>
+              <a:ext uri="{FF2B5EF4-FFF2-40B4-BE49-F238E27FC236}">
+                <a16:creationId xmlns:a16="http://schemas.microsoft.com/office/drawing/2014/main" id="{13D52940-B612-43D7-B0F0-7A980BFF5BEF}"/>
+              </a:ext>
+            </a:extLst>
+          </p:cNvPr>
+          <p:cNvPicPr>
+            <a:picLocks noChangeAspect="1"/>
+          </p:cNvPicPr>
+          <p:nvPr/>
+        </p:nvPicPr>
+        <p:blipFill>
+          <a:blip r:embed="rId6"/>
+          <a:stretch>
+            <a:fillRect/>
+          </a:stretch>
+        </p:blipFill>
+        <p:spPr>
+          <a:xfrm>
+            <a:off x="6078492" y="1346897"/>
+            <a:ext cx="5358108" cy="4006816"/>
+          </a:xfrm>
+          <a:prstGeom prst="rect">
+            <a:avLst/>
+          </a:prstGeom>
+        </p:spPr>
+      </p:pic>
+      <p:sp>
+        <p:nvSpPr>
+          <p:cNvPr id="16" name="TextBox 15">
+            <a:extLst>
+              <a:ext uri="{FF2B5EF4-FFF2-40B4-BE49-F238E27FC236}">
+                <a16:creationId xmlns:a16="http://schemas.microsoft.com/office/drawing/2014/main" id="{F3296006-4DF3-40A2-9D8B-7D5805D08666}"/>
+              </a:ext>
+            </a:extLst>
+          </p:cNvPr>
+          <p:cNvSpPr txBox="1"/>
+          <p:nvPr/>
+        </p:nvSpPr>
+        <p:spPr>
+          <a:xfrm>
+            <a:off x="686301" y="5706566"/>
+            <a:ext cx="1269899" cy="400110"/>
+          </a:xfrm>
+          <a:prstGeom prst="rect">
+            <a:avLst/>
+          </a:prstGeom>
+          <a:noFill/>
+        </p:spPr>
+        <p:txBody>
+          <a:bodyPr wrap="none" rtlCol="0">
+            <a:spAutoFit/>
+          </a:bodyPr>
+          <a:lstStyle/>
+          <a:p>
+            <a:pPr algn="ctr"/>
+            <a:r>
+              <a:rPr lang="en-US" altLang="ko-KR" sz="2000" spc="-150" dirty="0" err="1">
+                <a:ln>
+                  <a:solidFill>
+                    <a:schemeClr val="tx1">
+                      <a:alpha val="40000"/>
+                    </a:schemeClr>
+                  </a:solidFill>
+                </a:ln>
+                <a:latin typeface="나눔스퀘어_ac" panose="020B0600000101010101" pitchFamily="50" charset="-127"/>
+                <a:ea typeface="나눔스퀘어_ac" panose="020B0600000101010101" pitchFamily="50" charset="-127"/>
+              </a:rPr>
+              <a:t>Dist</a:t>
+            </a:r>
+            <a:r>
+              <a:rPr lang="en-US" altLang="ko-KR" sz="2000" spc="-150" dirty="0">
+                <a:ln>
+                  <a:solidFill>
+                    <a:schemeClr val="tx1">
+                      <a:alpha val="40000"/>
+                    </a:schemeClr>
+                  </a:solidFill>
+                </a:ln>
+                <a:latin typeface="나눔스퀘어_ac" panose="020B0600000101010101" pitchFamily="50" charset="-127"/>
+                <a:ea typeface="나눔스퀘어_ac" panose="020B0600000101010101" pitchFamily="50" charset="-127"/>
+              </a:rPr>
+              <a:t>(0~25)</a:t>
+            </a:r>
+            <a:endParaRPr lang="ko-KR" altLang="en-US" sz="2000" spc="-150" dirty="0">
+              <a:ln>
+                <a:solidFill>
+                  <a:schemeClr val="tx1">
+                    <a:alpha val="40000"/>
+                  </a:schemeClr>
+                </a:solidFill>
+              </a:ln>
+              <a:latin typeface="나눔스퀘어_ac" panose="020B0600000101010101" pitchFamily="50" charset="-127"/>
+              <a:ea typeface="나눔스퀘어_ac" panose="020B0600000101010101" pitchFamily="50" charset="-127"/>
+            </a:endParaRPr>
+          </a:p>
+        </p:txBody>
+      </p:sp>
+      <p:sp>
+        <p:nvSpPr>
+          <p:cNvPr id="17" name="TextBox 16">
+            <a:extLst>
+              <a:ext uri="{FF2B5EF4-FFF2-40B4-BE49-F238E27FC236}">
+                <a16:creationId xmlns:a16="http://schemas.microsoft.com/office/drawing/2014/main" id="{B84F7233-9B94-45AA-BDC6-9A37EE84A5EF}"/>
+              </a:ext>
+            </a:extLst>
+          </p:cNvPr>
+          <p:cNvSpPr txBox="1"/>
+          <p:nvPr/>
+        </p:nvSpPr>
+        <p:spPr>
+          <a:xfrm>
+            <a:off x="2406463" y="5706566"/>
+            <a:ext cx="1494320" cy="400110"/>
+          </a:xfrm>
+          <a:prstGeom prst="rect">
+            <a:avLst/>
+          </a:prstGeom>
+          <a:noFill/>
+        </p:spPr>
+        <p:txBody>
+          <a:bodyPr wrap="none" rtlCol="0">
+            <a:spAutoFit/>
+          </a:bodyPr>
+          <a:lstStyle/>
+          <a:p>
+            <a:pPr algn="ctr"/>
+            <a:r>
+              <a:rPr lang="en-US" altLang="ko-KR" sz="2000" spc="-150" dirty="0" err="1">
+                <a:ln>
+                  <a:solidFill>
+                    <a:schemeClr val="tx1">
+                      <a:alpha val="40000"/>
+                    </a:schemeClr>
+                  </a:solidFill>
+                </a:ln>
+                <a:latin typeface="나눔스퀘어_ac" panose="020B0600000101010101" pitchFamily="50" charset="-127"/>
+                <a:ea typeface="나눔스퀘어_ac" panose="020B0600000101010101" pitchFamily="50" charset="-127"/>
+              </a:rPr>
+              <a:t>Dist</a:t>
+            </a:r>
+            <a:r>
+              <a:rPr lang="en-US" altLang="ko-KR" sz="2000" spc="-150" dirty="0">
+                <a:ln>
+                  <a:solidFill>
+                    <a:schemeClr val="tx1">
+                      <a:alpha val="40000"/>
+                    </a:schemeClr>
+                  </a:solidFill>
+                </a:ln>
+                <a:latin typeface="나눔스퀘어_ac" panose="020B0600000101010101" pitchFamily="50" charset="-127"/>
+                <a:ea typeface="나눔스퀘어_ac" panose="020B0600000101010101" pitchFamily="50" charset="-127"/>
+              </a:rPr>
+              <a:t>(25~100)</a:t>
+            </a:r>
+            <a:endParaRPr lang="ko-KR" altLang="en-US" sz="2000" spc="-150" dirty="0">
+              <a:ln>
+                <a:solidFill>
+                  <a:schemeClr val="tx1">
+                    <a:alpha val="40000"/>
+                  </a:schemeClr>
+                </a:solidFill>
+              </a:ln>
+              <a:latin typeface="나눔스퀘어_ac" panose="020B0600000101010101" pitchFamily="50" charset="-127"/>
+              <a:ea typeface="나눔스퀘어_ac" panose="020B0600000101010101" pitchFamily="50" charset="-127"/>
+            </a:endParaRPr>
+          </a:p>
+        </p:txBody>
+      </p:sp>
+      <p:sp>
+        <p:nvSpPr>
+          <p:cNvPr id="18" name="TextBox 17">
+            <a:extLst>
+              <a:ext uri="{FF2B5EF4-FFF2-40B4-BE49-F238E27FC236}">
+                <a16:creationId xmlns:a16="http://schemas.microsoft.com/office/drawing/2014/main" id="{CB2F830D-3DCA-4DBC-B25B-C44C1884FB91}"/>
+              </a:ext>
+            </a:extLst>
+          </p:cNvPr>
+          <p:cNvSpPr txBox="1"/>
+          <p:nvPr/>
+        </p:nvSpPr>
+        <p:spPr>
+          <a:xfrm>
+            <a:off x="4065687" y="5714295"/>
+            <a:ext cx="1628972" cy="400110"/>
+          </a:xfrm>
+          <a:prstGeom prst="rect">
+            <a:avLst/>
+          </a:prstGeom>
+          <a:noFill/>
+        </p:spPr>
+        <p:txBody>
+          <a:bodyPr wrap="none" rtlCol="0">
+            <a:spAutoFit/>
+          </a:bodyPr>
+          <a:lstStyle/>
+          <a:p>
+            <a:pPr algn="ctr"/>
+            <a:r>
+              <a:rPr lang="en-US" altLang="ko-KR" sz="2000" spc="-150" dirty="0" err="1">
+                <a:ln>
+                  <a:solidFill>
+                    <a:schemeClr val="tx1">
+                      <a:alpha val="40000"/>
+                    </a:schemeClr>
+                  </a:solidFill>
+                </a:ln>
+                <a:latin typeface="나눔스퀘어_ac" panose="020B0600000101010101" pitchFamily="50" charset="-127"/>
+                <a:ea typeface="나눔스퀘어_ac" panose="020B0600000101010101" pitchFamily="50" charset="-127"/>
+              </a:rPr>
+              <a:t>Dist</a:t>
+            </a:r>
+            <a:r>
+              <a:rPr lang="en-US" altLang="ko-KR" sz="2000" spc="-150" dirty="0">
+                <a:ln>
+                  <a:solidFill>
+                    <a:schemeClr val="tx1">
+                      <a:alpha val="40000"/>
+                    </a:schemeClr>
+                  </a:solidFill>
+                </a:ln>
+                <a:latin typeface="나눔스퀘어_ac" panose="020B0600000101010101" pitchFamily="50" charset="-127"/>
+                <a:ea typeface="나눔스퀘어_ac" panose="020B0600000101010101" pitchFamily="50" charset="-127"/>
+              </a:rPr>
+              <a:t>(100~300)</a:t>
+            </a:r>
+            <a:endParaRPr lang="ko-KR" altLang="en-US" sz="2000" spc="-150" dirty="0">
+              <a:ln>
+                <a:solidFill>
+                  <a:schemeClr val="tx1">
+                    <a:alpha val="40000"/>
+                  </a:schemeClr>
+                </a:solidFill>
+              </a:ln>
+              <a:latin typeface="나눔스퀘어_ac" panose="020B0600000101010101" pitchFamily="50" charset="-127"/>
+              <a:ea typeface="나눔스퀘어_ac" panose="020B0600000101010101" pitchFamily="50" charset="-127"/>
+            </a:endParaRPr>
+          </a:p>
+        </p:txBody>
+      </p:sp>
+      <p:sp>
+        <p:nvSpPr>
+          <p:cNvPr id="19" name="TextBox 18">
+            <a:extLst>
+              <a:ext uri="{FF2B5EF4-FFF2-40B4-BE49-F238E27FC236}">
+                <a16:creationId xmlns:a16="http://schemas.microsoft.com/office/drawing/2014/main" id="{6B86DC30-0550-4136-A1CF-0CF100F8A9E5}"/>
+              </a:ext>
+            </a:extLst>
+          </p:cNvPr>
+          <p:cNvSpPr txBox="1"/>
+          <p:nvPr/>
+        </p:nvSpPr>
+        <p:spPr>
+          <a:xfrm>
+            <a:off x="4961282" y="3885951"/>
+            <a:ext cx="745717" cy="246221"/>
+          </a:xfrm>
+          <a:prstGeom prst="rect">
+            <a:avLst/>
+          </a:prstGeom>
+          <a:noFill/>
+        </p:spPr>
+        <p:txBody>
+          <a:bodyPr wrap="none" rtlCol="0">
+            <a:spAutoFit/>
+          </a:bodyPr>
+          <a:lstStyle/>
+          <a:p>
+            <a:pPr algn="ctr"/>
+            <a:r>
+              <a:rPr lang="ko-KR" altLang="en-US" sz="1000" spc="-150" dirty="0">
+                <a:ln>
+                  <a:solidFill>
+                    <a:schemeClr val="tx1">
+                      <a:alpha val="40000"/>
+                    </a:schemeClr>
+                  </a:solidFill>
+                </a:ln>
+                <a:latin typeface="나눔스퀘어_ac" panose="020B0600000101010101" pitchFamily="50" charset="-127"/>
+                <a:ea typeface="나눔스퀘어_ac" panose="020B0600000101010101" pitchFamily="50" charset="-127"/>
+              </a:rPr>
+              <a:t>사용되지 않음</a:t>
+            </a:r>
+          </a:p>
+        </p:txBody>
+      </p:sp>
     </p:spTree>
     <p:extLst>
       <p:ext uri="{BB962C8B-B14F-4D97-AF65-F5344CB8AC3E}">
-        <p14:creationId xmlns:p14="http://schemas.microsoft.com/office/powerpoint/2010/main" val="2570505543"/>
+        <p14:creationId xmlns:p14="http://schemas.microsoft.com/office/powerpoint/2010/main" val="118377360"/>
       </p:ext>
     </p:extLst>
   </p:cSld>
@@ -8456,343 +8658,19 @@
           </a:lstStyle>
           <a:p>
             <a:r>
-              <a:rPr lang="en-US" altLang="ko-KR" spc="600"/>
+              <a:rPr lang="en-US" altLang="ko-KR" spc="600" dirty="0"/>
               <a:t>Volumetric Light Scattering</a:t>
             </a:r>
             <a:endParaRPr lang="ko-KR" altLang="en-US" spc="600" dirty="0"/>
           </a:p>
         </p:txBody>
       </p:sp>
-      <p:pic>
-        <p:nvPicPr>
-          <p:cNvPr id="6" name="그림 5">
-            <a:extLst>
-              <a:ext uri="{FF2B5EF4-FFF2-40B4-BE49-F238E27FC236}">
-                <a16:creationId xmlns:a16="http://schemas.microsoft.com/office/drawing/2014/main" id="{80212CAF-B291-4D75-BF55-070C73B1C8BA}"/>
-              </a:ext>
-            </a:extLst>
-          </p:cNvPr>
-          <p:cNvPicPr>
-            <a:picLocks noChangeAspect="1"/>
-          </p:cNvPicPr>
-          <p:nvPr/>
-        </p:nvPicPr>
-        <p:blipFill>
-          <a:blip r:embed="rId2"/>
-          <a:stretch>
-            <a:fillRect/>
-          </a:stretch>
-        </p:blipFill>
-        <p:spPr>
-          <a:xfrm>
-            <a:off x="368922" y="885000"/>
-            <a:ext cx="3053729" cy="2262786"/>
-          </a:xfrm>
-          <a:prstGeom prst="rect">
-            <a:avLst/>
-          </a:prstGeom>
-        </p:spPr>
-      </p:pic>
-      <p:pic>
-        <p:nvPicPr>
-          <p:cNvPr id="7" name="그림 6">
-            <a:extLst>
-              <a:ext uri="{FF2B5EF4-FFF2-40B4-BE49-F238E27FC236}">
-                <a16:creationId xmlns:a16="http://schemas.microsoft.com/office/drawing/2014/main" id="{4CFF0BE3-5B16-4F44-AF35-2E1B11F3BD8A}"/>
-              </a:ext>
-            </a:extLst>
-          </p:cNvPr>
-          <p:cNvPicPr>
-            <a:picLocks noChangeAspect="1"/>
-          </p:cNvPicPr>
-          <p:nvPr/>
-        </p:nvPicPr>
-        <p:blipFill>
-          <a:blip r:embed="rId3"/>
-          <a:stretch>
-            <a:fillRect/>
-          </a:stretch>
-        </p:blipFill>
-        <p:spPr>
-          <a:xfrm>
-            <a:off x="4439838" y="885000"/>
-            <a:ext cx="3033675" cy="2262786"/>
-          </a:xfrm>
-          <a:prstGeom prst="rect">
-            <a:avLst/>
-          </a:prstGeom>
-        </p:spPr>
-      </p:pic>
-      <p:pic>
-        <p:nvPicPr>
-          <p:cNvPr id="11" name="그림 10">
-            <a:extLst>
-              <a:ext uri="{FF2B5EF4-FFF2-40B4-BE49-F238E27FC236}">
-                <a16:creationId xmlns:a16="http://schemas.microsoft.com/office/drawing/2014/main" id="{06DD4847-FF00-4824-9018-8C56EC0B5252}"/>
-              </a:ext>
-            </a:extLst>
-          </p:cNvPr>
-          <p:cNvPicPr>
-            <a:picLocks noChangeAspect="1"/>
-          </p:cNvPicPr>
-          <p:nvPr/>
-        </p:nvPicPr>
-        <p:blipFill>
-          <a:blip r:embed="rId4"/>
-          <a:stretch>
-            <a:fillRect/>
-          </a:stretch>
-        </p:blipFill>
-        <p:spPr>
-          <a:xfrm>
-            <a:off x="8601118" y="2568886"/>
-            <a:ext cx="3025337" cy="2262786"/>
-          </a:xfrm>
-          <a:prstGeom prst="rect">
-            <a:avLst/>
-          </a:prstGeom>
-        </p:spPr>
-      </p:pic>
-      <p:pic>
-        <p:nvPicPr>
-          <p:cNvPr id="12" name="그림 11">
-            <a:extLst>
-              <a:ext uri="{FF2B5EF4-FFF2-40B4-BE49-F238E27FC236}">
-                <a16:creationId xmlns:a16="http://schemas.microsoft.com/office/drawing/2014/main" id="{96F797F8-8E6A-4212-AA25-CD176C3796AF}"/>
-              </a:ext>
-            </a:extLst>
-          </p:cNvPr>
-          <p:cNvPicPr>
-            <a:picLocks noChangeAspect="1"/>
-          </p:cNvPicPr>
-          <p:nvPr/>
-        </p:nvPicPr>
-        <p:blipFill>
-          <a:blip r:embed="rId5"/>
-          <a:stretch>
-            <a:fillRect/>
-          </a:stretch>
-        </p:blipFill>
-        <p:spPr>
-          <a:xfrm>
-            <a:off x="4439838" y="4072323"/>
-            <a:ext cx="3053729" cy="2272902"/>
-          </a:xfrm>
-          <a:prstGeom prst="rect">
-            <a:avLst/>
-          </a:prstGeom>
-        </p:spPr>
-      </p:pic>
-      <p:pic>
-        <p:nvPicPr>
-          <p:cNvPr id="13" name="그림 12">
-            <a:extLst>
-              <a:ext uri="{FF2B5EF4-FFF2-40B4-BE49-F238E27FC236}">
-                <a16:creationId xmlns:a16="http://schemas.microsoft.com/office/drawing/2014/main" id="{C5AC6961-D7B2-4050-9B93-11191A27CFF6}"/>
-              </a:ext>
-            </a:extLst>
-          </p:cNvPr>
-          <p:cNvPicPr>
-            <a:picLocks noChangeAspect="1"/>
-          </p:cNvPicPr>
-          <p:nvPr/>
-        </p:nvPicPr>
-        <p:blipFill>
-          <a:blip r:embed="rId6"/>
-          <a:stretch>
-            <a:fillRect/>
-          </a:stretch>
-        </p:blipFill>
-        <p:spPr>
-          <a:xfrm>
-            <a:off x="178425" y="4065572"/>
-            <a:ext cx="3053729" cy="2279653"/>
-          </a:xfrm>
-          <a:prstGeom prst="rect">
-            <a:avLst/>
-          </a:prstGeom>
-        </p:spPr>
-      </p:pic>
-      <p:cxnSp>
-        <p:nvCxnSpPr>
-          <p:cNvPr id="15" name="직선 화살표 연결선 14">
-            <a:extLst>
-              <a:ext uri="{FF2B5EF4-FFF2-40B4-BE49-F238E27FC236}">
-                <a16:creationId xmlns:a16="http://schemas.microsoft.com/office/drawing/2014/main" id="{36721918-8598-4A09-ADCC-B0E99B307BEF}"/>
-              </a:ext>
-            </a:extLst>
-          </p:cNvPr>
-          <p:cNvCxnSpPr/>
-          <p:nvPr/>
-        </p:nvCxnSpPr>
-        <p:spPr>
-          <a:xfrm>
-            <a:off x="3571222" y="2033361"/>
-            <a:ext cx="657225" cy="0"/>
-          </a:xfrm>
-          <a:prstGeom prst="straightConnector1">
-            <a:avLst/>
-          </a:prstGeom>
-          <a:ln w="38100">
-            <a:solidFill>
-              <a:schemeClr val="tx1"/>
-            </a:solidFill>
-            <a:tailEnd type="triangle" w="lg" len="med"/>
-          </a:ln>
-        </p:spPr>
-        <p:style>
-          <a:lnRef idx="1">
-            <a:schemeClr val="accent1"/>
-          </a:lnRef>
-          <a:fillRef idx="0">
-            <a:schemeClr val="accent1"/>
-          </a:fillRef>
-          <a:effectRef idx="0">
-            <a:schemeClr val="accent1"/>
-          </a:effectRef>
-          <a:fontRef idx="minor">
-            <a:schemeClr val="tx1"/>
-          </a:fontRef>
-        </p:style>
-      </p:cxnSp>
-      <p:cxnSp>
-        <p:nvCxnSpPr>
-          <p:cNvPr id="21" name="직선 화살표 연결선 20">
-            <a:extLst>
-              <a:ext uri="{FF2B5EF4-FFF2-40B4-BE49-F238E27FC236}">
-                <a16:creationId xmlns:a16="http://schemas.microsoft.com/office/drawing/2014/main" id="{F2F5AB0D-596D-4D84-BAF7-7EE9B029E273}"/>
-              </a:ext>
-            </a:extLst>
-          </p:cNvPr>
-          <p:cNvCxnSpPr>
-            <a:cxnSpLocks/>
-          </p:cNvCxnSpPr>
-          <p:nvPr/>
-        </p:nvCxnSpPr>
-        <p:spPr>
-          <a:xfrm>
-            <a:off x="7648575" y="2314575"/>
-            <a:ext cx="865110" cy="623934"/>
-          </a:xfrm>
-          <a:prstGeom prst="straightConnector1">
-            <a:avLst/>
-          </a:prstGeom>
-          <a:ln w="38100">
-            <a:solidFill>
-              <a:schemeClr val="tx1"/>
-            </a:solidFill>
-            <a:tailEnd type="triangle" w="lg" len="med"/>
-          </a:ln>
-        </p:spPr>
-        <p:style>
-          <a:lnRef idx="1">
-            <a:schemeClr val="accent1"/>
-          </a:lnRef>
-          <a:fillRef idx="0">
-            <a:schemeClr val="accent1"/>
-          </a:fillRef>
-          <a:effectRef idx="0">
-            <a:schemeClr val="accent1"/>
-          </a:effectRef>
-          <a:fontRef idx="minor">
-            <a:schemeClr val="tx1"/>
-          </a:fontRef>
-        </p:style>
-      </p:cxnSp>
-      <p:cxnSp>
-        <p:nvCxnSpPr>
-          <p:cNvPr id="23" name="직선 화살표 연결선 22">
-            <a:extLst>
-              <a:ext uri="{FF2B5EF4-FFF2-40B4-BE49-F238E27FC236}">
-                <a16:creationId xmlns:a16="http://schemas.microsoft.com/office/drawing/2014/main" id="{B289B0EF-0D32-4A46-8C3D-4F5241D4C4F7}"/>
-              </a:ext>
-            </a:extLst>
-          </p:cNvPr>
-          <p:cNvCxnSpPr>
-            <a:cxnSpLocks/>
-          </p:cNvCxnSpPr>
-          <p:nvPr/>
-        </p:nvCxnSpPr>
-        <p:spPr>
-          <a:xfrm flipH="1">
-            <a:off x="7709158" y="4394447"/>
-            <a:ext cx="804527" cy="710213"/>
-          </a:xfrm>
-          <a:prstGeom prst="straightConnector1">
-            <a:avLst/>
-          </a:prstGeom>
-          <a:ln w="38100">
-            <a:solidFill>
-              <a:schemeClr val="tx1"/>
-            </a:solidFill>
-            <a:tailEnd type="triangle" w="lg" len="med"/>
-          </a:ln>
-        </p:spPr>
-        <p:style>
-          <a:lnRef idx="1">
-            <a:schemeClr val="accent1"/>
-          </a:lnRef>
-          <a:fillRef idx="0">
-            <a:schemeClr val="accent1"/>
-          </a:fillRef>
-          <a:effectRef idx="0">
-            <a:schemeClr val="accent1"/>
-          </a:effectRef>
-          <a:fontRef idx="minor">
-            <a:schemeClr val="tx1"/>
-          </a:fontRef>
-        </p:style>
-      </p:cxnSp>
-      <p:cxnSp>
-        <p:nvCxnSpPr>
-          <p:cNvPr id="25" name="직선 화살표 연결선 24">
-            <a:extLst>
-              <a:ext uri="{FF2B5EF4-FFF2-40B4-BE49-F238E27FC236}">
-                <a16:creationId xmlns:a16="http://schemas.microsoft.com/office/drawing/2014/main" id="{CAA12594-85A9-4916-B17E-93B9DA127EBC}"/>
-              </a:ext>
-            </a:extLst>
-          </p:cNvPr>
-          <p:cNvCxnSpPr>
-            <a:cxnSpLocks/>
-          </p:cNvCxnSpPr>
-          <p:nvPr/>
-        </p:nvCxnSpPr>
-        <p:spPr>
-          <a:xfrm flipH="1">
-            <a:off x="3396942" y="5205398"/>
-            <a:ext cx="904875" cy="0"/>
-          </a:xfrm>
-          <a:prstGeom prst="straightConnector1">
-            <a:avLst/>
-          </a:prstGeom>
-          <a:ln w="38100">
-            <a:solidFill>
-              <a:schemeClr val="tx1"/>
-            </a:solidFill>
-            <a:tailEnd type="triangle" w="lg" len="med"/>
-          </a:ln>
-        </p:spPr>
-        <p:style>
-          <a:lnRef idx="1">
-            <a:schemeClr val="accent1"/>
-          </a:lnRef>
-          <a:fillRef idx="0">
-            <a:schemeClr val="accent1"/>
-          </a:fillRef>
-          <a:effectRef idx="0">
-            <a:schemeClr val="accent1"/>
-          </a:effectRef>
-          <a:fontRef idx="minor">
-            <a:schemeClr val="tx1"/>
-          </a:fontRef>
-        </p:style>
-      </p:cxnSp>
-      <p:sp>
-        <p:nvSpPr>
-          <p:cNvPr id="27" name="TextBox 26">
-            <a:extLst>
-              <a:ext uri="{FF2B5EF4-FFF2-40B4-BE49-F238E27FC236}">
-                <a16:creationId xmlns:a16="http://schemas.microsoft.com/office/drawing/2014/main" id="{603EDE1B-3000-4ADF-8E4F-1FB9F8F21C8D}"/>
+      <p:sp>
+        <p:nvSpPr>
+          <p:cNvPr id="5" name="TextBox 4">
+            <a:extLst>
+              <a:ext uri="{FF2B5EF4-FFF2-40B4-BE49-F238E27FC236}">
+                <a16:creationId xmlns:a16="http://schemas.microsoft.com/office/drawing/2014/main" id="{E8913AAF-2C36-4810-9727-155E882D716D}"/>
               </a:ext>
             </a:extLst>
           </p:cNvPr>
@@ -8801,8 +8679,8 @@
         </p:nvSpPr>
         <p:spPr>
           <a:xfrm>
-            <a:off x="393573" y="3228174"/>
-            <a:ext cx="2985177" cy="553998"/>
+            <a:off x="1501022" y="1803858"/>
+            <a:ext cx="1758110" cy="400110"/>
           </a:xfrm>
           <a:prstGeom prst="rect">
             <a:avLst/>
@@ -8817,177 +8695,20 @@
           <a:p>
             <a:pPr algn="ctr"/>
             <a:r>
-              <a:rPr lang="en-US" altLang="ko-KR" sz="1500" spc="-150" dirty="0">
-                <a:ln>
-                  <a:solidFill>
-                    <a:schemeClr val="tx1">
-                      <a:alpha val="40000"/>
-                    </a:schemeClr>
-                  </a:solidFill>
-                </a:ln>
-                <a:latin typeface="나눔스퀘어_ac" panose="020B0600000101010101" pitchFamily="50" charset="-127"/>
-                <a:ea typeface="나눔스퀘어_ac" panose="020B0600000101010101" pitchFamily="50" charset="-127"/>
-              </a:rPr>
-              <a:t>1. Light Volume</a:t>
-            </a:r>
-            <a:r>
-              <a:rPr lang="ko-KR" altLang="en-US" sz="1500" spc="-150" dirty="0">
-                <a:ln>
-                  <a:solidFill>
-                    <a:schemeClr val="tx1">
-                      <a:alpha val="40000"/>
-                    </a:schemeClr>
-                  </a:solidFill>
-                </a:ln>
-                <a:latin typeface="나눔스퀘어_ac" panose="020B0600000101010101" pitchFamily="50" charset="-127"/>
-                <a:ea typeface="나눔스퀘어_ac" panose="020B0600000101010101" pitchFamily="50" charset="-127"/>
-              </a:rPr>
-              <a:t>을 </a:t>
-            </a:r>
-            <a:r>
-              <a:rPr lang="en-US" altLang="ko-KR" sz="1500" spc="-150" dirty="0">
-                <a:ln>
-                  <a:solidFill>
-                    <a:schemeClr val="tx1">
-                      <a:alpha val="40000"/>
-                    </a:schemeClr>
-                  </a:solidFill>
-                </a:ln>
-                <a:latin typeface="나눔스퀘어_ac" panose="020B0600000101010101" pitchFamily="50" charset="-127"/>
-                <a:ea typeface="나눔스퀘어_ac" panose="020B0600000101010101" pitchFamily="50" charset="-127"/>
-              </a:rPr>
-              <a:t>Stencil</a:t>
-            </a:r>
-            <a:r>
-              <a:rPr lang="ko-KR" altLang="en-US" sz="1500" spc="-150" dirty="0">
-                <a:ln>
-                  <a:solidFill>
-                    <a:schemeClr val="tx1">
-                      <a:alpha val="40000"/>
-                    </a:schemeClr>
-                  </a:solidFill>
-                </a:ln>
-                <a:latin typeface="나눔스퀘어_ac" panose="020B0600000101010101" pitchFamily="50" charset="-127"/>
-                <a:ea typeface="나눔스퀘어_ac" panose="020B0600000101010101" pitchFamily="50" charset="-127"/>
-              </a:rPr>
-              <a:t> </a:t>
-            </a:r>
-            <a:r>
-              <a:rPr lang="en-US" altLang="ko-KR" sz="1500" spc="-150" dirty="0">
-                <a:ln>
-                  <a:solidFill>
-                    <a:schemeClr val="tx1">
-                      <a:alpha val="40000"/>
-                    </a:schemeClr>
-                  </a:solidFill>
-                </a:ln>
-                <a:latin typeface="나눔스퀘어_ac" panose="020B0600000101010101" pitchFamily="50" charset="-127"/>
-                <a:ea typeface="나눔스퀘어_ac" panose="020B0600000101010101" pitchFamily="50" charset="-127"/>
-              </a:rPr>
-              <a:t>Buffer</a:t>
-            </a:r>
-            <a:r>
-              <a:rPr lang="ko-KR" altLang="en-US" sz="1500" spc="-150" dirty="0">
-                <a:ln>
-                  <a:solidFill>
-                    <a:schemeClr val="tx1">
-                      <a:alpha val="40000"/>
-                    </a:schemeClr>
-                  </a:solidFill>
-                </a:ln>
-                <a:latin typeface="나눔스퀘어_ac" panose="020B0600000101010101" pitchFamily="50" charset="-127"/>
-                <a:ea typeface="나눔스퀘어_ac" panose="020B0600000101010101" pitchFamily="50" charset="-127"/>
-              </a:rPr>
-              <a:t>에 그린다</a:t>
-            </a:r>
-            <a:r>
-              <a:rPr lang="en-US" altLang="ko-KR" sz="1500" spc="-150" dirty="0">
-                <a:ln>
-                  <a:solidFill>
-                    <a:schemeClr val="tx1">
-                      <a:alpha val="40000"/>
-                    </a:schemeClr>
-                  </a:solidFill>
-                </a:ln>
-                <a:latin typeface="나눔스퀘어_ac" panose="020B0600000101010101" pitchFamily="50" charset="-127"/>
-                <a:ea typeface="나눔스퀘어_ac" panose="020B0600000101010101" pitchFamily="50" charset="-127"/>
-              </a:rPr>
-              <a:t>.</a:t>
-            </a:r>
-          </a:p>
-          <a:p>
-            <a:pPr algn="ctr"/>
-            <a:r>
-              <a:rPr lang="en-US" altLang="ko-KR" sz="1500" spc="-150" dirty="0">
-                <a:ln>
-                  <a:solidFill>
-                    <a:schemeClr val="tx1">
-                      <a:alpha val="40000"/>
-                    </a:schemeClr>
-                  </a:solidFill>
-                </a:ln>
-                <a:latin typeface="나눔스퀘어_ac" panose="020B0600000101010101" pitchFamily="50" charset="-127"/>
-                <a:ea typeface="나눔스퀘어_ac" panose="020B0600000101010101" pitchFamily="50" charset="-127"/>
-              </a:rPr>
-              <a:t>(</a:t>
-            </a:r>
-            <a:r>
-              <a:rPr lang="ko-KR" altLang="en-US" sz="1500" spc="-150" dirty="0">
-                <a:ln>
-                  <a:solidFill>
-                    <a:schemeClr val="tx1">
-                      <a:alpha val="40000"/>
-                    </a:schemeClr>
-                  </a:solidFill>
-                </a:ln>
-                <a:latin typeface="나눔스퀘어_ac" panose="020B0600000101010101" pitchFamily="50" charset="-127"/>
-                <a:ea typeface="나눔스퀘어_ac" panose="020B0600000101010101" pitchFamily="50" charset="-127"/>
-              </a:rPr>
-              <a:t>단</a:t>
-            </a:r>
-            <a:r>
-              <a:rPr lang="en-US" altLang="ko-KR" sz="1500" spc="-150" dirty="0">
-                <a:ln>
-                  <a:solidFill>
-                    <a:schemeClr val="tx1">
-                      <a:alpha val="40000"/>
-                    </a:schemeClr>
-                  </a:solidFill>
-                </a:ln>
-                <a:latin typeface="나눔스퀘어_ac" panose="020B0600000101010101" pitchFamily="50" charset="-127"/>
-                <a:ea typeface="나눔스퀘어_ac" panose="020B0600000101010101" pitchFamily="50" charset="-127"/>
-              </a:rPr>
-              <a:t>, </a:t>
-            </a:r>
-            <a:r>
-              <a:rPr lang="ko-KR" altLang="en-US" sz="1500" spc="-150" dirty="0">
-                <a:ln>
-                  <a:solidFill>
-                    <a:schemeClr val="tx1">
-                      <a:alpha val="40000"/>
-                    </a:schemeClr>
-                  </a:solidFill>
-                </a:ln>
-                <a:latin typeface="나눔스퀘어_ac" panose="020B0600000101010101" pitchFamily="50" charset="-127"/>
-                <a:ea typeface="나눔스퀘어_ac" panose="020B0600000101010101" pitchFamily="50" charset="-127"/>
-              </a:rPr>
-              <a:t>뒷면만을 그린다</a:t>
-            </a:r>
-            <a:r>
-              <a:rPr lang="en-US" altLang="ko-KR" sz="1500" spc="-150" dirty="0">
-                <a:ln>
-                  <a:solidFill>
-                    <a:schemeClr val="tx1">
-                      <a:alpha val="40000"/>
-                    </a:schemeClr>
-                  </a:solidFill>
-                </a:ln>
-                <a:latin typeface="나눔스퀘어_ac" panose="020B0600000101010101" pitchFamily="50" charset="-127"/>
-                <a:ea typeface="나눔스퀘어_ac" panose="020B0600000101010101" pitchFamily="50" charset="-127"/>
-              </a:rPr>
-              <a:t>.)</a:t>
-            </a:r>
-            <a:endParaRPr lang="ko-KR" altLang="en-US" sz="1500" spc="-150" dirty="0">
+              <a:rPr lang="en-US" altLang="ko-KR" sz="2000" spc="-150" dirty="0">
+                <a:ln>
+                  <a:solidFill>
+                    <a:schemeClr val="tx1">
+                      <a:alpha val="40000"/>
+                    </a:schemeClr>
+                  </a:solidFill>
+                </a:ln>
+                <a:latin typeface="나눔스퀘어_ac" panose="020B0600000101010101" pitchFamily="50" charset="-127"/>
+                <a:ea typeface="나눔스퀘어_ac" panose="020B0600000101010101" pitchFamily="50" charset="-127"/>
+              </a:rPr>
+              <a:t>Directional Light</a:t>
+            </a:r>
+            <a:endParaRPr lang="ko-KR" altLang="en-US" sz="2000" spc="-150" dirty="0">
               <a:ln>
                 <a:solidFill>
                   <a:schemeClr val="tx1">
@@ -9003,10 +8724,10 @@
       </p:sp>
       <p:sp>
         <p:nvSpPr>
-          <p:cNvPr id="28" name="TextBox 27">
-            <a:extLst>
-              <a:ext uri="{FF2B5EF4-FFF2-40B4-BE49-F238E27FC236}">
-                <a16:creationId xmlns:a16="http://schemas.microsoft.com/office/drawing/2014/main" id="{D54980A5-1863-4B1E-96D0-51A9723308C5}"/>
+          <p:cNvPr id="9" name="TextBox 8">
+            <a:extLst>
+              <a:ext uri="{FF2B5EF4-FFF2-40B4-BE49-F238E27FC236}">
+                <a16:creationId xmlns:a16="http://schemas.microsoft.com/office/drawing/2014/main" id="{CC060CFE-C81F-4ED5-9269-E270DCEBDBA1}"/>
               </a:ext>
             </a:extLst>
           </p:cNvPr>
@@ -9015,8 +8736,8 @@
         </p:nvSpPr>
         <p:spPr>
           <a:xfrm>
-            <a:off x="3969175" y="3232362"/>
-            <a:ext cx="3974999" cy="323165"/>
+            <a:off x="5576746" y="1803858"/>
+            <a:ext cx="1198085" cy="400110"/>
           </a:xfrm>
           <a:prstGeom prst="rect">
             <a:avLst/>
@@ -9031,132 +8752,20 @@
           <a:p>
             <a:pPr algn="ctr"/>
             <a:r>
-              <a:rPr lang="en-US" altLang="ko-KR" sz="1500" spc="-150" dirty="0">
-                <a:ln>
-                  <a:solidFill>
-                    <a:schemeClr val="tx1">
-                      <a:alpha val="40000"/>
-                    </a:schemeClr>
-                  </a:solidFill>
-                </a:ln>
-                <a:latin typeface="나눔스퀘어_ac" panose="020B0600000101010101" pitchFamily="50" charset="-127"/>
-                <a:ea typeface="나눔스퀘어_ac" panose="020B0600000101010101" pitchFamily="50" charset="-127"/>
-              </a:rPr>
-              <a:t>2. Volumetric</a:t>
-            </a:r>
-            <a:r>
-              <a:rPr lang="ko-KR" altLang="en-US" sz="1500" spc="-150" dirty="0">
-                <a:ln>
-                  <a:solidFill>
-                    <a:schemeClr val="tx1">
-                      <a:alpha val="40000"/>
-                    </a:schemeClr>
-                  </a:solidFill>
-                </a:ln>
-                <a:latin typeface="나눔스퀘어_ac" panose="020B0600000101010101" pitchFamily="50" charset="-127"/>
-                <a:ea typeface="나눔스퀘어_ac" panose="020B0600000101010101" pitchFamily="50" charset="-127"/>
-              </a:rPr>
-              <a:t> </a:t>
-            </a:r>
-            <a:r>
-              <a:rPr lang="en-US" altLang="ko-KR" sz="1500" spc="-150" dirty="0">
-                <a:ln>
-                  <a:solidFill>
-                    <a:schemeClr val="tx1">
-                      <a:alpha val="40000"/>
-                    </a:schemeClr>
-                  </a:solidFill>
-                </a:ln>
-                <a:latin typeface="나눔스퀘어_ac" panose="020B0600000101010101" pitchFamily="50" charset="-127"/>
-                <a:ea typeface="나눔스퀘어_ac" panose="020B0600000101010101" pitchFamily="50" charset="-127"/>
-              </a:rPr>
-              <a:t>Light</a:t>
-            </a:r>
-            <a:r>
-              <a:rPr lang="ko-KR" altLang="en-US" sz="1500" spc="-150" dirty="0">
-                <a:ln>
-                  <a:solidFill>
-                    <a:schemeClr val="tx1">
-                      <a:alpha val="40000"/>
-                    </a:schemeClr>
-                  </a:solidFill>
-                </a:ln>
-                <a:latin typeface="나눔스퀘어_ac" panose="020B0600000101010101" pitchFamily="50" charset="-127"/>
-                <a:ea typeface="나눔스퀘어_ac" panose="020B0600000101010101" pitchFamily="50" charset="-127"/>
-              </a:rPr>
-              <a:t> </a:t>
-            </a:r>
-            <a:r>
-              <a:rPr lang="en-US" altLang="ko-KR" sz="1500" spc="-150" dirty="0">
-                <a:ln>
-                  <a:solidFill>
-                    <a:schemeClr val="tx1">
-                      <a:alpha val="40000"/>
-                    </a:schemeClr>
-                  </a:solidFill>
-                </a:ln>
-                <a:latin typeface="나눔스퀘어_ac" panose="020B0600000101010101" pitchFamily="50" charset="-127"/>
-                <a:ea typeface="나눔스퀘어_ac" panose="020B0600000101010101" pitchFamily="50" charset="-127"/>
-              </a:rPr>
-              <a:t>Scattering</a:t>
-            </a:r>
-            <a:r>
-              <a:rPr lang="ko-KR" altLang="en-US" sz="1500" spc="-150" dirty="0">
-                <a:ln>
-                  <a:solidFill>
-                    <a:schemeClr val="tx1">
-                      <a:alpha val="40000"/>
-                    </a:schemeClr>
-                  </a:solidFill>
-                </a:ln>
-                <a:latin typeface="나눔스퀘어_ac" panose="020B0600000101010101" pitchFamily="50" charset="-127"/>
-                <a:ea typeface="나눔스퀘어_ac" panose="020B0600000101010101" pitchFamily="50" charset="-127"/>
-              </a:rPr>
-              <a:t> </a:t>
-            </a:r>
-            <a:r>
-              <a:rPr lang="en-US" altLang="ko-KR" sz="1500" spc="-150" dirty="0">
-                <a:ln>
-                  <a:solidFill>
-                    <a:schemeClr val="tx1">
-                      <a:alpha val="40000"/>
-                    </a:schemeClr>
-                  </a:solidFill>
-                </a:ln>
-                <a:latin typeface="나눔스퀘어_ac" panose="020B0600000101010101" pitchFamily="50" charset="-127"/>
-                <a:ea typeface="나눔스퀘어_ac" panose="020B0600000101010101" pitchFamily="50" charset="-127"/>
-              </a:rPr>
-              <a:t>Ray Marching</a:t>
-            </a:r>
-            <a:r>
-              <a:rPr lang="ko-KR" altLang="en-US" sz="1500" spc="-150" dirty="0">
-                <a:ln>
-                  <a:solidFill>
-                    <a:schemeClr val="tx1">
-                      <a:alpha val="40000"/>
-                    </a:schemeClr>
-                  </a:solidFill>
-                </a:ln>
-                <a:latin typeface="나눔스퀘어_ac" panose="020B0600000101010101" pitchFamily="50" charset="-127"/>
-                <a:ea typeface="나눔스퀘어_ac" panose="020B0600000101010101" pitchFamily="50" charset="-127"/>
-              </a:rPr>
-              <a:t>을 수행한다</a:t>
-            </a:r>
-            <a:r>
-              <a:rPr lang="en-US" altLang="ko-KR" sz="1500" spc="-150" dirty="0">
-                <a:ln>
-                  <a:solidFill>
-                    <a:schemeClr val="tx1">
-                      <a:alpha val="40000"/>
-                    </a:schemeClr>
-                  </a:solidFill>
-                </a:ln>
-                <a:latin typeface="나눔스퀘어_ac" panose="020B0600000101010101" pitchFamily="50" charset="-127"/>
-                <a:ea typeface="나눔스퀘어_ac" panose="020B0600000101010101" pitchFamily="50" charset="-127"/>
-              </a:rPr>
-              <a:t>.</a:t>
-            </a:r>
-            <a:endParaRPr lang="ko-KR" altLang="en-US" sz="1500" spc="-150" dirty="0">
+              <a:rPr lang="en-US" altLang="ko-KR" sz="2000" spc="-150" dirty="0">
+                <a:ln>
+                  <a:solidFill>
+                    <a:schemeClr val="tx1">
+                      <a:alpha val="40000"/>
+                    </a:schemeClr>
+                  </a:solidFill>
+                </a:ln>
+                <a:latin typeface="나눔스퀘어_ac" panose="020B0600000101010101" pitchFamily="50" charset="-127"/>
+                <a:ea typeface="나눔스퀘어_ac" panose="020B0600000101010101" pitchFamily="50" charset="-127"/>
+              </a:rPr>
+              <a:t>Spot Light</a:t>
+            </a:r>
+            <a:endParaRPr lang="ko-KR" altLang="en-US" sz="2000" spc="-150" dirty="0">
               <a:ln>
                 <a:solidFill>
                   <a:schemeClr val="tx1">
@@ -9172,10 +8781,10 @@
       </p:sp>
       <p:sp>
         <p:nvSpPr>
-          <p:cNvPr id="29" name="TextBox 28">
-            <a:extLst>
-              <a:ext uri="{FF2B5EF4-FFF2-40B4-BE49-F238E27FC236}">
-                <a16:creationId xmlns:a16="http://schemas.microsoft.com/office/drawing/2014/main" id="{301BD046-6FD5-481D-B2EE-003B4E353CCF}"/>
+          <p:cNvPr id="10" name="TextBox 9">
+            <a:extLst>
+              <a:ext uri="{FF2B5EF4-FFF2-40B4-BE49-F238E27FC236}">
+                <a16:creationId xmlns:a16="http://schemas.microsoft.com/office/drawing/2014/main" id="{187CCB12-5EB4-49A6-AFF4-3C64715D21E1}"/>
               </a:ext>
             </a:extLst>
           </p:cNvPr>
@@ -9184,8 +8793,8 @@
         </p:nvSpPr>
         <p:spPr>
           <a:xfrm>
-            <a:off x="9197510" y="4943077"/>
-            <a:ext cx="1832553" cy="323165"/>
+            <a:off x="9352582" y="1803858"/>
+            <a:ext cx="1237839" cy="400110"/>
           </a:xfrm>
           <a:prstGeom prst="rect">
             <a:avLst/>
@@ -9200,48 +8809,20 @@
           <a:p>
             <a:pPr algn="ctr"/>
             <a:r>
-              <a:rPr lang="en-US" altLang="ko-KR" sz="1500" spc="-150" dirty="0">
-                <a:ln>
-                  <a:solidFill>
-                    <a:schemeClr val="tx1">
-                      <a:alpha val="40000"/>
-                    </a:schemeClr>
-                  </a:solidFill>
-                </a:ln>
-                <a:latin typeface="나눔스퀘어_ac" panose="020B0600000101010101" pitchFamily="50" charset="-127"/>
-                <a:ea typeface="나눔스퀘어_ac" panose="020B0600000101010101" pitchFamily="50" charset="-127"/>
-              </a:rPr>
-              <a:t>3. Radial Blur</a:t>
-            </a:r>
-            <a:r>
-              <a:rPr lang="ko-KR" altLang="en-US" sz="1500" spc="-150" dirty="0">
-                <a:ln>
-                  <a:solidFill>
-                    <a:schemeClr val="tx1">
-                      <a:alpha val="40000"/>
-                    </a:schemeClr>
-                  </a:solidFill>
-                </a:ln>
-                <a:latin typeface="나눔스퀘어_ac" panose="020B0600000101010101" pitchFamily="50" charset="-127"/>
-                <a:ea typeface="나눔스퀘어_ac" panose="020B0600000101010101" pitchFamily="50" charset="-127"/>
-              </a:rPr>
-              <a:t>를 수행한다</a:t>
-            </a:r>
-            <a:r>
-              <a:rPr lang="en-US" altLang="ko-KR" sz="1500" spc="-150" dirty="0">
-                <a:ln>
-                  <a:solidFill>
-                    <a:schemeClr val="tx1">
-                      <a:alpha val="40000"/>
-                    </a:schemeClr>
-                  </a:solidFill>
-                </a:ln>
-                <a:latin typeface="나눔스퀘어_ac" panose="020B0600000101010101" pitchFamily="50" charset="-127"/>
-                <a:ea typeface="나눔스퀘어_ac" panose="020B0600000101010101" pitchFamily="50" charset="-127"/>
-              </a:rPr>
-              <a:t>.</a:t>
-            </a:r>
-            <a:endParaRPr lang="ko-KR" altLang="en-US" sz="1500" spc="-150" dirty="0">
+              <a:rPr lang="en-US" altLang="ko-KR" sz="2000" spc="-150" dirty="0">
+                <a:ln>
+                  <a:solidFill>
+                    <a:schemeClr val="tx1">
+                      <a:alpha val="40000"/>
+                    </a:schemeClr>
+                  </a:solidFill>
+                </a:ln>
+                <a:latin typeface="나눔스퀘어_ac" panose="020B0600000101010101" pitchFamily="50" charset="-127"/>
+                <a:ea typeface="나눔스퀘어_ac" panose="020B0600000101010101" pitchFamily="50" charset="-127"/>
+              </a:rPr>
+              <a:t>Point Light</a:t>
+            </a:r>
+            <a:endParaRPr lang="ko-KR" altLang="en-US" sz="2000" spc="-150" dirty="0">
               <a:ln>
                 <a:solidFill>
                   <a:schemeClr val="tx1">
@@ -9255,208 +8836,100 @@
           </a:p>
         </p:txBody>
       </p:sp>
-      <p:sp>
-        <p:nvSpPr>
-          <p:cNvPr id="30" name="TextBox 29">
-            <a:extLst>
-              <a:ext uri="{FF2B5EF4-FFF2-40B4-BE49-F238E27FC236}">
-                <a16:creationId xmlns:a16="http://schemas.microsoft.com/office/drawing/2014/main" id="{8F58F4E7-3420-4938-9FD8-C962D21F4C06}"/>
-              </a:ext>
-            </a:extLst>
-          </p:cNvPr>
-          <p:cNvSpPr txBox="1"/>
-          <p:nvPr/>
-        </p:nvSpPr>
-        <p:spPr>
-          <a:xfrm>
-            <a:off x="4185446" y="6368525"/>
-            <a:ext cx="3562515" cy="323165"/>
+      <p:pic>
+        <p:nvPicPr>
+          <p:cNvPr id="2" name="그림 1">
+            <a:extLst>
+              <a:ext uri="{FF2B5EF4-FFF2-40B4-BE49-F238E27FC236}">
+                <a16:creationId xmlns:a16="http://schemas.microsoft.com/office/drawing/2014/main" id="{33BE5846-7B1A-405D-AC1E-F49A0C0453AF}"/>
+              </a:ext>
+            </a:extLst>
+          </p:cNvPr>
+          <p:cNvPicPr>
+            <a:picLocks noChangeAspect="1"/>
+          </p:cNvPicPr>
+          <p:nvPr/>
+        </p:nvPicPr>
+        <p:blipFill>
+          <a:blip r:embed="rId2"/>
+          <a:stretch>
+            <a:fillRect/>
+          </a:stretch>
+        </p:blipFill>
+        <p:spPr>
+          <a:xfrm>
+            <a:off x="300038" y="2353865"/>
+            <a:ext cx="4160079" cy="3100387"/>
           </a:xfrm>
           <a:prstGeom prst="rect">
             <a:avLst/>
           </a:prstGeom>
-          <a:noFill/>
-        </p:spPr>
-        <p:txBody>
-          <a:bodyPr wrap="none" rtlCol="0">
-            <a:spAutoFit/>
-          </a:bodyPr>
-          <a:lstStyle/>
-          <a:p>
-            <a:pPr algn="ctr"/>
-            <a:r>
-              <a:rPr lang="en-US" altLang="ko-KR" sz="1500" spc="-150" dirty="0">
-                <a:ln>
-                  <a:solidFill>
-                    <a:schemeClr val="tx1">
-                      <a:alpha val="40000"/>
-                    </a:schemeClr>
-                  </a:solidFill>
-                </a:ln>
-                <a:latin typeface="나눔스퀘어_ac" panose="020B0600000101010101" pitchFamily="50" charset="-127"/>
-                <a:ea typeface="나눔스퀘어_ac" panose="020B0600000101010101" pitchFamily="50" charset="-127"/>
-              </a:rPr>
-              <a:t>4. Artifact</a:t>
-            </a:r>
-            <a:r>
-              <a:rPr lang="ko-KR" altLang="en-US" sz="1500" spc="-150" dirty="0">
-                <a:ln>
-                  <a:solidFill>
-                    <a:schemeClr val="tx1">
-                      <a:alpha val="40000"/>
-                    </a:schemeClr>
-                  </a:solidFill>
-                </a:ln>
-                <a:latin typeface="나눔스퀘어_ac" panose="020B0600000101010101" pitchFamily="50" charset="-127"/>
-                <a:ea typeface="나눔스퀘어_ac" panose="020B0600000101010101" pitchFamily="50" charset="-127"/>
-              </a:rPr>
-              <a:t>를 줄이기 위해  </a:t>
-            </a:r>
-            <a:r>
-              <a:rPr lang="en-US" altLang="ko-KR" sz="1500" spc="-150" dirty="0">
-                <a:ln>
-                  <a:solidFill>
-                    <a:schemeClr val="tx1">
-                      <a:alpha val="40000"/>
-                    </a:schemeClr>
-                  </a:solidFill>
-                </a:ln>
-                <a:latin typeface="나눔스퀘어_ac" panose="020B0600000101010101" pitchFamily="50" charset="-127"/>
-                <a:ea typeface="나눔스퀘어_ac" panose="020B0600000101010101" pitchFamily="50" charset="-127"/>
-              </a:rPr>
-              <a:t>Gaussian Blur</a:t>
-            </a:r>
-            <a:r>
-              <a:rPr lang="ko-KR" altLang="en-US" sz="1500" spc="-150" dirty="0">
-                <a:ln>
-                  <a:solidFill>
-                    <a:schemeClr val="tx1">
-                      <a:alpha val="40000"/>
-                    </a:schemeClr>
-                  </a:solidFill>
-                </a:ln>
-                <a:latin typeface="나눔스퀘어_ac" panose="020B0600000101010101" pitchFamily="50" charset="-127"/>
-                <a:ea typeface="나눔스퀘어_ac" panose="020B0600000101010101" pitchFamily="50" charset="-127"/>
-              </a:rPr>
-              <a:t>를 수행한다</a:t>
-            </a:r>
-            <a:r>
-              <a:rPr lang="en-US" altLang="ko-KR" sz="1500" spc="-150" dirty="0">
-                <a:ln>
-                  <a:solidFill>
-                    <a:schemeClr val="tx1">
-                      <a:alpha val="40000"/>
-                    </a:schemeClr>
-                  </a:solidFill>
-                </a:ln>
-                <a:latin typeface="나눔스퀘어_ac" panose="020B0600000101010101" pitchFamily="50" charset="-127"/>
-                <a:ea typeface="나눔스퀘어_ac" panose="020B0600000101010101" pitchFamily="50" charset="-127"/>
-              </a:rPr>
-              <a:t>.</a:t>
-            </a:r>
-            <a:endParaRPr lang="ko-KR" altLang="en-US" sz="1500" spc="-150" dirty="0">
-              <a:ln>
-                <a:solidFill>
-                  <a:schemeClr val="tx1">
-                    <a:alpha val="40000"/>
-                  </a:schemeClr>
-                </a:solidFill>
-              </a:ln>
-              <a:latin typeface="나눔스퀘어_ac" panose="020B0600000101010101" pitchFamily="50" charset="-127"/>
-              <a:ea typeface="나눔스퀘어_ac" panose="020B0600000101010101" pitchFamily="50" charset="-127"/>
-            </a:endParaRPr>
-          </a:p>
-        </p:txBody>
-      </p:sp>
-      <p:sp>
-        <p:nvSpPr>
-          <p:cNvPr id="31" name="TextBox 30">
-            <a:extLst>
-              <a:ext uri="{FF2B5EF4-FFF2-40B4-BE49-F238E27FC236}">
-                <a16:creationId xmlns:a16="http://schemas.microsoft.com/office/drawing/2014/main" id="{A226D58D-3AB7-4692-81B9-5C445361D15E}"/>
-              </a:ext>
-            </a:extLst>
-          </p:cNvPr>
-          <p:cNvSpPr txBox="1"/>
-          <p:nvPr/>
-        </p:nvSpPr>
-        <p:spPr>
-          <a:xfrm>
-            <a:off x="926068" y="6368525"/>
-            <a:ext cx="1558440" cy="323165"/>
+        </p:spPr>
+      </p:pic>
+      <p:pic>
+        <p:nvPicPr>
+          <p:cNvPr id="3" name="그림 2">
+            <a:extLst>
+              <a:ext uri="{FF2B5EF4-FFF2-40B4-BE49-F238E27FC236}">
+                <a16:creationId xmlns:a16="http://schemas.microsoft.com/office/drawing/2014/main" id="{4FCF99DF-C9E7-4A0A-A8FD-C1D0FCDDD6AD}"/>
+              </a:ext>
+            </a:extLst>
+          </p:cNvPr>
+          <p:cNvPicPr>
+            <a:picLocks noChangeAspect="1"/>
+          </p:cNvPicPr>
+          <p:nvPr/>
+        </p:nvPicPr>
+        <p:blipFill>
+          <a:blip r:embed="rId3"/>
+          <a:stretch>
+            <a:fillRect/>
+          </a:stretch>
+        </p:blipFill>
+        <p:spPr>
+          <a:xfrm>
+            <a:off x="7891463" y="2334766"/>
+            <a:ext cx="4160079" cy="3138584"/>
           </a:xfrm>
           <a:prstGeom prst="rect">
             <a:avLst/>
           </a:prstGeom>
-          <a:noFill/>
-        </p:spPr>
-        <p:txBody>
-          <a:bodyPr wrap="none" rtlCol="0">
-            <a:spAutoFit/>
-          </a:bodyPr>
-          <a:lstStyle/>
-          <a:p>
-            <a:pPr algn="ctr"/>
-            <a:r>
-              <a:rPr lang="en-US" altLang="ko-KR" sz="1500" spc="-150" dirty="0">
-                <a:ln>
-                  <a:solidFill>
-                    <a:schemeClr val="tx1">
-                      <a:alpha val="40000"/>
-                    </a:schemeClr>
-                  </a:solidFill>
-                </a:ln>
-                <a:latin typeface="나눔스퀘어_ac" panose="020B0600000101010101" pitchFamily="50" charset="-127"/>
-                <a:ea typeface="나눔스퀘어_ac" panose="020B0600000101010101" pitchFamily="50" charset="-127"/>
-              </a:rPr>
-              <a:t>5. Scene</a:t>
-            </a:r>
-            <a:r>
-              <a:rPr lang="ko-KR" altLang="en-US" sz="1500" spc="-150" dirty="0">
-                <a:ln>
-                  <a:solidFill>
-                    <a:schemeClr val="tx1">
-                      <a:alpha val="40000"/>
-                    </a:schemeClr>
-                  </a:solidFill>
-                </a:ln>
-                <a:latin typeface="나눔스퀘어_ac" panose="020B0600000101010101" pitchFamily="50" charset="-127"/>
-                <a:ea typeface="나눔스퀘어_ac" panose="020B0600000101010101" pitchFamily="50" charset="-127"/>
-              </a:rPr>
-              <a:t>과 결합한다</a:t>
-            </a:r>
-            <a:r>
-              <a:rPr lang="en-US" altLang="ko-KR" sz="1500" spc="-150" dirty="0">
-                <a:ln>
-                  <a:solidFill>
-                    <a:schemeClr val="tx1">
-                      <a:alpha val="40000"/>
-                    </a:schemeClr>
-                  </a:solidFill>
-                </a:ln>
-                <a:latin typeface="나눔스퀘어_ac" panose="020B0600000101010101" pitchFamily="50" charset="-127"/>
-                <a:ea typeface="나눔스퀘어_ac" panose="020B0600000101010101" pitchFamily="50" charset="-127"/>
-              </a:rPr>
-              <a:t>.</a:t>
-            </a:r>
-            <a:endParaRPr lang="ko-KR" altLang="en-US" sz="1500" spc="-150" dirty="0">
-              <a:ln>
-                <a:solidFill>
-                  <a:schemeClr val="tx1">
-                    <a:alpha val="40000"/>
-                  </a:schemeClr>
-                </a:solidFill>
-              </a:ln>
-              <a:latin typeface="나눔스퀘어_ac" panose="020B0600000101010101" pitchFamily="50" charset="-127"/>
-              <a:ea typeface="나눔스퀘어_ac" panose="020B0600000101010101" pitchFamily="50" charset="-127"/>
-            </a:endParaRPr>
-          </a:p>
-        </p:txBody>
-      </p:sp>
+        </p:spPr>
+      </p:pic>
+      <p:pic>
+        <p:nvPicPr>
+          <p:cNvPr id="4" name="그림 3">
+            <a:extLst>
+              <a:ext uri="{FF2B5EF4-FFF2-40B4-BE49-F238E27FC236}">
+                <a16:creationId xmlns:a16="http://schemas.microsoft.com/office/drawing/2014/main" id="{4B3B2D7D-6D7F-45C2-BA83-CA110F5D8A23}"/>
+              </a:ext>
+            </a:extLst>
+          </p:cNvPr>
+          <p:cNvPicPr>
+            <a:picLocks noChangeAspect="1"/>
+          </p:cNvPicPr>
+          <p:nvPr/>
+        </p:nvPicPr>
+        <p:blipFill>
+          <a:blip r:embed="rId4"/>
+          <a:stretch>
+            <a:fillRect/>
+          </a:stretch>
+        </p:blipFill>
+        <p:spPr>
+          <a:xfrm>
+            <a:off x="4568265" y="2334766"/>
+            <a:ext cx="3215049" cy="3124858"/>
+          </a:xfrm>
+          <a:prstGeom prst="rect">
+            <a:avLst/>
+          </a:prstGeom>
+        </p:spPr>
+      </p:pic>
     </p:spTree>
     <p:extLst>
       <p:ext uri="{BB962C8B-B14F-4D97-AF65-F5344CB8AC3E}">
-        <p14:creationId xmlns:p14="http://schemas.microsoft.com/office/powerpoint/2010/main" val="2340363990"/>
+        <p14:creationId xmlns:p14="http://schemas.microsoft.com/office/powerpoint/2010/main" val="2570505543"/>
       </p:ext>
     </p:extLst>
   </p:cSld>
@@ -9497,7 +8970,7 @@
         </p:nvSpPr>
         <p:spPr>
           <a:xfrm>
-            <a:off x="1565073" y="272648"/>
+            <a:off x="1543050" y="272648"/>
             <a:ext cx="9105900" cy="307777"/>
           </a:xfrm>
           <a:prstGeom prst="rect">
@@ -9529,18 +9002,343 @@
           </a:lstStyle>
           <a:p>
             <a:r>
-              <a:rPr lang="ko-KR" altLang="en-US" dirty="0"/>
-              <a:t>참고자료</a:t>
-            </a:r>
-          </a:p>
-        </p:txBody>
-      </p:sp>
-      <p:sp>
-        <p:nvSpPr>
-          <p:cNvPr id="12" name="TextBox 11">
-            <a:extLst>
-              <a:ext uri="{FF2B5EF4-FFF2-40B4-BE49-F238E27FC236}">
-                <a16:creationId xmlns:a16="http://schemas.microsoft.com/office/drawing/2014/main" id="{C0AD4081-30A4-4796-A4E8-8FD9F3577602}"/>
+              <a:rPr lang="en-US" altLang="ko-KR" spc="600"/>
+              <a:t>Volumetric Light Scattering</a:t>
+            </a:r>
+            <a:endParaRPr lang="ko-KR" altLang="en-US" spc="600" dirty="0"/>
+          </a:p>
+        </p:txBody>
+      </p:sp>
+      <p:pic>
+        <p:nvPicPr>
+          <p:cNvPr id="6" name="그림 5">
+            <a:extLst>
+              <a:ext uri="{FF2B5EF4-FFF2-40B4-BE49-F238E27FC236}">
+                <a16:creationId xmlns:a16="http://schemas.microsoft.com/office/drawing/2014/main" id="{80212CAF-B291-4D75-BF55-070C73B1C8BA}"/>
+              </a:ext>
+            </a:extLst>
+          </p:cNvPr>
+          <p:cNvPicPr>
+            <a:picLocks noChangeAspect="1"/>
+          </p:cNvPicPr>
+          <p:nvPr/>
+        </p:nvPicPr>
+        <p:blipFill>
+          <a:blip r:embed="rId2"/>
+          <a:stretch>
+            <a:fillRect/>
+          </a:stretch>
+        </p:blipFill>
+        <p:spPr>
+          <a:xfrm>
+            <a:off x="368922" y="885000"/>
+            <a:ext cx="3053729" cy="2262786"/>
+          </a:xfrm>
+          <a:prstGeom prst="rect">
+            <a:avLst/>
+          </a:prstGeom>
+        </p:spPr>
+      </p:pic>
+      <p:pic>
+        <p:nvPicPr>
+          <p:cNvPr id="7" name="그림 6">
+            <a:extLst>
+              <a:ext uri="{FF2B5EF4-FFF2-40B4-BE49-F238E27FC236}">
+                <a16:creationId xmlns:a16="http://schemas.microsoft.com/office/drawing/2014/main" id="{4CFF0BE3-5B16-4F44-AF35-2E1B11F3BD8A}"/>
+              </a:ext>
+            </a:extLst>
+          </p:cNvPr>
+          <p:cNvPicPr>
+            <a:picLocks noChangeAspect="1"/>
+          </p:cNvPicPr>
+          <p:nvPr/>
+        </p:nvPicPr>
+        <p:blipFill>
+          <a:blip r:embed="rId3"/>
+          <a:stretch>
+            <a:fillRect/>
+          </a:stretch>
+        </p:blipFill>
+        <p:spPr>
+          <a:xfrm>
+            <a:off x="4439838" y="885000"/>
+            <a:ext cx="3033675" cy="2262786"/>
+          </a:xfrm>
+          <a:prstGeom prst="rect">
+            <a:avLst/>
+          </a:prstGeom>
+        </p:spPr>
+      </p:pic>
+      <p:pic>
+        <p:nvPicPr>
+          <p:cNvPr id="11" name="그림 10">
+            <a:extLst>
+              <a:ext uri="{FF2B5EF4-FFF2-40B4-BE49-F238E27FC236}">
+                <a16:creationId xmlns:a16="http://schemas.microsoft.com/office/drawing/2014/main" id="{06DD4847-FF00-4824-9018-8C56EC0B5252}"/>
+              </a:ext>
+            </a:extLst>
+          </p:cNvPr>
+          <p:cNvPicPr>
+            <a:picLocks noChangeAspect="1"/>
+          </p:cNvPicPr>
+          <p:nvPr/>
+        </p:nvPicPr>
+        <p:blipFill>
+          <a:blip r:embed="rId4"/>
+          <a:stretch>
+            <a:fillRect/>
+          </a:stretch>
+        </p:blipFill>
+        <p:spPr>
+          <a:xfrm>
+            <a:off x="8601118" y="2568886"/>
+            <a:ext cx="3025337" cy="2262786"/>
+          </a:xfrm>
+          <a:prstGeom prst="rect">
+            <a:avLst/>
+          </a:prstGeom>
+        </p:spPr>
+      </p:pic>
+      <p:pic>
+        <p:nvPicPr>
+          <p:cNvPr id="12" name="그림 11">
+            <a:extLst>
+              <a:ext uri="{FF2B5EF4-FFF2-40B4-BE49-F238E27FC236}">
+                <a16:creationId xmlns:a16="http://schemas.microsoft.com/office/drawing/2014/main" id="{96F797F8-8E6A-4212-AA25-CD176C3796AF}"/>
+              </a:ext>
+            </a:extLst>
+          </p:cNvPr>
+          <p:cNvPicPr>
+            <a:picLocks noChangeAspect="1"/>
+          </p:cNvPicPr>
+          <p:nvPr/>
+        </p:nvPicPr>
+        <p:blipFill>
+          <a:blip r:embed="rId5"/>
+          <a:stretch>
+            <a:fillRect/>
+          </a:stretch>
+        </p:blipFill>
+        <p:spPr>
+          <a:xfrm>
+            <a:off x="4439838" y="4072323"/>
+            <a:ext cx="3053729" cy="2272902"/>
+          </a:xfrm>
+          <a:prstGeom prst="rect">
+            <a:avLst/>
+          </a:prstGeom>
+        </p:spPr>
+      </p:pic>
+      <p:pic>
+        <p:nvPicPr>
+          <p:cNvPr id="13" name="그림 12">
+            <a:extLst>
+              <a:ext uri="{FF2B5EF4-FFF2-40B4-BE49-F238E27FC236}">
+                <a16:creationId xmlns:a16="http://schemas.microsoft.com/office/drawing/2014/main" id="{C5AC6961-D7B2-4050-9B93-11191A27CFF6}"/>
+              </a:ext>
+            </a:extLst>
+          </p:cNvPr>
+          <p:cNvPicPr>
+            <a:picLocks noChangeAspect="1"/>
+          </p:cNvPicPr>
+          <p:nvPr/>
+        </p:nvPicPr>
+        <p:blipFill>
+          <a:blip r:embed="rId6"/>
+          <a:stretch>
+            <a:fillRect/>
+          </a:stretch>
+        </p:blipFill>
+        <p:spPr>
+          <a:xfrm>
+            <a:off x="178425" y="4065572"/>
+            <a:ext cx="3053729" cy="2279653"/>
+          </a:xfrm>
+          <a:prstGeom prst="rect">
+            <a:avLst/>
+          </a:prstGeom>
+        </p:spPr>
+      </p:pic>
+      <p:cxnSp>
+        <p:nvCxnSpPr>
+          <p:cNvPr id="15" name="직선 화살표 연결선 14">
+            <a:extLst>
+              <a:ext uri="{FF2B5EF4-FFF2-40B4-BE49-F238E27FC236}">
+                <a16:creationId xmlns:a16="http://schemas.microsoft.com/office/drawing/2014/main" id="{36721918-8598-4A09-ADCC-B0E99B307BEF}"/>
+              </a:ext>
+            </a:extLst>
+          </p:cNvPr>
+          <p:cNvCxnSpPr/>
+          <p:nvPr/>
+        </p:nvCxnSpPr>
+        <p:spPr>
+          <a:xfrm>
+            <a:off x="3571222" y="2033361"/>
+            <a:ext cx="657225" cy="0"/>
+          </a:xfrm>
+          <a:prstGeom prst="straightConnector1">
+            <a:avLst/>
+          </a:prstGeom>
+          <a:ln w="38100">
+            <a:solidFill>
+              <a:schemeClr val="tx1"/>
+            </a:solidFill>
+            <a:tailEnd type="triangle" w="lg" len="med"/>
+          </a:ln>
+        </p:spPr>
+        <p:style>
+          <a:lnRef idx="1">
+            <a:schemeClr val="accent1"/>
+          </a:lnRef>
+          <a:fillRef idx="0">
+            <a:schemeClr val="accent1"/>
+          </a:fillRef>
+          <a:effectRef idx="0">
+            <a:schemeClr val="accent1"/>
+          </a:effectRef>
+          <a:fontRef idx="minor">
+            <a:schemeClr val="tx1"/>
+          </a:fontRef>
+        </p:style>
+      </p:cxnSp>
+      <p:cxnSp>
+        <p:nvCxnSpPr>
+          <p:cNvPr id="21" name="직선 화살표 연결선 20">
+            <a:extLst>
+              <a:ext uri="{FF2B5EF4-FFF2-40B4-BE49-F238E27FC236}">
+                <a16:creationId xmlns:a16="http://schemas.microsoft.com/office/drawing/2014/main" id="{F2F5AB0D-596D-4D84-BAF7-7EE9B029E273}"/>
+              </a:ext>
+            </a:extLst>
+          </p:cNvPr>
+          <p:cNvCxnSpPr>
+            <a:cxnSpLocks/>
+          </p:cNvCxnSpPr>
+          <p:nvPr/>
+        </p:nvCxnSpPr>
+        <p:spPr>
+          <a:xfrm>
+            <a:off x="7648575" y="2314575"/>
+            <a:ext cx="865110" cy="623934"/>
+          </a:xfrm>
+          <a:prstGeom prst="straightConnector1">
+            <a:avLst/>
+          </a:prstGeom>
+          <a:ln w="38100">
+            <a:solidFill>
+              <a:schemeClr val="tx1"/>
+            </a:solidFill>
+            <a:tailEnd type="triangle" w="lg" len="med"/>
+          </a:ln>
+        </p:spPr>
+        <p:style>
+          <a:lnRef idx="1">
+            <a:schemeClr val="accent1"/>
+          </a:lnRef>
+          <a:fillRef idx="0">
+            <a:schemeClr val="accent1"/>
+          </a:fillRef>
+          <a:effectRef idx="0">
+            <a:schemeClr val="accent1"/>
+          </a:effectRef>
+          <a:fontRef idx="minor">
+            <a:schemeClr val="tx1"/>
+          </a:fontRef>
+        </p:style>
+      </p:cxnSp>
+      <p:cxnSp>
+        <p:nvCxnSpPr>
+          <p:cNvPr id="23" name="직선 화살표 연결선 22">
+            <a:extLst>
+              <a:ext uri="{FF2B5EF4-FFF2-40B4-BE49-F238E27FC236}">
+                <a16:creationId xmlns:a16="http://schemas.microsoft.com/office/drawing/2014/main" id="{B289B0EF-0D32-4A46-8C3D-4F5241D4C4F7}"/>
+              </a:ext>
+            </a:extLst>
+          </p:cNvPr>
+          <p:cNvCxnSpPr>
+            <a:cxnSpLocks/>
+          </p:cNvCxnSpPr>
+          <p:nvPr/>
+        </p:nvCxnSpPr>
+        <p:spPr>
+          <a:xfrm flipH="1">
+            <a:off x="7709158" y="4394447"/>
+            <a:ext cx="804527" cy="710213"/>
+          </a:xfrm>
+          <a:prstGeom prst="straightConnector1">
+            <a:avLst/>
+          </a:prstGeom>
+          <a:ln w="38100">
+            <a:solidFill>
+              <a:schemeClr val="tx1"/>
+            </a:solidFill>
+            <a:tailEnd type="triangle" w="lg" len="med"/>
+          </a:ln>
+        </p:spPr>
+        <p:style>
+          <a:lnRef idx="1">
+            <a:schemeClr val="accent1"/>
+          </a:lnRef>
+          <a:fillRef idx="0">
+            <a:schemeClr val="accent1"/>
+          </a:fillRef>
+          <a:effectRef idx="0">
+            <a:schemeClr val="accent1"/>
+          </a:effectRef>
+          <a:fontRef idx="minor">
+            <a:schemeClr val="tx1"/>
+          </a:fontRef>
+        </p:style>
+      </p:cxnSp>
+      <p:cxnSp>
+        <p:nvCxnSpPr>
+          <p:cNvPr id="25" name="직선 화살표 연결선 24">
+            <a:extLst>
+              <a:ext uri="{FF2B5EF4-FFF2-40B4-BE49-F238E27FC236}">
+                <a16:creationId xmlns:a16="http://schemas.microsoft.com/office/drawing/2014/main" id="{CAA12594-85A9-4916-B17E-93B9DA127EBC}"/>
+              </a:ext>
+            </a:extLst>
+          </p:cNvPr>
+          <p:cNvCxnSpPr>
+            <a:cxnSpLocks/>
+          </p:cNvCxnSpPr>
+          <p:nvPr/>
+        </p:nvCxnSpPr>
+        <p:spPr>
+          <a:xfrm flipH="1">
+            <a:off x="3396942" y="5205398"/>
+            <a:ext cx="904875" cy="0"/>
+          </a:xfrm>
+          <a:prstGeom prst="straightConnector1">
+            <a:avLst/>
+          </a:prstGeom>
+          <a:ln w="38100">
+            <a:solidFill>
+              <a:schemeClr val="tx1"/>
+            </a:solidFill>
+            <a:tailEnd type="triangle" w="lg" len="med"/>
+          </a:ln>
+        </p:spPr>
+        <p:style>
+          <a:lnRef idx="1">
+            <a:schemeClr val="accent1"/>
+          </a:lnRef>
+          <a:fillRef idx="0">
+            <a:schemeClr val="accent1"/>
+          </a:fillRef>
+          <a:effectRef idx="0">
+            <a:schemeClr val="accent1"/>
+          </a:effectRef>
+          <a:fontRef idx="minor">
+            <a:schemeClr val="tx1"/>
+          </a:fontRef>
+        </p:style>
+      </p:cxnSp>
+      <p:sp>
+        <p:nvSpPr>
+          <p:cNvPr id="27" name="TextBox 26">
+            <a:extLst>
+              <a:ext uri="{FF2B5EF4-FFF2-40B4-BE49-F238E27FC236}">
+                <a16:creationId xmlns:a16="http://schemas.microsoft.com/office/drawing/2014/main" id="{603EDE1B-3000-4ADF-8E4F-1FB9F8F21C8D}"/>
               </a:ext>
             </a:extLst>
           </p:cNvPr>
@@ -9549,8 +9347,8 @@
         </p:nvSpPr>
         <p:spPr>
           <a:xfrm>
-            <a:off x="664615" y="2607691"/>
-            <a:ext cx="7727949" cy="369332"/>
+            <a:off x="393573" y="3228174"/>
+            <a:ext cx="2985177" cy="553998"/>
           </a:xfrm>
           <a:prstGeom prst="rect">
             <a:avLst/>
@@ -9558,50 +9356,203 @@
           <a:noFill/>
         </p:spPr>
         <p:txBody>
-          <a:bodyPr wrap="square" rtlCol="0">
+          <a:bodyPr wrap="none" rtlCol="0">
             <a:spAutoFit/>
           </a:bodyPr>
-          <a:lstStyle>
-            <a:defPPr>
-              <a:defRPr lang="ko-KR"/>
-            </a:defPPr>
-            <a:lvl1pPr>
-              <a:defRPr spc="-150">
-                <a:ln>
-                  <a:solidFill>
-                    <a:schemeClr val="tx1">
-                      <a:alpha val="40000"/>
-                    </a:schemeClr>
-                  </a:solidFill>
-                </a:ln>
-                <a:latin typeface="나눔스퀘어_ac" panose="020B0600000101010101" pitchFamily="50" charset="-127"/>
-                <a:ea typeface="나눔스퀘어_ac" panose="020B0600000101010101" pitchFamily="50" charset="-127"/>
-              </a:defRPr>
-            </a:lvl1pPr>
-          </a:lstStyle>
-          <a:p>
-            <a:r>
-              <a:rPr lang="en-US" altLang="ko-KR" dirty="0"/>
-              <a:t>Damian </a:t>
-            </a:r>
-            <a:r>
-              <a:rPr lang="en-US" altLang="ko-KR" dirty="0" err="1"/>
-              <a:t>Trebilco</a:t>
-            </a:r>
-            <a:r>
-              <a:rPr lang="en-US" altLang="ko-KR" dirty="0"/>
-              <a:t>, “Light Indexed Deferred Rendering”,  January 2008</a:t>
-            </a:r>
-            <a:endParaRPr lang="ko-KR" altLang="en-US" dirty="0"/>
-          </a:p>
-        </p:txBody>
-      </p:sp>
-      <p:sp>
-        <p:nvSpPr>
-          <p:cNvPr id="20" name="TextBox 19">
-            <a:extLst>
-              <a:ext uri="{FF2B5EF4-FFF2-40B4-BE49-F238E27FC236}">
-                <a16:creationId xmlns:a16="http://schemas.microsoft.com/office/drawing/2014/main" id="{F519ABA8-488D-4327-8F41-69F96217F1F2}"/>
+          <a:lstStyle/>
+          <a:p>
+            <a:pPr algn="ctr"/>
+            <a:r>
+              <a:rPr lang="en-US" altLang="ko-KR" sz="1500" spc="-150" dirty="0">
+                <a:ln>
+                  <a:solidFill>
+                    <a:schemeClr val="tx1">
+                      <a:alpha val="40000"/>
+                    </a:schemeClr>
+                  </a:solidFill>
+                </a:ln>
+                <a:latin typeface="나눔스퀘어_ac" panose="020B0600000101010101" pitchFamily="50" charset="-127"/>
+                <a:ea typeface="나눔스퀘어_ac" panose="020B0600000101010101" pitchFamily="50" charset="-127"/>
+              </a:rPr>
+              <a:t>1. Light Volume</a:t>
+            </a:r>
+            <a:r>
+              <a:rPr lang="ko-KR" altLang="en-US" sz="1500" spc="-150" dirty="0">
+                <a:ln>
+                  <a:solidFill>
+                    <a:schemeClr val="tx1">
+                      <a:alpha val="40000"/>
+                    </a:schemeClr>
+                  </a:solidFill>
+                </a:ln>
+                <a:latin typeface="나눔스퀘어_ac" panose="020B0600000101010101" pitchFamily="50" charset="-127"/>
+                <a:ea typeface="나눔스퀘어_ac" panose="020B0600000101010101" pitchFamily="50" charset="-127"/>
+              </a:rPr>
+              <a:t>을 </a:t>
+            </a:r>
+            <a:r>
+              <a:rPr lang="en-US" altLang="ko-KR" sz="1500" spc="-150" dirty="0">
+                <a:ln>
+                  <a:solidFill>
+                    <a:schemeClr val="tx1">
+                      <a:alpha val="40000"/>
+                    </a:schemeClr>
+                  </a:solidFill>
+                </a:ln>
+                <a:latin typeface="나눔스퀘어_ac" panose="020B0600000101010101" pitchFamily="50" charset="-127"/>
+                <a:ea typeface="나눔스퀘어_ac" panose="020B0600000101010101" pitchFamily="50" charset="-127"/>
+              </a:rPr>
+              <a:t>Stencil</a:t>
+            </a:r>
+            <a:r>
+              <a:rPr lang="ko-KR" altLang="en-US" sz="1500" spc="-150" dirty="0">
+                <a:ln>
+                  <a:solidFill>
+                    <a:schemeClr val="tx1">
+                      <a:alpha val="40000"/>
+                    </a:schemeClr>
+                  </a:solidFill>
+                </a:ln>
+                <a:latin typeface="나눔스퀘어_ac" panose="020B0600000101010101" pitchFamily="50" charset="-127"/>
+                <a:ea typeface="나눔스퀘어_ac" panose="020B0600000101010101" pitchFamily="50" charset="-127"/>
+              </a:rPr>
+              <a:t> </a:t>
+            </a:r>
+            <a:r>
+              <a:rPr lang="en-US" altLang="ko-KR" sz="1500" spc="-150" dirty="0">
+                <a:ln>
+                  <a:solidFill>
+                    <a:schemeClr val="tx1">
+                      <a:alpha val="40000"/>
+                    </a:schemeClr>
+                  </a:solidFill>
+                </a:ln>
+                <a:latin typeface="나눔스퀘어_ac" panose="020B0600000101010101" pitchFamily="50" charset="-127"/>
+                <a:ea typeface="나눔스퀘어_ac" panose="020B0600000101010101" pitchFamily="50" charset="-127"/>
+              </a:rPr>
+              <a:t>Buffer</a:t>
+            </a:r>
+            <a:r>
+              <a:rPr lang="ko-KR" altLang="en-US" sz="1500" spc="-150" dirty="0">
+                <a:ln>
+                  <a:solidFill>
+                    <a:schemeClr val="tx1">
+                      <a:alpha val="40000"/>
+                    </a:schemeClr>
+                  </a:solidFill>
+                </a:ln>
+                <a:latin typeface="나눔스퀘어_ac" panose="020B0600000101010101" pitchFamily="50" charset="-127"/>
+                <a:ea typeface="나눔스퀘어_ac" panose="020B0600000101010101" pitchFamily="50" charset="-127"/>
+              </a:rPr>
+              <a:t>에 그린다</a:t>
+            </a:r>
+            <a:r>
+              <a:rPr lang="en-US" altLang="ko-KR" sz="1500" spc="-150" dirty="0">
+                <a:ln>
+                  <a:solidFill>
+                    <a:schemeClr val="tx1">
+                      <a:alpha val="40000"/>
+                    </a:schemeClr>
+                  </a:solidFill>
+                </a:ln>
+                <a:latin typeface="나눔스퀘어_ac" panose="020B0600000101010101" pitchFamily="50" charset="-127"/>
+                <a:ea typeface="나눔스퀘어_ac" panose="020B0600000101010101" pitchFamily="50" charset="-127"/>
+              </a:rPr>
+              <a:t>.</a:t>
+            </a:r>
+          </a:p>
+          <a:p>
+            <a:pPr algn="ctr"/>
+            <a:r>
+              <a:rPr lang="en-US" altLang="ko-KR" sz="1500" spc="-150" dirty="0">
+                <a:ln>
+                  <a:solidFill>
+                    <a:schemeClr val="tx1">
+                      <a:alpha val="40000"/>
+                    </a:schemeClr>
+                  </a:solidFill>
+                </a:ln>
+                <a:latin typeface="나눔스퀘어_ac" panose="020B0600000101010101" pitchFamily="50" charset="-127"/>
+                <a:ea typeface="나눔스퀘어_ac" panose="020B0600000101010101" pitchFamily="50" charset="-127"/>
+              </a:rPr>
+              <a:t>(</a:t>
+            </a:r>
+            <a:r>
+              <a:rPr lang="ko-KR" altLang="en-US" sz="1500" spc="-150" dirty="0">
+                <a:ln>
+                  <a:solidFill>
+                    <a:schemeClr val="tx1">
+                      <a:alpha val="40000"/>
+                    </a:schemeClr>
+                  </a:solidFill>
+                </a:ln>
+                <a:latin typeface="나눔스퀘어_ac" panose="020B0600000101010101" pitchFamily="50" charset="-127"/>
+                <a:ea typeface="나눔스퀘어_ac" panose="020B0600000101010101" pitchFamily="50" charset="-127"/>
+              </a:rPr>
+              <a:t>단</a:t>
+            </a:r>
+            <a:r>
+              <a:rPr lang="en-US" altLang="ko-KR" sz="1500" spc="-150" dirty="0">
+                <a:ln>
+                  <a:solidFill>
+                    <a:schemeClr val="tx1">
+                      <a:alpha val="40000"/>
+                    </a:schemeClr>
+                  </a:solidFill>
+                </a:ln>
+                <a:latin typeface="나눔스퀘어_ac" panose="020B0600000101010101" pitchFamily="50" charset="-127"/>
+                <a:ea typeface="나눔스퀘어_ac" panose="020B0600000101010101" pitchFamily="50" charset="-127"/>
+              </a:rPr>
+              <a:t>, </a:t>
+            </a:r>
+            <a:r>
+              <a:rPr lang="ko-KR" altLang="en-US" sz="1500" spc="-150" dirty="0">
+                <a:ln>
+                  <a:solidFill>
+                    <a:schemeClr val="tx1">
+                      <a:alpha val="40000"/>
+                    </a:schemeClr>
+                  </a:solidFill>
+                </a:ln>
+                <a:latin typeface="나눔스퀘어_ac" panose="020B0600000101010101" pitchFamily="50" charset="-127"/>
+                <a:ea typeface="나눔스퀘어_ac" panose="020B0600000101010101" pitchFamily="50" charset="-127"/>
+              </a:rPr>
+              <a:t>뒷면만을 그린다</a:t>
+            </a:r>
+            <a:r>
+              <a:rPr lang="en-US" altLang="ko-KR" sz="1500" spc="-150" dirty="0">
+                <a:ln>
+                  <a:solidFill>
+                    <a:schemeClr val="tx1">
+                      <a:alpha val="40000"/>
+                    </a:schemeClr>
+                  </a:solidFill>
+                </a:ln>
+                <a:latin typeface="나눔스퀘어_ac" panose="020B0600000101010101" pitchFamily="50" charset="-127"/>
+                <a:ea typeface="나눔스퀘어_ac" panose="020B0600000101010101" pitchFamily="50" charset="-127"/>
+              </a:rPr>
+              <a:t>.)</a:t>
+            </a:r>
+            <a:endParaRPr lang="ko-KR" altLang="en-US" sz="1500" spc="-150" dirty="0">
+              <a:ln>
+                <a:solidFill>
+                  <a:schemeClr val="tx1">
+                    <a:alpha val="40000"/>
+                  </a:schemeClr>
+                </a:solidFill>
+              </a:ln>
+              <a:latin typeface="나눔스퀘어_ac" panose="020B0600000101010101" pitchFamily="50" charset="-127"/>
+              <a:ea typeface="나눔스퀘어_ac" panose="020B0600000101010101" pitchFamily="50" charset="-127"/>
+            </a:endParaRPr>
+          </a:p>
+        </p:txBody>
+      </p:sp>
+      <p:sp>
+        <p:nvSpPr>
+          <p:cNvPr id="28" name="TextBox 27">
+            <a:extLst>
+              <a:ext uri="{FF2B5EF4-FFF2-40B4-BE49-F238E27FC236}">
+                <a16:creationId xmlns:a16="http://schemas.microsoft.com/office/drawing/2014/main" id="{D54980A5-1863-4B1E-96D0-51A9723308C5}"/>
               </a:ext>
             </a:extLst>
           </p:cNvPr>
@@ -9610,8 +9561,8 @@
         </p:nvSpPr>
         <p:spPr>
           <a:xfrm>
-            <a:off x="664615" y="2044433"/>
-            <a:ext cx="9123139" cy="369332"/>
+            <a:off x="3969175" y="3232362"/>
+            <a:ext cx="3974999" cy="323165"/>
           </a:xfrm>
           <a:prstGeom prst="rect">
             <a:avLst/>
@@ -9619,56 +9570,158 @@
           <a:noFill/>
         </p:spPr>
         <p:txBody>
-          <a:bodyPr wrap="square" rtlCol="0">
+          <a:bodyPr wrap="none" rtlCol="0">
             <a:spAutoFit/>
           </a:bodyPr>
-          <a:lstStyle>
-            <a:defPPr>
-              <a:defRPr lang="ko-KR"/>
-            </a:defPPr>
-            <a:lvl1pPr>
-              <a:defRPr spc="-150">
-                <a:ln>
-                  <a:solidFill>
-                    <a:schemeClr val="tx1">
-                      <a:alpha val="40000"/>
-                    </a:schemeClr>
-                  </a:solidFill>
-                </a:ln>
-                <a:latin typeface="나눔스퀘어_ac" panose="020B0600000101010101" pitchFamily="50" charset="-127"/>
-                <a:ea typeface="나눔스퀘어_ac" panose="020B0600000101010101" pitchFamily="50" charset="-127"/>
-              </a:defRPr>
-            </a:lvl1pPr>
-          </a:lstStyle>
-          <a:p>
-            <a:r>
-              <a:rPr lang="en-US" altLang="ko-KR" dirty="0" err="1"/>
-              <a:t>JoeyDeVries</a:t>
-            </a:r>
-            <a:r>
-              <a:rPr lang="en-US" altLang="ko-KR" dirty="0"/>
-              <a:t>, “</a:t>
-            </a:r>
-            <a:r>
-              <a:rPr lang="en-US" altLang="ko-KR" dirty="0">
-                <a:hlinkClick r:id="rId2"/>
-              </a:rPr>
-              <a:t>https://learnopengl.com/</a:t>
-            </a:r>
-            <a:r>
-              <a:rPr lang="en-US" altLang="ko-KR" dirty="0"/>
-              <a:t>”</a:t>
-            </a:r>
-            <a:endParaRPr lang="ko-KR" altLang="en-US" dirty="0"/>
-          </a:p>
-        </p:txBody>
-      </p:sp>
-      <p:sp>
-        <p:nvSpPr>
-          <p:cNvPr id="9" name="TextBox 8">
-            <a:extLst>
-              <a:ext uri="{FF2B5EF4-FFF2-40B4-BE49-F238E27FC236}">
-                <a16:creationId xmlns:a16="http://schemas.microsoft.com/office/drawing/2014/main" id="{40400FF9-7904-4E26-BB05-2F0E92B45308}"/>
+          <a:lstStyle/>
+          <a:p>
+            <a:pPr algn="ctr"/>
+            <a:r>
+              <a:rPr lang="en-US" altLang="ko-KR" sz="1500" spc="-150" dirty="0">
+                <a:ln>
+                  <a:solidFill>
+                    <a:schemeClr val="tx1">
+                      <a:alpha val="40000"/>
+                    </a:schemeClr>
+                  </a:solidFill>
+                </a:ln>
+                <a:latin typeface="나눔스퀘어_ac" panose="020B0600000101010101" pitchFamily="50" charset="-127"/>
+                <a:ea typeface="나눔스퀘어_ac" panose="020B0600000101010101" pitchFamily="50" charset="-127"/>
+              </a:rPr>
+              <a:t>2. Volumetric</a:t>
+            </a:r>
+            <a:r>
+              <a:rPr lang="ko-KR" altLang="en-US" sz="1500" spc="-150" dirty="0">
+                <a:ln>
+                  <a:solidFill>
+                    <a:schemeClr val="tx1">
+                      <a:alpha val="40000"/>
+                    </a:schemeClr>
+                  </a:solidFill>
+                </a:ln>
+                <a:latin typeface="나눔스퀘어_ac" panose="020B0600000101010101" pitchFamily="50" charset="-127"/>
+                <a:ea typeface="나눔스퀘어_ac" panose="020B0600000101010101" pitchFamily="50" charset="-127"/>
+              </a:rPr>
+              <a:t> </a:t>
+            </a:r>
+            <a:r>
+              <a:rPr lang="en-US" altLang="ko-KR" sz="1500" spc="-150" dirty="0">
+                <a:ln>
+                  <a:solidFill>
+                    <a:schemeClr val="tx1">
+                      <a:alpha val="40000"/>
+                    </a:schemeClr>
+                  </a:solidFill>
+                </a:ln>
+                <a:latin typeface="나눔스퀘어_ac" panose="020B0600000101010101" pitchFamily="50" charset="-127"/>
+                <a:ea typeface="나눔스퀘어_ac" panose="020B0600000101010101" pitchFamily="50" charset="-127"/>
+              </a:rPr>
+              <a:t>Light</a:t>
+            </a:r>
+            <a:r>
+              <a:rPr lang="ko-KR" altLang="en-US" sz="1500" spc="-150" dirty="0">
+                <a:ln>
+                  <a:solidFill>
+                    <a:schemeClr val="tx1">
+                      <a:alpha val="40000"/>
+                    </a:schemeClr>
+                  </a:solidFill>
+                </a:ln>
+                <a:latin typeface="나눔스퀘어_ac" panose="020B0600000101010101" pitchFamily="50" charset="-127"/>
+                <a:ea typeface="나눔스퀘어_ac" panose="020B0600000101010101" pitchFamily="50" charset="-127"/>
+              </a:rPr>
+              <a:t> </a:t>
+            </a:r>
+            <a:r>
+              <a:rPr lang="en-US" altLang="ko-KR" sz="1500" spc="-150" dirty="0">
+                <a:ln>
+                  <a:solidFill>
+                    <a:schemeClr val="tx1">
+                      <a:alpha val="40000"/>
+                    </a:schemeClr>
+                  </a:solidFill>
+                </a:ln>
+                <a:latin typeface="나눔스퀘어_ac" panose="020B0600000101010101" pitchFamily="50" charset="-127"/>
+                <a:ea typeface="나눔스퀘어_ac" panose="020B0600000101010101" pitchFamily="50" charset="-127"/>
+              </a:rPr>
+              <a:t>Scattering</a:t>
+            </a:r>
+            <a:r>
+              <a:rPr lang="ko-KR" altLang="en-US" sz="1500" spc="-150" dirty="0">
+                <a:ln>
+                  <a:solidFill>
+                    <a:schemeClr val="tx1">
+                      <a:alpha val="40000"/>
+                    </a:schemeClr>
+                  </a:solidFill>
+                </a:ln>
+                <a:latin typeface="나눔스퀘어_ac" panose="020B0600000101010101" pitchFamily="50" charset="-127"/>
+                <a:ea typeface="나눔스퀘어_ac" panose="020B0600000101010101" pitchFamily="50" charset="-127"/>
+              </a:rPr>
+              <a:t> </a:t>
+            </a:r>
+            <a:r>
+              <a:rPr lang="en-US" altLang="ko-KR" sz="1500" spc="-150" dirty="0">
+                <a:ln>
+                  <a:solidFill>
+                    <a:schemeClr val="tx1">
+                      <a:alpha val="40000"/>
+                    </a:schemeClr>
+                  </a:solidFill>
+                </a:ln>
+                <a:latin typeface="나눔스퀘어_ac" panose="020B0600000101010101" pitchFamily="50" charset="-127"/>
+                <a:ea typeface="나눔스퀘어_ac" panose="020B0600000101010101" pitchFamily="50" charset="-127"/>
+              </a:rPr>
+              <a:t>Ray Marching</a:t>
+            </a:r>
+            <a:r>
+              <a:rPr lang="ko-KR" altLang="en-US" sz="1500" spc="-150" dirty="0">
+                <a:ln>
+                  <a:solidFill>
+                    <a:schemeClr val="tx1">
+                      <a:alpha val="40000"/>
+                    </a:schemeClr>
+                  </a:solidFill>
+                </a:ln>
+                <a:latin typeface="나눔스퀘어_ac" panose="020B0600000101010101" pitchFamily="50" charset="-127"/>
+                <a:ea typeface="나눔스퀘어_ac" panose="020B0600000101010101" pitchFamily="50" charset="-127"/>
+              </a:rPr>
+              <a:t>을 수행한다</a:t>
+            </a:r>
+            <a:r>
+              <a:rPr lang="en-US" altLang="ko-KR" sz="1500" spc="-150" dirty="0">
+                <a:ln>
+                  <a:solidFill>
+                    <a:schemeClr val="tx1">
+                      <a:alpha val="40000"/>
+                    </a:schemeClr>
+                  </a:solidFill>
+                </a:ln>
+                <a:latin typeface="나눔스퀘어_ac" panose="020B0600000101010101" pitchFamily="50" charset="-127"/>
+                <a:ea typeface="나눔스퀘어_ac" panose="020B0600000101010101" pitchFamily="50" charset="-127"/>
+              </a:rPr>
+              <a:t>.</a:t>
+            </a:r>
+            <a:endParaRPr lang="ko-KR" altLang="en-US" sz="1500" spc="-150" dirty="0">
+              <a:ln>
+                <a:solidFill>
+                  <a:schemeClr val="tx1">
+                    <a:alpha val="40000"/>
+                  </a:schemeClr>
+                </a:solidFill>
+              </a:ln>
+              <a:latin typeface="나눔스퀘어_ac" panose="020B0600000101010101" pitchFamily="50" charset="-127"/>
+              <a:ea typeface="나눔스퀘어_ac" panose="020B0600000101010101" pitchFamily="50" charset="-127"/>
+            </a:endParaRPr>
+          </a:p>
+        </p:txBody>
+      </p:sp>
+      <p:sp>
+        <p:nvSpPr>
+          <p:cNvPr id="29" name="TextBox 28">
+            <a:extLst>
+              <a:ext uri="{FF2B5EF4-FFF2-40B4-BE49-F238E27FC236}">
+                <a16:creationId xmlns:a16="http://schemas.microsoft.com/office/drawing/2014/main" id="{301BD046-6FD5-481D-B2EE-003B4E353CCF}"/>
               </a:ext>
             </a:extLst>
           </p:cNvPr>
@@ -9677,8 +9730,8 @@
         </p:nvSpPr>
         <p:spPr>
           <a:xfrm>
-            <a:off x="664614" y="3171753"/>
-            <a:ext cx="9123139" cy="369332"/>
+            <a:off x="9197510" y="4943077"/>
+            <a:ext cx="1832553" cy="323165"/>
           </a:xfrm>
           <a:prstGeom prst="rect">
             <a:avLst/>
@@ -9686,56 +9739,74 @@
           <a:noFill/>
         </p:spPr>
         <p:txBody>
-          <a:bodyPr wrap="square" rtlCol="0">
+          <a:bodyPr wrap="none" rtlCol="0">
             <a:spAutoFit/>
           </a:bodyPr>
-          <a:lstStyle>
-            <a:defPPr>
-              <a:defRPr lang="ko-KR"/>
-            </a:defPPr>
-            <a:lvl1pPr>
-              <a:defRPr spc="-150">
-                <a:ln>
-                  <a:solidFill>
-                    <a:schemeClr val="tx1">
-                      <a:alpha val="40000"/>
-                    </a:schemeClr>
-                  </a:solidFill>
-                </a:ln>
-                <a:latin typeface="나눔스퀘어_ac" panose="020B0600000101010101" pitchFamily="50" charset="-127"/>
-                <a:ea typeface="나눔스퀘어_ac" panose="020B0600000101010101" pitchFamily="50" charset="-127"/>
-              </a:defRPr>
-            </a:lvl1pPr>
-          </a:lstStyle>
-          <a:p>
-            <a:r>
-              <a:rPr lang="en-US" altLang="ko-KR" dirty="0" err="1"/>
-              <a:t>ogldev</a:t>
-            </a:r>
-            <a:r>
-              <a:rPr lang="en-US" altLang="ko-KR" dirty="0"/>
-              <a:t>, “</a:t>
-            </a:r>
-            <a:r>
-              <a:rPr lang="en-US" altLang="ko-KR" dirty="0">
-                <a:hlinkClick r:id="rId3"/>
-              </a:rPr>
-              <a:t>http://ogldev.atspace.co.uk/www/tutorial49/tutorial49.html</a:t>
-            </a:r>
-            <a:r>
-              <a:rPr lang="en-US" altLang="ko-KR" dirty="0"/>
-              <a:t>”</a:t>
-            </a:r>
-            <a:endParaRPr lang="ko-KR" altLang="en-US" dirty="0"/>
-          </a:p>
-        </p:txBody>
-      </p:sp>
-      <p:sp>
-        <p:nvSpPr>
-          <p:cNvPr id="11" name="TextBox 10">
-            <a:extLst>
-              <a:ext uri="{FF2B5EF4-FFF2-40B4-BE49-F238E27FC236}">
-                <a16:creationId xmlns:a16="http://schemas.microsoft.com/office/drawing/2014/main" id="{B425DE59-1371-4087-9FD3-B0B9CA0A827F}"/>
+          <a:lstStyle/>
+          <a:p>
+            <a:pPr algn="ctr"/>
+            <a:r>
+              <a:rPr lang="en-US" altLang="ko-KR" sz="1500" spc="-150" dirty="0">
+                <a:ln>
+                  <a:solidFill>
+                    <a:schemeClr val="tx1">
+                      <a:alpha val="40000"/>
+                    </a:schemeClr>
+                  </a:solidFill>
+                </a:ln>
+                <a:latin typeface="나눔스퀘어_ac" panose="020B0600000101010101" pitchFamily="50" charset="-127"/>
+                <a:ea typeface="나눔스퀘어_ac" panose="020B0600000101010101" pitchFamily="50" charset="-127"/>
+              </a:rPr>
+              <a:t>3. Radial Blur</a:t>
+            </a:r>
+            <a:r>
+              <a:rPr lang="ko-KR" altLang="en-US" sz="1500" spc="-150" dirty="0">
+                <a:ln>
+                  <a:solidFill>
+                    <a:schemeClr val="tx1">
+                      <a:alpha val="40000"/>
+                    </a:schemeClr>
+                  </a:solidFill>
+                </a:ln>
+                <a:latin typeface="나눔스퀘어_ac" panose="020B0600000101010101" pitchFamily="50" charset="-127"/>
+                <a:ea typeface="나눔스퀘어_ac" panose="020B0600000101010101" pitchFamily="50" charset="-127"/>
+              </a:rPr>
+              <a:t>를 수행한다</a:t>
+            </a:r>
+            <a:r>
+              <a:rPr lang="en-US" altLang="ko-KR" sz="1500" spc="-150" dirty="0">
+                <a:ln>
+                  <a:solidFill>
+                    <a:schemeClr val="tx1">
+                      <a:alpha val="40000"/>
+                    </a:schemeClr>
+                  </a:solidFill>
+                </a:ln>
+                <a:latin typeface="나눔스퀘어_ac" panose="020B0600000101010101" pitchFamily="50" charset="-127"/>
+                <a:ea typeface="나눔스퀘어_ac" panose="020B0600000101010101" pitchFamily="50" charset="-127"/>
+              </a:rPr>
+              <a:t>.</a:t>
+            </a:r>
+            <a:endParaRPr lang="ko-KR" altLang="en-US" sz="1500" spc="-150" dirty="0">
+              <a:ln>
+                <a:solidFill>
+                  <a:schemeClr val="tx1">
+                    <a:alpha val="40000"/>
+                  </a:schemeClr>
+                </a:solidFill>
+              </a:ln>
+              <a:latin typeface="나눔스퀘어_ac" panose="020B0600000101010101" pitchFamily="50" charset="-127"/>
+              <a:ea typeface="나눔스퀘어_ac" panose="020B0600000101010101" pitchFamily="50" charset="-127"/>
+            </a:endParaRPr>
+          </a:p>
+        </p:txBody>
+      </p:sp>
+      <p:sp>
+        <p:nvSpPr>
+          <p:cNvPr id="30" name="TextBox 29">
+            <a:extLst>
+              <a:ext uri="{FF2B5EF4-FFF2-40B4-BE49-F238E27FC236}">
+                <a16:creationId xmlns:a16="http://schemas.microsoft.com/office/drawing/2014/main" id="{8F58F4E7-3420-4938-9FD8-C962D21F4C06}"/>
               </a:ext>
             </a:extLst>
           </p:cNvPr>
@@ -9744,8 +9815,8 @@
         </p:nvSpPr>
         <p:spPr>
           <a:xfrm>
-            <a:off x="664615" y="3750998"/>
-            <a:ext cx="7727949" cy="923330"/>
+            <a:off x="4185446" y="6368525"/>
+            <a:ext cx="3562515" cy="323165"/>
           </a:xfrm>
           <a:prstGeom prst="rect">
             <a:avLst/>
@@ -9753,92 +9824,102 @@
           <a:noFill/>
         </p:spPr>
         <p:txBody>
-          <a:bodyPr wrap="square" rtlCol="0">
+          <a:bodyPr wrap="none" rtlCol="0">
             <a:spAutoFit/>
           </a:bodyPr>
-          <a:lstStyle>
-            <a:defPPr>
-              <a:defRPr lang="ko-KR"/>
-            </a:defPPr>
-            <a:lvl1pPr>
-              <a:defRPr spc="-150">
-                <a:ln>
-                  <a:solidFill>
-                    <a:schemeClr val="tx1">
-                      <a:alpha val="40000"/>
-                    </a:schemeClr>
-                  </a:solidFill>
-                </a:ln>
-                <a:latin typeface="나눔스퀘어_ac" panose="020B0600000101010101" pitchFamily="50" charset="-127"/>
-                <a:ea typeface="나눔스퀘어_ac" panose="020B0600000101010101" pitchFamily="50" charset="-127"/>
-              </a:defRPr>
-            </a:lvl1pPr>
-          </a:lstStyle>
-          <a:p>
-            <a:r>
-              <a:rPr lang="en-US" altLang="ko-KR" dirty="0"/>
-              <a:t>Hubert</a:t>
-            </a:r>
-            <a:r>
-              <a:rPr lang="ko-KR" altLang="en-US" dirty="0"/>
-              <a:t> </a:t>
-            </a:r>
-            <a:r>
-              <a:rPr lang="en-US" altLang="ko-KR" dirty="0"/>
-              <a:t>Nguyen, </a:t>
-            </a:r>
-            <a:r>
-              <a:rPr lang="ko-KR" altLang="en-US" dirty="0" err="1"/>
-              <a:t>주혁환</a:t>
-            </a:r>
-            <a:r>
-              <a:rPr lang="ko-KR" altLang="en-US" dirty="0"/>
-              <a:t> 역</a:t>
-            </a:r>
-            <a:r>
-              <a:rPr lang="en-US" altLang="ko-KR" dirty="0"/>
-              <a:t>, </a:t>
-            </a:r>
-            <a:r>
-              <a:rPr lang="ko-KR" altLang="en-US" dirty="0"/>
-              <a:t>『</a:t>
-            </a:r>
-            <a:r>
-              <a:rPr lang="en-US" altLang="ko-KR" dirty="0"/>
-              <a:t>GPU Gems3』, </a:t>
-            </a:r>
-            <a:r>
-              <a:rPr lang="en-US" altLang="ko-KR" dirty="0">
-                <a:hlinkClick r:id="rId4"/>
-              </a:rPr>
-              <a:t>“https://developer.nvidia.com/</a:t>
-            </a:r>
-            <a:r>
-              <a:rPr lang="en-US" altLang="ko-KR" dirty="0" err="1">
-                <a:hlinkClick r:id="rId4"/>
-              </a:rPr>
-              <a:t>gpugems</a:t>
-            </a:r>
-            <a:r>
-              <a:rPr lang="en-US" altLang="ko-KR" dirty="0">
-                <a:hlinkClick r:id="rId4"/>
-              </a:rPr>
-              <a:t>/gpugems3/part-ii-light-and-shadows/chapter-13-volumetric-light-scattering-post-process</a:t>
-            </a:r>
-            <a:r>
-              <a:rPr lang="en-US" altLang="ko-KR" dirty="0"/>
-              <a:t>”</a:t>
-            </a:r>
-            <a:endParaRPr lang="ko-KR" altLang="en-US" dirty="0"/>
-          </a:p>
-        </p:txBody>
-      </p:sp>
-      <p:sp>
-        <p:nvSpPr>
-          <p:cNvPr id="15" name="TextBox 14">
-            <a:extLst>
-              <a:ext uri="{FF2B5EF4-FFF2-40B4-BE49-F238E27FC236}">
-                <a16:creationId xmlns:a16="http://schemas.microsoft.com/office/drawing/2014/main" id="{8E4BE833-2C41-44F2-8EE4-410F9631E34D}"/>
+          <a:lstStyle/>
+          <a:p>
+            <a:pPr algn="ctr"/>
+            <a:r>
+              <a:rPr lang="en-US" altLang="ko-KR" sz="1500" spc="-150" dirty="0">
+                <a:ln>
+                  <a:solidFill>
+                    <a:schemeClr val="tx1">
+                      <a:alpha val="40000"/>
+                    </a:schemeClr>
+                  </a:solidFill>
+                </a:ln>
+                <a:latin typeface="나눔스퀘어_ac" panose="020B0600000101010101" pitchFamily="50" charset="-127"/>
+                <a:ea typeface="나눔스퀘어_ac" panose="020B0600000101010101" pitchFamily="50" charset="-127"/>
+              </a:rPr>
+              <a:t>4. Artifact</a:t>
+            </a:r>
+            <a:r>
+              <a:rPr lang="ko-KR" altLang="en-US" sz="1500" spc="-150" dirty="0">
+                <a:ln>
+                  <a:solidFill>
+                    <a:schemeClr val="tx1">
+                      <a:alpha val="40000"/>
+                    </a:schemeClr>
+                  </a:solidFill>
+                </a:ln>
+                <a:latin typeface="나눔스퀘어_ac" panose="020B0600000101010101" pitchFamily="50" charset="-127"/>
+                <a:ea typeface="나눔스퀘어_ac" panose="020B0600000101010101" pitchFamily="50" charset="-127"/>
+              </a:rPr>
+              <a:t>를 줄이기 위해  </a:t>
+            </a:r>
+            <a:r>
+              <a:rPr lang="en-US" altLang="ko-KR" sz="1500" spc="-150" dirty="0">
+                <a:ln>
+                  <a:solidFill>
+                    <a:schemeClr val="tx1">
+                      <a:alpha val="40000"/>
+                    </a:schemeClr>
+                  </a:solidFill>
+                </a:ln>
+                <a:latin typeface="나눔스퀘어_ac" panose="020B0600000101010101" pitchFamily="50" charset="-127"/>
+                <a:ea typeface="나눔스퀘어_ac" panose="020B0600000101010101" pitchFamily="50" charset="-127"/>
+              </a:rPr>
+              <a:t>Gaussian Blur</a:t>
+            </a:r>
+            <a:r>
+              <a:rPr lang="ko-KR" altLang="en-US" sz="1500" spc="-150" dirty="0">
+                <a:ln>
+                  <a:solidFill>
+                    <a:schemeClr val="tx1">
+                      <a:alpha val="40000"/>
+                    </a:schemeClr>
+                  </a:solidFill>
+                </a:ln>
+                <a:latin typeface="나눔스퀘어_ac" panose="020B0600000101010101" pitchFamily="50" charset="-127"/>
+                <a:ea typeface="나눔스퀘어_ac" panose="020B0600000101010101" pitchFamily="50" charset="-127"/>
+              </a:rPr>
+              <a:t>를 수행한다</a:t>
+            </a:r>
+            <a:r>
+              <a:rPr lang="en-US" altLang="ko-KR" sz="1500" spc="-150" dirty="0">
+                <a:ln>
+                  <a:solidFill>
+                    <a:schemeClr val="tx1">
+                      <a:alpha val="40000"/>
+                    </a:schemeClr>
+                  </a:solidFill>
+                </a:ln>
+                <a:latin typeface="나눔스퀘어_ac" panose="020B0600000101010101" pitchFamily="50" charset="-127"/>
+                <a:ea typeface="나눔스퀘어_ac" panose="020B0600000101010101" pitchFamily="50" charset="-127"/>
+              </a:rPr>
+              <a:t>.</a:t>
+            </a:r>
+            <a:endParaRPr lang="ko-KR" altLang="en-US" sz="1500" spc="-150" dirty="0">
+              <a:ln>
+                <a:solidFill>
+                  <a:schemeClr val="tx1">
+                    <a:alpha val="40000"/>
+                  </a:schemeClr>
+                </a:solidFill>
+              </a:ln>
+              <a:latin typeface="나눔스퀘어_ac" panose="020B0600000101010101" pitchFamily="50" charset="-127"/>
+              <a:ea typeface="나눔스퀘어_ac" panose="020B0600000101010101" pitchFamily="50" charset="-127"/>
+            </a:endParaRPr>
+          </a:p>
+        </p:txBody>
+      </p:sp>
+      <p:sp>
+        <p:nvSpPr>
+          <p:cNvPr id="31" name="TextBox 30">
+            <a:extLst>
+              <a:ext uri="{FF2B5EF4-FFF2-40B4-BE49-F238E27FC236}">
+                <a16:creationId xmlns:a16="http://schemas.microsoft.com/office/drawing/2014/main" id="{A226D58D-3AB7-4692-81B9-5C445361D15E}"/>
               </a:ext>
             </a:extLst>
           </p:cNvPr>
@@ -9847,8 +9928,8 @@
         </p:nvSpPr>
         <p:spPr>
           <a:xfrm>
-            <a:off x="664615" y="4855839"/>
-            <a:ext cx="7727949" cy="646331"/>
+            <a:off x="926068" y="6368525"/>
+            <a:ext cx="1558440" cy="323165"/>
           </a:xfrm>
           <a:prstGeom prst="rect">
             <a:avLst/>
@@ -9856,68 +9937,72 @@
           <a:noFill/>
         </p:spPr>
         <p:txBody>
-          <a:bodyPr wrap="square" rtlCol="0">
+          <a:bodyPr wrap="none" rtlCol="0">
             <a:spAutoFit/>
           </a:bodyPr>
-          <a:lstStyle>
-            <a:defPPr>
-              <a:defRPr lang="ko-KR"/>
-            </a:defPPr>
-            <a:lvl1pPr>
-              <a:defRPr spc="-150">
-                <a:ln>
-                  <a:solidFill>
-                    <a:schemeClr val="tx1">
-                      <a:alpha val="40000"/>
-                    </a:schemeClr>
-                  </a:solidFill>
-                </a:ln>
-                <a:latin typeface="나눔스퀘어_ac" panose="020B0600000101010101" pitchFamily="50" charset="-127"/>
-                <a:ea typeface="나눔스퀘어_ac" panose="020B0600000101010101" pitchFamily="50" charset="-127"/>
-              </a:defRPr>
-            </a:lvl1pPr>
-          </a:lstStyle>
-          <a:p>
-            <a:r>
-              <a:rPr lang="en-US" altLang="ko-KR" dirty="0" err="1"/>
-              <a:t>Balázs</a:t>
-            </a:r>
-            <a:r>
-              <a:rPr lang="en-US" altLang="ko-KR" dirty="0"/>
-              <a:t> </a:t>
-            </a:r>
-            <a:r>
-              <a:rPr lang="en-US" altLang="ko-KR" dirty="0" err="1"/>
-              <a:t>Tóth</a:t>
-            </a:r>
-            <a:r>
-              <a:rPr lang="en-US" altLang="ko-KR" dirty="0"/>
-              <a:t> and </a:t>
-            </a:r>
-            <a:r>
-              <a:rPr lang="en-US" altLang="ko-KR" dirty="0" err="1"/>
-              <a:t>Tamás</a:t>
-            </a:r>
-            <a:r>
-              <a:rPr lang="en-US" altLang="ko-KR" dirty="0"/>
-              <a:t> </a:t>
-            </a:r>
-            <a:r>
-              <a:rPr lang="en-US" altLang="ko-KR" dirty="0" err="1"/>
-              <a:t>Umenhoffer</a:t>
-            </a:r>
-            <a:r>
-              <a:rPr lang="en-US" altLang="ko-KR" dirty="0"/>
-              <a:t>, “Real-time Volumetric Lighting in Participating Media”, Budapest University of Technology and Economics, Hungary</a:t>
-            </a:r>
-            <a:endParaRPr lang="ko-KR" altLang="en-US" dirty="0"/>
+          <a:lstStyle/>
+          <a:p>
+            <a:pPr algn="ctr"/>
+            <a:r>
+              <a:rPr lang="en-US" altLang="ko-KR" sz="1500" spc="-150" dirty="0">
+                <a:ln>
+                  <a:solidFill>
+                    <a:schemeClr val="tx1">
+                      <a:alpha val="40000"/>
+                    </a:schemeClr>
+                  </a:solidFill>
+                </a:ln>
+                <a:latin typeface="나눔스퀘어_ac" panose="020B0600000101010101" pitchFamily="50" charset="-127"/>
+                <a:ea typeface="나눔스퀘어_ac" panose="020B0600000101010101" pitchFamily="50" charset="-127"/>
+              </a:rPr>
+              <a:t>5. Scene</a:t>
+            </a:r>
+            <a:r>
+              <a:rPr lang="ko-KR" altLang="en-US" sz="1500" spc="-150" dirty="0">
+                <a:ln>
+                  <a:solidFill>
+                    <a:schemeClr val="tx1">
+                      <a:alpha val="40000"/>
+                    </a:schemeClr>
+                  </a:solidFill>
+                </a:ln>
+                <a:latin typeface="나눔스퀘어_ac" panose="020B0600000101010101" pitchFamily="50" charset="-127"/>
+                <a:ea typeface="나눔스퀘어_ac" panose="020B0600000101010101" pitchFamily="50" charset="-127"/>
+              </a:rPr>
+              <a:t>과 결합한다</a:t>
+            </a:r>
+            <a:r>
+              <a:rPr lang="en-US" altLang="ko-KR" sz="1500" spc="-150" dirty="0">
+                <a:ln>
+                  <a:solidFill>
+                    <a:schemeClr val="tx1">
+                      <a:alpha val="40000"/>
+                    </a:schemeClr>
+                  </a:solidFill>
+                </a:ln>
+                <a:latin typeface="나눔스퀘어_ac" panose="020B0600000101010101" pitchFamily="50" charset="-127"/>
+                <a:ea typeface="나눔스퀘어_ac" panose="020B0600000101010101" pitchFamily="50" charset="-127"/>
+              </a:rPr>
+              <a:t>.</a:t>
+            </a:r>
+            <a:endParaRPr lang="ko-KR" altLang="en-US" sz="1500" spc="-150" dirty="0">
+              <a:ln>
+                <a:solidFill>
+                  <a:schemeClr val="tx1">
+                    <a:alpha val="40000"/>
+                  </a:schemeClr>
+                </a:solidFill>
+              </a:ln>
+              <a:latin typeface="나눔스퀘어_ac" panose="020B0600000101010101" pitchFamily="50" charset="-127"/>
+              <a:ea typeface="나눔스퀘어_ac" panose="020B0600000101010101" pitchFamily="50" charset="-127"/>
+            </a:endParaRPr>
           </a:p>
         </p:txBody>
       </p:sp>
     </p:spTree>
     <p:extLst>
       <p:ext uri="{BB962C8B-B14F-4D97-AF65-F5344CB8AC3E}">
-        <p14:creationId xmlns:p14="http://schemas.microsoft.com/office/powerpoint/2010/main" val="2555184046"/>
+        <p14:creationId xmlns:p14="http://schemas.microsoft.com/office/powerpoint/2010/main" val="2340363990"/>
       </p:ext>
     </p:extLst>
   </p:cSld>
@@ -10452,6 +10537,615 @@
           <a:chExt cx="0" cy="0"/>
         </a:xfrm>
       </p:grpSpPr>
+      <p:sp>
+        <p:nvSpPr>
+          <p:cNvPr id="8" name="TextBox 7">
+            <a:extLst>
+              <a:ext uri="{FF2B5EF4-FFF2-40B4-BE49-F238E27FC236}">
+                <a16:creationId xmlns:a16="http://schemas.microsoft.com/office/drawing/2014/main" id="{9F760CC9-FAB6-4EBA-AB43-42078D7D4C26}"/>
+              </a:ext>
+            </a:extLst>
+          </p:cNvPr>
+          <p:cNvSpPr txBox="1"/>
+          <p:nvPr/>
+        </p:nvSpPr>
+        <p:spPr>
+          <a:xfrm>
+            <a:off x="1565073" y="272648"/>
+            <a:ext cx="9105900" cy="307777"/>
+          </a:xfrm>
+          <a:prstGeom prst="rect">
+            <a:avLst/>
+          </a:prstGeom>
+          <a:noFill/>
+        </p:spPr>
+        <p:txBody>
+          <a:bodyPr wrap="square" rtlCol="0">
+            <a:spAutoFit/>
+          </a:bodyPr>
+          <a:lstStyle>
+            <a:defPPr>
+              <a:defRPr lang="ko-KR"/>
+            </a:defPPr>
+            <a:lvl1pPr algn="ctr">
+              <a:defRPr sz="1400" b="1" spc="2000">
+                <a:ln>
+                  <a:solidFill>
+                    <a:schemeClr val="tx1">
+                      <a:alpha val="40000"/>
+                    </a:schemeClr>
+                  </a:solidFill>
+                </a:ln>
+                <a:latin typeface="나눔스퀘어_ac" panose="020B0600000101010101" pitchFamily="50" charset="-127"/>
+                <a:ea typeface="나눔스퀘어_ac" panose="020B0600000101010101" pitchFamily="50" charset="-127"/>
+              </a:defRPr>
+            </a:lvl1pPr>
+          </a:lstStyle>
+          <a:p>
+            <a:r>
+              <a:rPr lang="ko-KR" altLang="en-US" dirty="0"/>
+              <a:t>참고자료</a:t>
+            </a:r>
+          </a:p>
+        </p:txBody>
+      </p:sp>
+      <p:sp>
+        <p:nvSpPr>
+          <p:cNvPr id="12" name="TextBox 11">
+            <a:extLst>
+              <a:ext uri="{FF2B5EF4-FFF2-40B4-BE49-F238E27FC236}">
+                <a16:creationId xmlns:a16="http://schemas.microsoft.com/office/drawing/2014/main" id="{C0AD4081-30A4-4796-A4E8-8FD9F3577602}"/>
+              </a:ext>
+            </a:extLst>
+          </p:cNvPr>
+          <p:cNvSpPr txBox="1"/>
+          <p:nvPr/>
+        </p:nvSpPr>
+        <p:spPr>
+          <a:xfrm>
+            <a:off x="664615" y="1844211"/>
+            <a:ext cx="7727949" cy="369332"/>
+          </a:xfrm>
+          <a:prstGeom prst="rect">
+            <a:avLst/>
+          </a:prstGeom>
+          <a:noFill/>
+        </p:spPr>
+        <p:txBody>
+          <a:bodyPr wrap="square" rtlCol="0">
+            <a:spAutoFit/>
+          </a:bodyPr>
+          <a:lstStyle>
+            <a:defPPr>
+              <a:defRPr lang="ko-KR"/>
+            </a:defPPr>
+            <a:lvl1pPr>
+              <a:defRPr spc="-150">
+                <a:ln>
+                  <a:solidFill>
+                    <a:schemeClr val="tx1">
+                      <a:alpha val="40000"/>
+                    </a:schemeClr>
+                  </a:solidFill>
+                </a:ln>
+                <a:latin typeface="나눔스퀘어_ac" panose="020B0600000101010101" pitchFamily="50" charset="-127"/>
+                <a:ea typeface="나눔스퀘어_ac" panose="020B0600000101010101" pitchFamily="50" charset="-127"/>
+              </a:defRPr>
+            </a:lvl1pPr>
+          </a:lstStyle>
+          <a:p>
+            <a:r>
+              <a:rPr lang="en-US" altLang="ko-KR" dirty="0"/>
+              <a:t>Damian </a:t>
+            </a:r>
+            <a:r>
+              <a:rPr lang="en-US" altLang="ko-KR" dirty="0" err="1"/>
+              <a:t>Trebilco</a:t>
+            </a:r>
+            <a:r>
+              <a:rPr lang="en-US" altLang="ko-KR" dirty="0"/>
+              <a:t>, “Light Indexed Deferred Rendering”,  January 2008</a:t>
+            </a:r>
+            <a:endParaRPr lang="ko-KR" altLang="en-US" dirty="0"/>
+          </a:p>
+        </p:txBody>
+      </p:sp>
+      <p:sp>
+        <p:nvSpPr>
+          <p:cNvPr id="20" name="TextBox 19">
+            <a:extLst>
+              <a:ext uri="{FF2B5EF4-FFF2-40B4-BE49-F238E27FC236}">
+                <a16:creationId xmlns:a16="http://schemas.microsoft.com/office/drawing/2014/main" id="{F519ABA8-488D-4327-8F41-69F96217F1F2}"/>
+              </a:ext>
+            </a:extLst>
+          </p:cNvPr>
+          <p:cNvSpPr txBox="1"/>
+          <p:nvPr/>
+        </p:nvSpPr>
+        <p:spPr>
+          <a:xfrm>
+            <a:off x="664615" y="1280953"/>
+            <a:ext cx="9123139" cy="369332"/>
+          </a:xfrm>
+          <a:prstGeom prst="rect">
+            <a:avLst/>
+          </a:prstGeom>
+          <a:noFill/>
+        </p:spPr>
+        <p:txBody>
+          <a:bodyPr wrap="square" rtlCol="0">
+            <a:spAutoFit/>
+          </a:bodyPr>
+          <a:lstStyle>
+            <a:defPPr>
+              <a:defRPr lang="ko-KR"/>
+            </a:defPPr>
+            <a:lvl1pPr>
+              <a:defRPr spc="-150">
+                <a:ln>
+                  <a:solidFill>
+                    <a:schemeClr val="tx1">
+                      <a:alpha val="40000"/>
+                    </a:schemeClr>
+                  </a:solidFill>
+                </a:ln>
+                <a:latin typeface="나눔스퀘어_ac" panose="020B0600000101010101" pitchFamily="50" charset="-127"/>
+                <a:ea typeface="나눔스퀘어_ac" panose="020B0600000101010101" pitchFamily="50" charset="-127"/>
+              </a:defRPr>
+            </a:lvl1pPr>
+          </a:lstStyle>
+          <a:p>
+            <a:r>
+              <a:rPr lang="en-US" altLang="ko-KR" dirty="0" err="1"/>
+              <a:t>JoeyDeVries</a:t>
+            </a:r>
+            <a:r>
+              <a:rPr lang="en-US" altLang="ko-KR" dirty="0"/>
+              <a:t>, “</a:t>
+            </a:r>
+            <a:r>
+              <a:rPr lang="en-US" altLang="ko-KR" dirty="0">
+                <a:hlinkClick r:id="rId2"/>
+              </a:rPr>
+              <a:t>https://learnopengl.com/</a:t>
+            </a:r>
+            <a:r>
+              <a:rPr lang="en-US" altLang="ko-KR" dirty="0"/>
+              <a:t>”</a:t>
+            </a:r>
+            <a:endParaRPr lang="ko-KR" altLang="en-US" dirty="0"/>
+          </a:p>
+        </p:txBody>
+      </p:sp>
+      <p:sp>
+        <p:nvSpPr>
+          <p:cNvPr id="9" name="TextBox 8">
+            <a:extLst>
+              <a:ext uri="{FF2B5EF4-FFF2-40B4-BE49-F238E27FC236}">
+                <a16:creationId xmlns:a16="http://schemas.microsoft.com/office/drawing/2014/main" id="{40400FF9-7904-4E26-BB05-2F0E92B45308}"/>
+              </a:ext>
+            </a:extLst>
+          </p:cNvPr>
+          <p:cNvSpPr txBox="1"/>
+          <p:nvPr/>
+        </p:nvSpPr>
+        <p:spPr>
+          <a:xfrm>
+            <a:off x="664614" y="2408273"/>
+            <a:ext cx="9123139" cy="369332"/>
+          </a:xfrm>
+          <a:prstGeom prst="rect">
+            <a:avLst/>
+          </a:prstGeom>
+          <a:noFill/>
+        </p:spPr>
+        <p:txBody>
+          <a:bodyPr wrap="square" rtlCol="0">
+            <a:spAutoFit/>
+          </a:bodyPr>
+          <a:lstStyle>
+            <a:defPPr>
+              <a:defRPr lang="ko-KR"/>
+            </a:defPPr>
+            <a:lvl1pPr>
+              <a:defRPr spc="-150">
+                <a:ln>
+                  <a:solidFill>
+                    <a:schemeClr val="tx1">
+                      <a:alpha val="40000"/>
+                    </a:schemeClr>
+                  </a:solidFill>
+                </a:ln>
+                <a:latin typeface="나눔스퀘어_ac" panose="020B0600000101010101" pitchFamily="50" charset="-127"/>
+                <a:ea typeface="나눔스퀘어_ac" panose="020B0600000101010101" pitchFamily="50" charset="-127"/>
+              </a:defRPr>
+            </a:lvl1pPr>
+          </a:lstStyle>
+          <a:p>
+            <a:r>
+              <a:rPr lang="en-US" altLang="ko-KR" dirty="0" err="1"/>
+              <a:t>ogldev</a:t>
+            </a:r>
+            <a:r>
+              <a:rPr lang="en-US" altLang="ko-KR" dirty="0"/>
+              <a:t>, “</a:t>
+            </a:r>
+            <a:r>
+              <a:rPr lang="en-US" altLang="ko-KR" dirty="0">
+                <a:hlinkClick r:id="rId3"/>
+              </a:rPr>
+              <a:t>http://ogldev.atspace.co.uk/www/tutorial49/tutorial49.html</a:t>
+            </a:r>
+            <a:r>
+              <a:rPr lang="en-US" altLang="ko-KR" dirty="0"/>
+              <a:t>”</a:t>
+            </a:r>
+            <a:endParaRPr lang="ko-KR" altLang="en-US" dirty="0"/>
+          </a:p>
+        </p:txBody>
+      </p:sp>
+      <p:sp>
+        <p:nvSpPr>
+          <p:cNvPr id="11" name="TextBox 10">
+            <a:extLst>
+              <a:ext uri="{FF2B5EF4-FFF2-40B4-BE49-F238E27FC236}">
+                <a16:creationId xmlns:a16="http://schemas.microsoft.com/office/drawing/2014/main" id="{B425DE59-1371-4087-9FD3-B0B9CA0A827F}"/>
+              </a:ext>
+            </a:extLst>
+          </p:cNvPr>
+          <p:cNvSpPr txBox="1"/>
+          <p:nvPr/>
+        </p:nvSpPr>
+        <p:spPr>
+          <a:xfrm>
+            <a:off x="664615" y="2987518"/>
+            <a:ext cx="7727949" cy="923330"/>
+          </a:xfrm>
+          <a:prstGeom prst="rect">
+            <a:avLst/>
+          </a:prstGeom>
+          <a:noFill/>
+        </p:spPr>
+        <p:txBody>
+          <a:bodyPr wrap="square" rtlCol="0">
+            <a:spAutoFit/>
+          </a:bodyPr>
+          <a:lstStyle>
+            <a:defPPr>
+              <a:defRPr lang="ko-KR"/>
+            </a:defPPr>
+            <a:lvl1pPr>
+              <a:defRPr spc="-150">
+                <a:ln>
+                  <a:solidFill>
+                    <a:schemeClr val="tx1">
+                      <a:alpha val="40000"/>
+                    </a:schemeClr>
+                  </a:solidFill>
+                </a:ln>
+                <a:latin typeface="나눔스퀘어_ac" panose="020B0600000101010101" pitchFamily="50" charset="-127"/>
+                <a:ea typeface="나눔스퀘어_ac" panose="020B0600000101010101" pitchFamily="50" charset="-127"/>
+              </a:defRPr>
+            </a:lvl1pPr>
+          </a:lstStyle>
+          <a:p>
+            <a:r>
+              <a:rPr lang="en-US" altLang="ko-KR" dirty="0"/>
+              <a:t>Hubert</a:t>
+            </a:r>
+            <a:r>
+              <a:rPr lang="ko-KR" altLang="en-US" dirty="0"/>
+              <a:t> </a:t>
+            </a:r>
+            <a:r>
+              <a:rPr lang="en-US" altLang="ko-KR" dirty="0"/>
+              <a:t>Nguyen, </a:t>
+            </a:r>
+            <a:r>
+              <a:rPr lang="ko-KR" altLang="en-US" dirty="0" err="1"/>
+              <a:t>주혁환</a:t>
+            </a:r>
+            <a:r>
+              <a:rPr lang="ko-KR" altLang="en-US" dirty="0"/>
+              <a:t> 역</a:t>
+            </a:r>
+            <a:r>
+              <a:rPr lang="en-US" altLang="ko-KR" dirty="0"/>
+              <a:t>, </a:t>
+            </a:r>
+            <a:r>
+              <a:rPr lang="ko-KR" altLang="en-US" dirty="0"/>
+              <a:t>『</a:t>
+            </a:r>
+            <a:r>
+              <a:rPr lang="en-US" altLang="ko-KR" dirty="0"/>
+              <a:t>GPU Gems3』, </a:t>
+            </a:r>
+            <a:r>
+              <a:rPr lang="en-US" altLang="ko-KR" dirty="0">
+                <a:hlinkClick r:id="rId4"/>
+              </a:rPr>
+              <a:t>“https://developer.nvidia.com/</a:t>
+            </a:r>
+            <a:r>
+              <a:rPr lang="en-US" altLang="ko-KR" dirty="0" err="1">
+                <a:hlinkClick r:id="rId4"/>
+              </a:rPr>
+              <a:t>gpugems</a:t>
+            </a:r>
+            <a:r>
+              <a:rPr lang="en-US" altLang="ko-KR" dirty="0">
+                <a:hlinkClick r:id="rId4"/>
+              </a:rPr>
+              <a:t>/gpugems3/part-ii-light-and-shadows/chapter-13-volumetric-light-scattering-post-process</a:t>
+            </a:r>
+            <a:r>
+              <a:rPr lang="en-US" altLang="ko-KR" dirty="0"/>
+              <a:t>”</a:t>
+            </a:r>
+            <a:endParaRPr lang="ko-KR" altLang="en-US" dirty="0"/>
+          </a:p>
+        </p:txBody>
+      </p:sp>
+      <p:sp>
+        <p:nvSpPr>
+          <p:cNvPr id="15" name="TextBox 14">
+            <a:extLst>
+              <a:ext uri="{FF2B5EF4-FFF2-40B4-BE49-F238E27FC236}">
+                <a16:creationId xmlns:a16="http://schemas.microsoft.com/office/drawing/2014/main" id="{8E4BE833-2C41-44F2-8EE4-410F9631E34D}"/>
+              </a:ext>
+            </a:extLst>
+          </p:cNvPr>
+          <p:cNvSpPr txBox="1"/>
+          <p:nvPr/>
+        </p:nvSpPr>
+        <p:spPr>
+          <a:xfrm>
+            <a:off x="664615" y="4092359"/>
+            <a:ext cx="7727949" cy="646331"/>
+          </a:xfrm>
+          <a:prstGeom prst="rect">
+            <a:avLst/>
+          </a:prstGeom>
+          <a:noFill/>
+        </p:spPr>
+        <p:txBody>
+          <a:bodyPr wrap="square" rtlCol="0">
+            <a:spAutoFit/>
+          </a:bodyPr>
+          <a:lstStyle>
+            <a:defPPr>
+              <a:defRPr lang="ko-KR"/>
+            </a:defPPr>
+            <a:lvl1pPr>
+              <a:defRPr spc="-150">
+                <a:ln>
+                  <a:solidFill>
+                    <a:schemeClr val="tx1">
+                      <a:alpha val="40000"/>
+                    </a:schemeClr>
+                  </a:solidFill>
+                </a:ln>
+                <a:latin typeface="나눔스퀘어_ac" panose="020B0600000101010101" pitchFamily="50" charset="-127"/>
+                <a:ea typeface="나눔스퀘어_ac" panose="020B0600000101010101" pitchFamily="50" charset="-127"/>
+              </a:defRPr>
+            </a:lvl1pPr>
+          </a:lstStyle>
+          <a:p>
+            <a:r>
+              <a:rPr lang="en-US" altLang="ko-KR" dirty="0" err="1"/>
+              <a:t>Balázs</a:t>
+            </a:r>
+            <a:r>
+              <a:rPr lang="en-US" altLang="ko-KR" dirty="0"/>
+              <a:t> </a:t>
+            </a:r>
+            <a:r>
+              <a:rPr lang="en-US" altLang="ko-KR" dirty="0" err="1"/>
+              <a:t>Tóth</a:t>
+            </a:r>
+            <a:r>
+              <a:rPr lang="en-US" altLang="ko-KR" dirty="0"/>
+              <a:t> and </a:t>
+            </a:r>
+            <a:r>
+              <a:rPr lang="en-US" altLang="ko-KR" dirty="0" err="1"/>
+              <a:t>Tamás</a:t>
+            </a:r>
+            <a:r>
+              <a:rPr lang="en-US" altLang="ko-KR" dirty="0"/>
+              <a:t> </a:t>
+            </a:r>
+            <a:r>
+              <a:rPr lang="en-US" altLang="ko-KR" dirty="0" err="1"/>
+              <a:t>Umenhoffer</a:t>
+            </a:r>
+            <a:r>
+              <a:rPr lang="en-US" altLang="ko-KR" dirty="0"/>
+              <a:t>, “Real-time Volumetric Lighting in Participating Media”, Budapest University of Technology and Economics, Hungary</a:t>
+            </a:r>
+            <a:endParaRPr lang="ko-KR" altLang="en-US" dirty="0"/>
+          </a:p>
+        </p:txBody>
+      </p:sp>
+      <p:sp>
+        <p:nvSpPr>
+          <p:cNvPr id="13" name="TextBox 12">
+            <a:extLst>
+              <a:ext uri="{FF2B5EF4-FFF2-40B4-BE49-F238E27FC236}">
+                <a16:creationId xmlns:a16="http://schemas.microsoft.com/office/drawing/2014/main" id="{C0DF92B7-5BA1-4683-BBF9-FB6C55BBC917}"/>
+              </a:ext>
+            </a:extLst>
+          </p:cNvPr>
+          <p:cNvSpPr txBox="1"/>
+          <p:nvPr/>
+        </p:nvSpPr>
+        <p:spPr>
+          <a:xfrm>
+            <a:off x="664614" y="4930716"/>
+            <a:ext cx="7727949" cy="646331"/>
+          </a:xfrm>
+          <a:prstGeom prst="rect">
+            <a:avLst/>
+          </a:prstGeom>
+          <a:noFill/>
+        </p:spPr>
+        <p:txBody>
+          <a:bodyPr wrap="square" rtlCol="0">
+            <a:spAutoFit/>
+          </a:bodyPr>
+          <a:lstStyle>
+            <a:defPPr>
+              <a:defRPr lang="ko-KR"/>
+            </a:defPPr>
+            <a:lvl1pPr>
+              <a:defRPr spc="-150">
+                <a:ln>
+                  <a:solidFill>
+                    <a:schemeClr val="tx1">
+                      <a:alpha val="40000"/>
+                    </a:schemeClr>
+                  </a:solidFill>
+                </a:ln>
+                <a:latin typeface="나눔스퀘어_ac" panose="020B0600000101010101" pitchFamily="50" charset="-127"/>
+                <a:ea typeface="나눔스퀘어_ac" panose="020B0600000101010101" pitchFamily="50" charset="-127"/>
+              </a:defRPr>
+            </a:lvl1pPr>
+          </a:lstStyle>
+          <a:p>
+            <a:r>
+              <a:rPr lang="en-US" altLang="ko-KR" dirty="0"/>
+              <a:t>Simon Rodriguez, “</a:t>
+            </a:r>
+            <a:r>
+              <a:rPr lang="en-US" altLang="ko-KR" dirty="0">
+                <a:hlinkClick r:id="rId5"/>
+              </a:rPr>
+              <a:t>http://blog.simonrodriguez.fr/articles/30-07-2016_implementing_fxaa.html</a:t>
+            </a:r>
+            <a:r>
+              <a:rPr lang="en-US" altLang="ko-KR" dirty="0"/>
+              <a:t>”</a:t>
+            </a:r>
+            <a:endParaRPr lang="ko-KR" altLang="en-US" dirty="0"/>
+          </a:p>
+        </p:txBody>
+      </p:sp>
+      <p:sp>
+        <p:nvSpPr>
+          <p:cNvPr id="14" name="TextBox 13">
+            <a:extLst>
+              <a:ext uri="{FF2B5EF4-FFF2-40B4-BE49-F238E27FC236}">
+                <a16:creationId xmlns:a16="http://schemas.microsoft.com/office/drawing/2014/main" id="{6D80FDC3-4E46-44DE-ADCC-0ED58688ACE1}"/>
+              </a:ext>
+            </a:extLst>
+          </p:cNvPr>
+          <p:cNvSpPr txBox="1"/>
+          <p:nvPr/>
+        </p:nvSpPr>
+        <p:spPr>
+          <a:xfrm>
+            <a:off x="664613" y="5740793"/>
+            <a:ext cx="7727949" cy="646331"/>
+          </a:xfrm>
+          <a:prstGeom prst="rect">
+            <a:avLst/>
+          </a:prstGeom>
+          <a:noFill/>
+        </p:spPr>
+        <p:txBody>
+          <a:bodyPr wrap="square" rtlCol="0">
+            <a:spAutoFit/>
+          </a:bodyPr>
+          <a:lstStyle>
+            <a:defPPr>
+              <a:defRPr lang="ko-KR"/>
+            </a:defPPr>
+            <a:lvl1pPr>
+              <a:defRPr spc="-150">
+                <a:ln>
+                  <a:solidFill>
+                    <a:schemeClr val="tx1">
+                      <a:alpha val="40000"/>
+                    </a:schemeClr>
+                  </a:solidFill>
+                </a:ln>
+                <a:latin typeface="나눔스퀘어_ac" panose="020B0600000101010101" pitchFamily="50" charset="-127"/>
+                <a:ea typeface="나눔스퀘어_ac" panose="020B0600000101010101" pitchFamily="50" charset="-127"/>
+              </a:defRPr>
+            </a:lvl1pPr>
+          </a:lstStyle>
+          <a:p>
+            <a:r>
+              <a:rPr lang="en-US" altLang="ko-KR" dirty="0" err="1"/>
+              <a:t>thebennybox</a:t>
+            </a:r>
+            <a:r>
+              <a:rPr lang="en-US" altLang="ko-KR"/>
+              <a:t>,“</a:t>
+            </a:r>
+            <a:r>
+              <a:rPr lang="en-US" altLang="ko-KR" dirty="0">
+                <a:hlinkClick r:id="rId6"/>
+              </a:rPr>
+              <a:t>https://github.com/</a:t>
+            </a:r>
+            <a:r>
+              <a:rPr lang="en-US" altLang="ko-KR" dirty="0" err="1">
+                <a:hlinkClick r:id="rId6"/>
+              </a:rPr>
+              <a:t>BennyQBD</a:t>
+            </a:r>
+            <a:r>
+              <a:rPr lang="en-US" altLang="ko-KR" dirty="0">
+                <a:hlinkClick r:id="rId6"/>
+              </a:rPr>
+              <a:t>/3DEngineCpp/blob/054c2dcd7c52adcf8c9da335a2baee78850504b8/res/shaders/filter-</a:t>
+            </a:r>
+            <a:r>
+              <a:rPr lang="en-US" altLang="ko-KR" dirty="0" err="1">
+                <a:hlinkClick r:id="rId6"/>
+              </a:rPr>
+              <a:t>fxaa.fs</a:t>
+            </a:r>
+            <a:r>
+              <a:rPr lang="en-US" altLang="ko-KR" dirty="0"/>
+              <a:t>“</a:t>
+            </a:r>
+            <a:endParaRPr lang="ko-KR" altLang="en-US" dirty="0"/>
+          </a:p>
+        </p:txBody>
+      </p:sp>
+    </p:spTree>
+    <p:extLst>
+      <p:ext uri="{BB962C8B-B14F-4D97-AF65-F5344CB8AC3E}">
+        <p14:creationId xmlns:p14="http://schemas.microsoft.com/office/powerpoint/2010/main" val="2555184046"/>
+      </p:ext>
+    </p:extLst>
+  </p:cSld>
+  <p:clrMapOvr>
+    <a:masterClrMapping/>
+  </p:clrMapOvr>
+</p:sld>
+</file>
+
+<file path=ppt/slides/slide21.xml><?xml version="1.0" encoding="utf-8"?>
+<p:sld xmlns:a="http://schemas.openxmlformats.org/drawingml/2006/main" xmlns:r="http://schemas.openxmlformats.org/officeDocument/2006/relationships" xmlns:p="http://schemas.openxmlformats.org/presentationml/2006/main">
+  <p:cSld>
+    <p:spTree>
+      <p:nvGrpSpPr>
+        <p:cNvPr id="1" name=""/>
+        <p:cNvGrpSpPr/>
+        <p:nvPr/>
+      </p:nvGrpSpPr>
+      <p:grpSpPr>
+        <a:xfrm>
+          <a:off x="0" y="0"/>
+          <a:ext cx="0" cy="0"/>
+          <a:chOff x="0" y="0"/>
+          <a:chExt cx="0" cy="0"/>
+        </a:xfrm>
+      </p:grpSpPr>
       <p:pic>
         <p:nvPicPr>
           <p:cNvPr id="15" name="그림 14" descr="실내, 테이블, 책상, 컴퓨터이(가) 표시된 사진&#10;&#10;자동 생성된 설명">
@@ -10934,10 +11628,10 @@
       </p:sp>
       <p:pic>
         <p:nvPicPr>
-          <p:cNvPr id="2" name="그림 1">
-            <a:extLst>
-              <a:ext uri="{FF2B5EF4-FFF2-40B4-BE49-F238E27FC236}">
-                <a16:creationId xmlns:a16="http://schemas.microsoft.com/office/drawing/2014/main" id="{5BDB606E-7332-4766-8F9A-4ED291985144}"/>
+          <p:cNvPr id="3" name="그림 2">
+            <a:extLst>
+              <a:ext uri="{FF2B5EF4-FFF2-40B4-BE49-F238E27FC236}">
+                <a16:creationId xmlns:a16="http://schemas.microsoft.com/office/drawing/2014/main" id="{500572D3-DAFF-43D2-BE89-20EEBA93B36B}"/>
               </a:ext>
             </a:extLst>
           </p:cNvPr>
@@ -10954,8 +11648,8 @@
         </p:blipFill>
         <p:spPr>
           <a:xfrm>
-            <a:off x="558136" y="1245070"/>
-            <a:ext cx="6913439" cy="5204695"/>
+            <a:off x="558136" y="1173064"/>
+            <a:ext cx="7140121" cy="5276702"/>
           </a:xfrm>
           <a:prstGeom prst="rect">
             <a:avLst/>
